--- a/機器學習模型模擬醫生判斷病人手術中的麻醉清醒程度Artificial intelligence model simulates anesthesiologist to assess the awareness of patients during surgery 黃偉豪.pptx
+++ b/機器學習模型模擬醫生判斷病人手術中的麻醉清醒程度Artificial intelligence model simulates anesthesiologist to assess the awareness of patients during surgery 黃偉豪.pptx
@@ -5,7 +5,7 @@
     <p:sldMasterId id="2147483648" r:id="rId1"/>
   </p:sldMasterIdLst>
   <p:notesMasterIdLst>
-    <p:notesMasterId r:id="rId22"/>
+    <p:notesMasterId r:id="rId24"/>
   </p:notesMasterIdLst>
   <p:sldIdLst>
     <p:sldId id="2775" r:id="rId2"/>
@@ -18,16 +18,18 @@
     <p:sldId id="2882" r:id="rId9"/>
     <p:sldId id="2883" r:id="rId10"/>
     <p:sldId id="2884" r:id="rId11"/>
-    <p:sldId id="2877" r:id="rId12"/>
-    <p:sldId id="2892" r:id="rId13"/>
-    <p:sldId id="2879" r:id="rId14"/>
-    <p:sldId id="2893" r:id="rId15"/>
-    <p:sldId id="2794" r:id="rId16"/>
-    <p:sldId id="2896" r:id="rId17"/>
-    <p:sldId id="2897" r:id="rId18"/>
-    <p:sldId id="2895" r:id="rId19"/>
-    <p:sldId id="2894" r:id="rId20"/>
-    <p:sldId id="2891" r:id="rId21"/>
+    <p:sldId id="2898" r:id="rId12"/>
+    <p:sldId id="2877" r:id="rId13"/>
+    <p:sldId id="2892" r:id="rId14"/>
+    <p:sldId id="2879" r:id="rId15"/>
+    <p:sldId id="2893" r:id="rId16"/>
+    <p:sldId id="2794" r:id="rId17"/>
+    <p:sldId id="2896" r:id="rId18"/>
+    <p:sldId id="2897" r:id="rId19"/>
+    <p:sldId id="2895" r:id="rId20"/>
+    <p:sldId id="2894" r:id="rId21"/>
+    <p:sldId id="2899" r:id="rId22"/>
+    <p:sldId id="2891" r:id="rId23"/>
   </p:sldIdLst>
   <p:sldSz cx="12192000" cy="6858000"/>
   <p:notesSz cx="6858000" cy="9144000"/>
@@ -216,7 +218,7 @@
           <a:p>
             <a:fld id="{1CB3A69D-CDA8-4458-9603-D89EC1478C6B}" type="datetimeFigureOut">
               <a:rPr lang="zh-TW" altLang="en-US" smtClean="0"/>
-              <a:t>2024/3/16</a:t>
+              <a:t>2024/3/17</a:t>
             </a:fld>
             <a:endParaRPr lang="zh-TW" altLang="en-US"/>
           </a:p>
@@ -786,6 +788,315 @@
   <p:cSld>
     <p:spTree>
       <p:nvGrpSpPr>
+        <p:cNvPr id="1" name="">
+          <a:extLst>
+            <a:ext uri="{FF2B5EF4-FFF2-40B4-BE49-F238E27FC236}">
+              <a16:creationId xmlns:a16="http://schemas.microsoft.com/office/drawing/2014/main" id="{530A71FA-B7A0-4BD0-5E66-A4A2B4190CA1}"/>
+            </a:ext>
+          </a:extLst>
+        </p:cNvPr>
+        <p:cNvGrpSpPr/>
+        <p:nvPr/>
+      </p:nvGrpSpPr>
+      <p:grpSpPr>
+        <a:xfrm>
+          <a:off x="0" y="0"/>
+          <a:ext cx="0" cy="0"/>
+          <a:chOff x="0" y="0"/>
+          <a:chExt cx="0" cy="0"/>
+        </a:xfrm>
+      </p:grpSpPr>
+      <p:sp>
+        <p:nvSpPr>
+          <p:cNvPr id="30722" name="幻灯片图像占位符 1">
+            <a:extLst>
+              <a:ext uri="{FF2B5EF4-FFF2-40B4-BE49-F238E27FC236}">
+                <a16:creationId xmlns:a16="http://schemas.microsoft.com/office/drawing/2014/main" id="{9BBF0B3A-3DBF-F4AA-BE03-231AFCC69EC9}"/>
+              </a:ext>
+            </a:extLst>
+          </p:cNvPr>
+          <p:cNvSpPr>
+            <a:spLocks noGrp="1" noRot="1" noChangeAspect="1" noTextEdit="1"/>
+          </p:cNvSpPr>
+          <p:nvPr>
+            <p:ph type="sldImg"/>
+          </p:nvPr>
+        </p:nvSpPr>
+        <p:spPr bwMode="auto">
+          <a:noFill/>
+          <a:ln>
+            <a:solidFill>
+              <a:srgbClr val="000000"/>
+            </a:solidFill>
+            <a:miter lim="800000"/>
+            <a:headEnd/>
+            <a:tailEnd/>
+          </a:ln>
+          <a:extLst>
+            <a:ext uri="{909E8E84-426E-40DD-AFC4-6F175D3DCCD1}">
+              <a14:hiddenFill xmlns:a14="http://schemas.microsoft.com/office/drawing/2010/main">
+                <a:solidFill>
+                  <a:srgbClr val="FFFFFF"/>
+                </a:solidFill>
+              </a14:hiddenFill>
+            </a:ext>
+          </a:extLst>
+        </p:spPr>
+      </p:sp>
+      <p:sp>
+        <p:nvSpPr>
+          <p:cNvPr id="30723" name="备注占位符 2">
+            <a:extLst>
+              <a:ext uri="{FF2B5EF4-FFF2-40B4-BE49-F238E27FC236}">
+                <a16:creationId xmlns:a16="http://schemas.microsoft.com/office/drawing/2014/main" id="{17DD7171-47F1-CE6E-A2B3-2EED1F84B81D}"/>
+              </a:ext>
+            </a:extLst>
+          </p:cNvPr>
+          <p:cNvSpPr>
+            <a:spLocks noGrp="1"/>
+          </p:cNvSpPr>
+          <p:nvPr>
+            <p:ph type="body" idx="1"/>
+          </p:nvPr>
+        </p:nvSpPr>
+        <p:spPr bwMode="auto">
+          <a:noFill/>
+          <a:extLst>
+            <a:ext uri="{909E8E84-426E-40DD-AFC4-6F175D3DCCD1}">
+              <a14:hiddenFill xmlns:a14="http://schemas.microsoft.com/office/drawing/2010/main">
+                <a:solidFill>
+                  <a:srgbClr val="FFFFFF"/>
+                </a:solidFill>
+              </a14:hiddenFill>
+            </a:ext>
+            <a:ext uri="{91240B29-F687-4F45-9708-019B960494DF}">
+              <a14:hiddenLine xmlns:a14="http://schemas.microsoft.com/office/drawing/2010/main" w="9525">
+                <a:solidFill>
+                  <a:srgbClr val="000000"/>
+                </a:solidFill>
+                <a:miter lim="800000"/>
+                <a:headEnd/>
+                <a:tailEnd/>
+              </a14:hiddenLine>
+            </a:ext>
+          </a:extLst>
+        </p:spPr>
+        <p:txBody>
+          <a:bodyPr wrap="square" numCol="1" anchor="t" anchorCtr="0" compatLnSpc="1">
+            <a:prstTxWarp prst="textNoShape">
+              <a:avLst/>
+            </a:prstTxWarp>
+          </a:bodyPr>
+          <a:lstStyle/>
+          <a:p>
+            <a:pPr eaLnBrk="1" hangingPunct="1">
+              <a:spcBef>
+                <a:spcPct val="0"/>
+              </a:spcBef>
+            </a:pPr>
+            <a:endParaRPr lang="zh-CN" altLang="en-US"/>
+          </a:p>
+        </p:txBody>
+      </p:sp>
+      <p:sp>
+        <p:nvSpPr>
+          <p:cNvPr id="30724" name="灯片编号占位符 3">
+            <a:extLst>
+              <a:ext uri="{FF2B5EF4-FFF2-40B4-BE49-F238E27FC236}">
+                <a16:creationId xmlns:a16="http://schemas.microsoft.com/office/drawing/2014/main" id="{65AFC6C5-C2BA-66ED-FC55-C7040CF86230}"/>
+              </a:ext>
+            </a:extLst>
+          </p:cNvPr>
+          <p:cNvSpPr>
+            <a:spLocks noGrp="1"/>
+          </p:cNvSpPr>
+          <p:nvPr>
+            <p:ph type="sldNum" sz="quarter" idx="5"/>
+          </p:nvPr>
+        </p:nvSpPr>
+        <p:spPr bwMode="auto">
+          <a:noFill/>
+          <a:extLst>
+            <a:ext uri="{909E8E84-426E-40DD-AFC4-6F175D3DCCD1}">
+              <a14:hiddenFill xmlns:a14="http://schemas.microsoft.com/office/drawing/2010/main">
+                <a:solidFill>
+                  <a:srgbClr val="FFFFFF"/>
+                </a:solidFill>
+              </a14:hiddenFill>
+            </a:ext>
+            <a:ext uri="{91240B29-F687-4F45-9708-019B960494DF}">
+              <a14:hiddenLine xmlns:a14="http://schemas.microsoft.com/office/drawing/2010/main" w="9525">
+                <a:solidFill>
+                  <a:srgbClr val="000000"/>
+                </a:solidFill>
+                <a:miter lim="800000"/>
+                <a:headEnd/>
+                <a:tailEnd/>
+              </a14:hiddenLine>
+            </a:ext>
+          </a:extLst>
+        </p:spPr>
+        <p:txBody>
+          <a:bodyPr/>
+          <a:lstStyle>
+            <a:lvl1pPr>
+              <a:spcBef>
+                <a:spcPct val="30000"/>
+              </a:spcBef>
+              <a:defRPr sz="1200">
+                <a:solidFill>
+                  <a:schemeClr val="tx1"/>
+                </a:solidFill>
+                <a:latin typeface="Calibri" panose="020F0502020204030204" pitchFamily="34" charset="0"/>
+                <a:ea typeface="宋体" panose="02010600030101010101" pitchFamily="2" charset="-122"/>
+              </a:defRPr>
+            </a:lvl1pPr>
+            <a:lvl2pPr marL="742950" indent="-285750">
+              <a:spcBef>
+                <a:spcPct val="30000"/>
+              </a:spcBef>
+              <a:defRPr sz="1200">
+                <a:solidFill>
+                  <a:schemeClr val="tx1"/>
+                </a:solidFill>
+                <a:latin typeface="Calibri" panose="020F0502020204030204" pitchFamily="34" charset="0"/>
+                <a:ea typeface="宋体" panose="02010600030101010101" pitchFamily="2" charset="-122"/>
+              </a:defRPr>
+            </a:lvl2pPr>
+            <a:lvl3pPr marL="1143000" indent="-228600">
+              <a:spcBef>
+                <a:spcPct val="30000"/>
+              </a:spcBef>
+              <a:defRPr sz="1200">
+                <a:solidFill>
+                  <a:schemeClr val="tx1"/>
+                </a:solidFill>
+                <a:latin typeface="Calibri" panose="020F0502020204030204" pitchFamily="34" charset="0"/>
+                <a:ea typeface="宋体" panose="02010600030101010101" pitchFamily="2" charset="-122"/>
+              </a:defRPr>
+            </a:lvl3pPr>
+            <a:lvl4pPr marL="1600200" indent="-228600">
+              <a:spcBef>
+                <a:spcPct val="30000"/>
+              </a:spcBef>
+              <a:defRPr sz="1200">
+                <a:solidFill>
+                  <a:schemeClr val="tx1"/>
+                </a:solidFill>
+                <a:latin typeface="Calibri" panose="020F0502020204030204" pitchFamily="34" charset="0"/>
+                <a:ea typeface="宋体" panose="02010600030101010101" pitchFamily="2" charset="-122"/>
+              </a:defRPr>
+            </a:lvl4pPr>
+            <a:lvl5pPr marL="2057400" indent="-228600">
+              <a:spcBef>
+                <a:spcPct val="30000"/>
+              </a:spcBef>
+              <a:defRPr sz="1200">
+                <a:solidFill>
+                  <a:schemeClr val="tx1"/>
+                </a:solidFill>
+                <a:latin typeface="Calibri" panose="020F0502020204030204" pitchFamily="34" charset="0"/>
+                <a:ea typeface="宋体" panose="02010600030101010101" pitchFamily="2" charset="-122"/>
+              </a:defRPr>
+            </a:lvl5pPr>
+            <a:lvl6pPr marL="2514600" indent="-228600" defTabSz="912813" eaLnBrk="0" fontAlgn="base" hangingPunct="0">
+              <a:spcBef>
+                <a:spcPct val="30000"/>
+              </a:spcBef>
+              <a:spcAft>
+                <a:spcPct val="0"/>
+              </a:spcAft>
+              <a:defRPr sz="1200">
+                <a:solidFill>
+                  <a:schemeClr val="tx1"/>
+                </a:solidFill>
+                <a:latin typeface="Calibri" panose="020F0502020204030204" pitchFamily="34" charset="0"/>
+                <a:ea typeface="宋体" panose="02010600030101010101" pitchFamily="2" charset="-122"/>
+              </a:defRPr>
+            </a:lvl6pPr>
+            <a:lvl7pPr marL="2971800" indent="-228600" defTabSz="912813" eaLnBrk="0" fontAlgn="base" hangingPunct="0">
+              <a:spcBef>
+                <a:spcPct val="30000"/>
+              </a:spcBef>
+              <a:spcAft>
+                <a:spcPct val="0"/>
+              </a:spcAft>
+              <a:defRPr sz="1200">
+                <a:solidFill>
+                  <a:schemeClr val="tx1"/>
+                </a:solidFill>
+                <a:latin typeface="Calibri" panose="020F0502020204030204" pitchFamily="34" charset="0"/>
+                <a:ea typeface="宋体" panose="02010600030101010101" pitchFamily="2" charset="-122"/>
+              </a:defRPr>
+            </a:lvl7pPr>
+            <a:lvl8pPr marL="3429000" indent="-228600" defTabSz="912813" eaLnBrk="0" fontAlgn="base" hangingPunct="0">
+              <a:spcBef>
+                <a:spcPct val="30000"/>
+              </a:spcBef>
+              <a:spcAft>
+                <a:spcPct val="0"/>
+              </a:spcAft>
+              <a:defRPr sz="1200">
+                <a:solidFill>
+                  <a:schemeClr val="tx1"/>
+                </a:solidFill>
+                <a:latin typeface="Calibri" panose="020F0502020204030204" pitchFamily="34" charset="0"/>
+                <a:ea typeface="宋体" panose="02010600030101010101" pitchFamily="2" charset="-122"/>
+              </a:defRPr>
+            </a:lvl8pPr>
+            <a:lvl9pPr marL="3886200" indent="-228600" defTabSz="912813" eaLnBrk="0" fontAlgn="base" hangingPunct="0">
+              <a:spcBef>
+                <a:spcPct val="30000"/>
+              </a:spcBef>
+              <a:spcAft>
+                <a:spcPct val="0"/>
+              </a:spcAft>
+              <a:defRPr sz="1200">
+                <a:solidFill>
+                  <a:schemeClr val="tx1"/>
+                </a:solidFill>
+                <a:latin typeface="Calibri" panose="020F0502020204030204" pitchFamily="34" charset="0"/>
+                <a:ea typeface="宋体" panose="02010600030101010101" pitchFamily="2" charset="-122"/>
+              </a:defRPr>
+            </a:lvl9pPr>
+          </a:lstStyle>
+          <a:p>
+            <a:pPr>
+              <a:spcBef>
+                <a:spcPct val="0"/>
+              </a:spcBef>
+            </a:pPr>
+            <a:fld id="{DE7530BB-7C6F-4470-87AB-56D1402E2720}" type="slidenum">
+              <a:rPr lang="zh-CN" altLang="en-US" smtClean="0"/>
+              <a:pPr>
+                <a:spcBef>
+                  <a:spcPct val="0"/>
+                </a:spcBef>
+              </a:pPr>
+              <a:t>11</a:t>
+            </a:fld>
+            <a:endParaRPr lang="zh-CN" altLang="en-US"/>
+          </a:p>
+        </p:txBody>
+      </p:sp>
+    </p:spTree>
+    <p:extLst>
+      <p:ext uri="{BB962C8B-B14F-4D97-AF65-F5344CB8AC3E}">
+        <p14:creationId xmlns:p14="http://schemas.microsoft.com/office/powerpoint/2010/main" val="2709297686"/>
+      </p:ext>
+    </p:extLst>
+  </p:cSld>
+  <p:clrMapOvr>
+    <a:masterClrMapping/>
+  </p:clrMapOvr>
+</p:notes>
+</file>
+
+<file path=ppt/notesSlides/notesSlide11.xml><?xml version="1.0" encoding="utf-8"?>
+<p:notes xmlns:a="http://schemas.openxmlformats.org/drawingml/2006/main" xmlns:r="http://schemas.openxmlformats.org/officeDocument/2006/relationships" xmlns:p="http://schemas.openxmlformats.org/presentationml/2006/main">
+  <p:cSld>
+    <p:spTree>
+      <p:nvGrpSpPr>
         <p:cNvPr id="1" name=""/>
         <p:cNvGrpSpPr/>
         <p:nvPr/>
@@ -1065,7 +1376,7 @@
                   <a:spcPct val="0"/>
                 </a:spcBef>
               </a:pPr>
-              <a:t>11</a:t>
+              <a:t>12</a:t>
             </a:fld>
             <a:endParaRPr lang="zh-CN" altLang="en-US"/>
           </a:p>
@@ -1079,7 +1390,7 @@
 </p:notes>
 </file>
 
-<file path=ppt/notesSlides/notesSlide11.xml><?xml version="1.0" encoding="utf-8"?>
+<file path=ppt/notesSlides/notesSlide12.xml><?xml version="1.0" encoding="utf-8"?>
 <p:notes xmlns:a="http://schemas.openxmlformats.org/drawingml/2006/main" xmlns:r="http://schemas.openxmlformats.org/officeDocument/2006/relationships" xmlns:p="http://schemas.openxmlformats.org/presentationml/2006/main">
   <p:cSld>
     <p:spTree>
@@ -1369,7 +1680,7 @@
                   <a:spcPct val="0"/>
                 </a:spcBef>
               </a:pPr>
-              <a:t>12</a:t>
+              <a:t>13</a:t>
             </a:fld>
             <a:endParaRPr lang="zh-CN" altLang="en-US"/>
           </a:p>
@@ -1388,7 +1699,7 @@
 </p:notes>
 </file>
 
-<file path=ppt/notesSlides/notesSlide12.xml><?xml version="1.0" encoding="utf-8"?>
+<file path=ppt/notesSlides/notesSlide13.xml><?xml version="1.0" encoding="utf-8"?>
 <p:notes xmlns:a="http://schemas.openxmlformats.org/drawingml/2006/main" xmlns:r="http://schemas.openxmlformats.org/officeDocument/2006/relationships" xmlns:p="http://schemas.openxmlformats.org/presentationml/2006/main">
   <p:cSld>
     <p:spTree>
@@ -1672,7 +1983,7 @@
                   <a:spcPct val="0"/>
                 </a:spcBef>
               </a:pPr>
-              <a:t>13</a:t>
+              <a:t>14</a:t>
             </a:fld>
             <a:endParaRPr lang="zh-CN" altLang="en-US"/>
           </a:p>
@@ -1686,7 +1997,7 @@
 </p:notes>
 </file>
 
-<file path=ppt/notesSlides/notesSlide13.xml><?xml version="1.0" encoding="utf-8"?>
+<file path=ppt/notesSlides/notesSlide14.xml><?xml version="1.0" encoding="utf-8"?>
 <p:notes xmlns:a="http://schemas.openxmlformats.org/drawingml/2006/main" xmlns:r="http://schemas.openxmlformats.org/officeDocument/2006/relationships" xmlns:p="http://schemas.openxmlformats.org/presentationml/2006/main">
   <p:cSld>
     <p:spTree>
@@ -1976,7 +2287,7 @@
                   <a:spcPct val="0"/>
                 </a:spcBef>
               </a:pPr>
-              <a:t>14</a:t>
+              <a:t>15</a:t>
             </a:fld>
             <a:endParaRPr lang="zh-CN" altLang="en-US"/>
           </a:p>
@@ -1995,7 +2306,7 @@
 </p:notes>
 </file>
 
-<file path=ppt/notesSlides/notesSlide14.xml><?xml version="1.0" encoding="utf-8"?>
+<file path=ppt/notesSlides/notesSlide15.xml><?xml version="1.0" encoding="utf-8"?>
 <p:notes xmlns:a="http://schemas.openxmlformats.org/drawingml/2006/main" xmlns:r="http://schemas.openxmlformats.org/officeDocument/2006/relationships" xmlns:p="http://schemas.openxmlformats.org/presentationml/2006/main">
   <p:cSld>
     <p:spTree>
@@ -2285,7 +2596,7 @@
                   <a:spcPct val="0"/>
                 </a:spcBef>
               </a:pPr>
-              <a:t>16</a:t>
+              <a:t>17</a:t>
             </a:fld>
             <a:endParaRPr lang="zh-CN" altLang="en-US"/>
           </a:p>
@@ -2304,7 +2615,7 @@
 </p:notes>
 </file>
 
-<file path=ppt/notesSlides/notesSlide15.xml><?xml version="1.0" encoding="utf-8"?>
+<file path=ppt/notesSlides/notesSlide16.xml><?xml version="1.0" encoding="utf-8"?>
 <p:notes xmlns:a="http://schemas.openxmlformats.org/drawingml/2006/main" xmlns:r="http://schemas.openxmlformats.org/officeDocument/2006/relationships" xmlns:p="http://schemas.openxmlformats.org/presentationml/2006/main">
   <p:cSld>
     <p:spTree>
@@ -2594,7 +2905,7 @@
                   <a:spcPct val="0"/>
                 </a:spcBef>
               </a:pPr>
-              <a:t>17</a:t>
+              <a:t>18</a:t>
             </a:fld>
             <a:endParaRPr lang="zh-CN" altLang="en-US"/>
           </a:p>
@@ -2613,7 +2924,7 @@
 </p:notes>
 </file>
 
-<file path=ppt/notesSlides/notesSlide16.xml><?xml version="1.0" encoding="utf-8"?>
+<file path=ppt/notesSlides/notesSlide17.xml><?xml version="1.0" encoding="utf-8"?>
 <p:notes xmlns:a="http://schemas.openxmlformats.org/drawingml/2006/main" xmlns:r="http://schemas.openxmlformats.org/officeDocument/2006/relationships" xmlns:p="http://schemas.openxmlformats.org/presentationml/2006/main">
   <p:cSld>
     <p:spTree>
@@ -2903,7 +3214,7 @@
                   <a:spcPct val="0"/>
                 </a:spcBef>
               </a:pPr>
-              <a:t>18</a:t>
+              <a:t>19</a:t>
             </a:fld>
             <a:endParaRPr lang="zh-CN" altLang="en-US"/>
           </a:p>
@@ -2922,7 +3233,7 @@
 </p:notes>
 </file>
 
-<file path=ppt/notesSlides/notesSlide17.xml><?xml version="1.0" encoding="utf-8"?>
+<file path=ppt/notesSlides/notesSlide18.xml><?xml version="1.0" encoding="utf-8"?>
 <p:notes xmlns:a="http://schemas.openxmlformats.org/drawingml/2006/main" xmlns:r="http://schemas.openxmlformats.org/officeDocument/2006/relationships" xmlns:p="http://schemas.openxmlformats.org/presentationml/2006/main">
   <p:cSld>
     <p:spTree>
@@ -3212,7 +3523,7 @@
                   <a:spcPct val="0"/>
                 </a:spcBef>
               </a:pPr>
-              <a:t>19</a:t>
+              <a:t>20</a:t>
             </a:fld>
             <a:endParaRPr lang="zh-CN" altLang="en-US"/>
           </a:p>
@@ -3231,12 +3542,18 @@
 </p:notes>
 </file>
 
-<file path=ppt/notesSlides/notesSlide18.xml><?xml version="1.0" encoding="utf-8"?>
+<file path=ppt/notesSlides/notesSlide19.xml><?xml version="1.0" encoding="utf-8"?>
 <p:notes xmlns:a="http://schemas.openxmlformats.org/drawingml/2006/main" xmlns:r="http://schemas.openxmlformats.org/officeDocument/2006/relationships" xmlns:p="http://schemas.openxmlformats.org/presentationml/2006/main">
   <p:cSld>
     <p:spTree>
       <p:nvGrpSpPr>
-        <p:cNvPr id="1" name=""/>
+        <p:cNvPr id="1" name="">
+          <a:extLst>
+            <a:ext uri="{FF2B5EF4-FFF2-40B4-BE49-F238E27FC236}">
+              <a16:creationId xmlns:a16="http://schemas.microsoft.com/office/drawing/2014/main" id="{68356F27-AA5A-B8DE-30DA-FAF48606B5C4}"/>
+            </a:ext>
+          </a:extLst>
+        </p:cNvPr>
         <p:cNvGrpSpPr/>
         <p:nvPr/>
       </p:nvGrpSpPr>
@@ -3250,10 +3567,10 @@
       </p:grpSpPr>
       <p:sp>
         <p:nvSpPr>
-          <p:cNvPr id="22530" name="幻灯片图像占位符 1">
+          <p:cNvPr id="30722" name="幻灯片图像占位符 1">
             <a:extLst>
               <a:ext uri="{FF2B5EF4-FFF2-40B4-BE49-F238E27FC236}">
-                <a16:creationId xmlns:a16="http://schemas.microsoft.com/office/drawing/2014/main" id="{9B90AF7C-884C-EA92-4363-5A89AB6DD308}"/>
+                <a16:creationId xmlns:a16="http://schemas.microsoft.com/office/drawing/2014/main" id="{2231C168-5EC0-63AA-5CC8-3BCD86AFB850}"/>
               </a:ext>
             </a:extLst>
           </p:cNvPr>
@@ -3287,10 +3604,10 @@
       </p:sp>
       <p:sp>
         <p:nvSpPr>
-          <p:cNvPr id="22531" name="备注占位符 2">
+          <p:cNvPr id="30723" name="备注占位符 2">
             <a:extLst>
               <a:ext uri="{FF2B5EF4-FFF2-40B4-BE49-F238E27FC236}">
-                <a16:creationId xmlns:a16="http://schemas.microsoft.com/office/drawing/2014/main" id="{1743FAAF-55B1-1E44-CE45-56C99AEEB181}"/>
+                <a16:creationId xmlns:a16="http://schemas.microsoft.com/office/drawing/2014/main" id="{2F70401B-7E90-FF97-6F6D-6F906EDD8FDC}"/>
               </a:ext>
             </a:extLst>
           </p:cNvPr>
@@ -3342,10 +3659,10 @@
       </p:sp>
       <p:sp>
         <p:nvSpPr>
-          <p:cNvPr id="22532" name="灯片编号占位符 3">
+          <p:cNvPr id="30724" name="灯片编号占位符 3">
             <a:extLst>
               <a:ext uri="{FF2B5EF4-FFF2-40B4-BE49-F238E27FC236}">
-                <a16:creationId xmlns:a16="http://schemas.microsoft.com/office/drawing/2014/main" id="{BE2E2464-1D63-0D77-38BD-790590F2DB00}"/>
+                <a16:creationId xmlns:a16="http://schemas.microsoft.com/office/drawing/2014/main" id="{682A333B-C788-3AB7-FF7E-F6151DBF665E}"/>
               </a:ext>
             </a:extLst>
           </p:cNvPr>
@@ -3508,14 +3825,14 @@
                 <a:spcPct val="0"/>
               </a:spcBef>
             </a:pPr>
-            <a:fld id="{E5B1C131-9A4F-4612-90AE-C84034D216F1}" type="slidenum">
+            <a:fld id="{DE7530BB-7C6F-4470-87AB-56D1402E2720}" type="slidenum">
               <a:rPr lang="zh-CN" altLang="en-US" smtClean="0"/>
               <a:pPr>
                 <a:spcBef>
                   <a:spcPct val="0"/>
                 </a:spcBef>
               </a:pPr>
-              <a:t>20</a:t>
+              <a:t>21</a:t>
             </a:fld>
             <a:endParaRPr lang="zh-CN" altLang="en-US"/>
           </a:p>
@@ -3524,7 +3841,7 @@
     </p:spTree>
     <p:extLst>
       <p:ext uri="{BB962C8B-B14F-4D97-AF65-F5344CB8AC3E}">
-        <p14:creationId xmlns:p14="http://schemas.microsoft.com/office/powerpoint/2010/main" val="3476162697"/>
+        <p14:creationId xmlns:p14="http://schemas.microsoft.com/office/powerpoint/2010/main" val="3382934945"/>
       </p:ext>
     </p:extLst>
   </p:cSld>
@@ -3825,6 +4142,309 @@
         </p:txBody>
       </p:sp>
     </p:spTree>
+  </p:cSld>
+  <p:clrMapOvr>
+    <a:masterClrMapping/>
+  </p:clrMapOvr>
+</p:notes>
+</file>
+
+<file path=ppt/notesSlides/notesSlide20.xml><?xml version="1.0" encoding="utf-8"?>
+<p:notes xmlns:a="http://schemas.openxmlformats.org/drawingml/2006/main" xmlns:r="http://schemas.openxmlformats.org/officeDocument/2006/relationships" xmlns:p="http://schemas.openxmlformats.org/presentationml/2006/main">
+  <p:cSld>
+    <p:spTree>
+      <p:nvGrpSpPr>
+        <p:cNvPr id="1" name=""/>
+        <p:cNvGrpSpPr/>
+        <p:nvPr/>
+      </p:nvGrpSpPr>
+      <p:grpSpPr>
+        <a:xfrm>
+          <a:off x="0" y="0"/>
+          <a:ext cx="0" cy="0"/>
+          <a:chOff x="0" y="0"/>
+          <a:chExt cx="0" cy="0"/>
+        </a:xfrm>
+      </p:grpSpPr>
+      <p:sp>
+        <p:nvSpPr>
+          <p:cNvPr id="22530" name="幻灯片图像占位符 1">
+            <a:extLst>
+              <a:ext uri="{FF2B5EF4-FFF2-40B4-BE49-F238E27FC236}">
+                <a16:creationId xmlns:a16="http://schemas.microsoft.com/office/drawing/2014/main" id="{9B90AF7C-884C-EA92-4363-5A89AB6DD308}"/>
+              </a:ext>
+            </a:extLst>
+          </p:cNvPr>
+          <p:cNvSpPr>
+            <a:spLocks noGrp="1" noRot="1" noChangeAspect="1" noTextEdit="1"/>
+          </p:cNvSpPr>
+          <p:nvPr>
+            <p:ph type="sldImg"/>
+          </p:nvPr>
+        </p:nvSpPr>
+        <p:spPr bwMode="auto">
+          <a:noFill/>
+          <a:ln>
+            <a:solidFill>
+              <a:srgbClr val="000000"/>
+            </a:solidFill>
+            <a:miter lim="800000"/>
+            <a:headEnd/>
+            <a:tailEnd/>
+          </a:ln>
+          <a:extLst>
+            <a:ext uri="{909E8E84-426E-40DD-AFC4-6F175D3DCCD1}">
+              <a14:hiddenFill xmlns:a14="http://schemas.microsoft.com/office/drawing/2010/main">
+                <a:solidFill>
+                  <a:srgbClr val="FFFFFF"/>
+                </a:solidFill>
+              </a14:hiddenFill>
+            </a:ext>
+          </a:extLst>
+        </p:spPr>
+      </p:sp>
+      <p:sp>
+        <p:nvSpPr>
+          <p:cNvPr id="22531" name="备注占位符 2">
+            <a:extLst>
+              <a:ext uri="{FF2B5EF4-FFF2-40B4-BE49-F238E27FC236}">
+                <a16:creationId xmlns:a16="http://schemas.microsoft.com/office/drawing/2014/main" id="{1743FAAF-55B1-1E44-CE45-56C99AEEB181}"/>
+              </a:ext>
+            </a:extLst>
+          </p:cNvPr>
+          <p:cNvSpPr>
+            <a:spLocks noGrp="1"/>
+          </p:cNvSpPr>
+          <p:nvPr>
+            <p:ph type="body" idx="1"/>
+          </p:nvPr>
+        </p:nvSpPr>
+        <p:spPr bwMode="auto">
+          <a:noFill/>
+          <a:extLst>
+            <a:ext uri="{909E8E84-426E-40DD-AFC4-6F175D3DCCD1}">
+              <a14:hiddenFill xmlns:a14="http://schemas.microsoft.com/office/drawing/2010/main">
+                <a:solidFill>
+                  <a:srgbClr val="FFFFFF"/>
+                </a:solidFill>
+              </a14:hiddenFill>
+            </a:ext>
+            <a:ext uri="{91240B29-F687-4F45-9708-019B960494DF}">
+              <a14:hiddenLine xmlns:a14="http://schemas.microsoft.com/office/drawing/2010/main" w="9525">
+                <a:solidFill>
+                  <a:srgbClr val="000000"/>
+                </a:solidFill>
+                <a:miter lim="800000"/>
+                <a:headEnd/>
+                <a:tailEnd/>
+              </a14:hiddenLine>
+            </a:ext>
+          </a:extLst>
+        </p:spPr>
+        <p:txBody>
+          <a:bodyPr wrap="square" numCol="1" anchor="t" anchorCtr="0" compatLnSpc="1">
+            <a:prstTxWarp prst="textNoShape">
+              <a:avLst/>
+            </a:prstTxWarp>
+          </a:bodyPr>
+          <a:lstStyle/>
+          <a:p>
+            <a:pPr eaLnBrk="1" hangingPunct="1">
+              <a:spcBef>
+                <a:spcPct val="0"/>
+              </a:spcBef>
+            </a:pPr>
+            <a:endParaRPr lang="zh-CN" altLang="en-US"/>
+          </a:p>
+        </p:txBody>
+      </p:sp>
+      <p:sp>
+        <p:nvSpPr>
+          <p:cNvPr id="22532" name="灯片编号占位符 3">
+            <a:extLst>
+              <a:ext uri="{FF2B5EF4-FFF2-40B4-BE49-F238E27FC236}">
+                <a16:creationId xmlns:a16="http://schemas.microsoft.com/office/drawing/2014/main" id="{BE2E2464-1D63-0D77-38BD-790590F2DB00}"/>
+              </a:ext>
+            </a:extLst>
+          </p:cNvPr>
+          <p:cNvSpPr>
+            <a:spLocks noGrp="1"/>
+          </p:cNvSpPr>
+          <p:nvPr>
+            <p:ph type="sldNum" sz="quarter" idx="5"/>
+          </p:nvPr>
+        </p:nvSpPr>
+        <p:spPr bwMode="auto">
+          <a:noFill/>
+          <a:extLst>
+            <a:ext uri="{909E8E84-426E-40DD-AFC4-6F175D3DCCD1}">
+              <a14:hiddenFill xmlns:a14="http://schemas.microsoft.com/office/drawing/2010/main">
+                <a:solidFill>
+                  <a:srgbClr val="FFFFFF"/>
+                </a:solidFill>
+              </a14:hiddenFill>
+            </a:ext>
+            <a:ext uri="{91240B29-F687-4F45-9708-019B960494DF}">
+              <a14:hiddenLine xmlns:a14="http://schemas.microsoft.com/office/drawing/2010/main" w="9525">
+                <a:solidFill>
+                  <a:srgbClr val="000000"/>
+                </a:solidFill>
+                <a:miter lim="800000"/>
+                <a:headEnd/>
+                <a:tailEnd/>
+              </a14:hiddenLine>
+            </a:ext>
+          </a:extLst>
+        </p:spPr>
+        <p:txBody>
+          <a:bodyPr/>
+          <a:lstStyle>
+            <a:lvl1pPr>
+              <a:spcBef>
+                <a:spcPct val="30000"/>
+              </a:spcBef>
+              <a:defRPr sz="1200">
+                <a:solidFill>
+                  <a:schemeClr val="tx1"/>
+                </a:solidFill>
+                <a:latin typeface="Calibri" panose="020F0502020204030204" pitchFamily="34" charset="0"/>
+                <a:ea typeface="宋体" panose="02010600030101010101" pitchFamily="2" charset="-122"/>
+              </a:defRPr>
+            </a:lvl1pPr>
+            <a:lvl2pPr marL="742950" indent="-285750">
+              <a:spcBef>
+                <a:spcPct val="30000"/>
+              </a:spcBef>
+              <a:defRPr sz="1200">
+                <a:solidFill>
+                  <a:schemeClr val="tx1"/>
+                </a:solidFill>
+                <a:latin typeface="Calibri" panose="020F0502020204030204" pitchFamily="34" charset="0"/>
+                <a:ea typeface="宋体" panose="02010600030101010101" pitchFamily="2" charset="-122"/>
+              </a:defRPr>
+            </a:lvl2pPr>
+            <a:lvl3pPr marL="1143000" indent="-228600">
+              <a:spcBef>
+                <a:spcPct val="30000"/>
+              </a:spcBef>
+              <a:defRPr sz="1200">
+                <a:solidFill>
+                  <a:schemeClr val="tx1"/>
+                </a:solidFill>
+                <a:latin typeface="Calibri" panose="020F0502020204030204" pitchFamily="34" charset="0"/>
+                <a:ea typeface="宋体" panose="02010600030101010101" pitchFamily="2" charset="-122"/>
+              </a:defRPr>
+            </a:lvl3pPr>
+            <a:lvl4pPr marL="1600200" indent="-228600">
+              <a:spcBef>
+                <a:spcPct val="30000"/>
+              </a:spcBef>
+              <a:defRPr sz="1200">
+                <a:solidFill>
+                  <a:schemeClr val="tx1"/>
+                </a:solidFill>
+                <a:latin typeface="Calibri" panose="020F0502020204030204" pitchFamily="34" charset="0"/>
+                <a:ea typeface="宋体" panose="02010600030101010101" pitchFamily="2" charset="-122"/>
+              </a:defRPr>
+            </a:lvl4pPr>
+            <a:lvl5pPr marL="2057400" indent="-228600">
+              <a:spcBef>
+                <a:spcPct val="30000"/>
+              </a:spcBef>
+              <a:defRPr sz="1200">
+                <a:solidFill>
+                  <a:schemeClr val="tx1"/>
+                </a:solidFill>
+                <a:latin typeface="Calibri" panose="020F0502020204030204" pitchFamily="34" charset="0"/>
+                <a:ea typeface="宋体" panose="02010600030101010101" pitchFamily="2" charset="-122"/>
+              </a:defRPr>
+            </a:lvl5pPr>
+            <a:lvl6pPr marL="2514600" indent="-228600" defTabSz="912813" eaLnBrk="0" fontAlgn="base" hangingPunct="0">
+              <a:spcBef>
+                <a:spcPct val="30000"/>
+              </a:spcBef>
+              <a:spcAft>
+                <a:spcPct val="0"/>
+              </a:spcAft>
+              <a:defRPr sz="1200">
+                <a:solidFill>
+                  <a:schemeClr val="tx1"/>
+                </a:solidFill>
+                <a:latin typeface="Calibri" panose="020F0502020204030204" pitchFamily="34" charset="0"/>
+                <a:ea typeface="宋体" panose="02010600030101010101" pitchFamily="2" charset="-122"/>
+              </a:defRPr>
+            </a:lvl6pPr>
+            <a:lvl7pPr marL="2971800" indent="-228600" defTabSz="912813" eaLnBrk="0" fontAlgn="base" hangingPunct="0">
+              <a:spcBef>
+                <a:spcPct val="30000"/>
+              </a:spcBef>
+              <a:spcAft>
+                <a:spcPct val="0"/>
+              </a:spcAft>
+              <a:defRPr sz="1200">
+                <a:solidFill>
+                  <a:schemeClr val="tx1"/>
+                </a:solidFill>
+                <a:latin typeface="Calibri" panose="020F0502020204030204" pitchFamily="34" charset="0"/>
+                <a:ea typeface="宋体" panose="02010600030101010101" pitchFamily="2" charset="-122"/>
+              </a:defRPr>
+            </a:lvl7pPr>
+            <a:lvl8pPr marL="3429000" indent="-228600" defTabSz="912813" eaLnBrk="0" fontAlgn="base" hangingPunct="0">
+              <a:spcBef>
+                <a:spcPct val="30000"/>
+              </a:spcBef>
+              <a:spcAft>
+                <a:spcPct val="0"/>
+              </a:spcAft>
+              <a:defRPr sz="1200">
+                <a:solidFill>
+                  <a:schemeClr val="tx1"/>
+                </a:solidFill>
+                <a:latin typeface="Calibri" panose="020F0502020204030204" pitchFamily="34" charset="0"/>
+                <a:ea typeface="宋体" panose="02010600030101010101" pitchFamily="2" charset="-122"/>
+              </a:defRPr>
+            </a:lvl8pPr>
+            <a:lvl9pPr marL="3886200" indent="-228600" defTabSz="912813" eaLnBrk="0" fontAlgn="base" hangingPunct="0">
+              <a:spcBef>
+                <a:spcPct val="30000"/>
+              </a:spcBef>
+              <a:spcAft>
+                <a:spcPct val="0"/>
+              </a:spcAft>
+              <a:defRPr sz="1200">
+                <a:solidFill>
+                  <a:schemeClr val="tx1"/>
+                </a:solidFill>
+                <a:latin typeface="Calibri" panose="020F0502020204030204" pitchFamily="34" charset="0"/>
+                <a:ea typeface="宋体" panose="02010600030101010101" pitchFamily="2" charset="-122"/>
+              </a:defRPr>
+            </a:lvl9pPr>
+          </a:lstStyle>
+          <a:p>
+            <a:pPr>
+              <a:spcBef>
+                <a:spcPct val="0"/>
+              </a:spcBef>
+            </a:pPr>
+            <a:fld id="{E5B1C131-9A4F-4612-90AE-C84034D216F1}" type="slidenum">
+              <a:rPr lang="zh-CN" altLang="en-US" smtClean="0"/>
+              <a:pPr>
+                <a:spcBef>
+                  <a:spcPct val="0"/>
+                </a:spcBef>
+              </a:pPr>
+              <a:t>22</a:t>
+            </a:fld>
+            <a:endParaRPr lang="zh-CN" altLang="en-US"/>
+          </a:p>
+        </p:txBody>
+      </p:sp>
+    </p:spTree>
+    <p:extLst>
+      <p:ext uri="{BB962C8B-B14F-4D97-AF65-F5344CB8AC3E}">
+        <p14:creationId xmlns:p14="http://schemas.microsoft.com/office/powerpoint/2010/main" val="3476162697"/>
+      </p:ext>
+    </p:extLst>
   </p:cSld>
   <p:clrMapOvr>
     <a:masterClrMapping/>
@@ -6065,7 +6685,7 @@
           <a:p>
             <a:fld id="{442FF8DE-E195-4375-A2AB-442EB6D0A150}" type="datetimeFigureOut">
               <a:rPr lang="zh-TW" altLang="en-US" smtClean="0"/>
-              <a:t>2024/3/16</a:t>
+              <a:t>2024/3/17</a:t>
             </a:fld>
             <a:endParaRPr lang="zh-TW" altLang="en-US"/>
           </a:p>
@@ -6263,7 +6883,7 @@
           <a:p>
             <a:fld id="{442FF8DE-E195-4375-A2AB-442EB6D0A150}" type="datetimeFigureOut">
               <a:rPr lang="zh-TW" altLang="en-US" smtClean="0"/>
-              <a:t>2024/3/16</a:t>
+              <a:t>2024/3/17</a:t>
             </a:fld>
             <a:endParaRPr lang="zh-TW" altLang="en-US"/>
           </a:p>
@@ -6471,7 +7091,7 @@
           <a:p>
             <a:fld id="{442FF8DE-E195-4375-A2AB-442EB6D0A150}" type="datetimeFigureOut">
               <a:rPr lang="zh-TW" altLang="en-US" smtClean="0"/>
-              <a:t>2024/3/16</a:t>
+              <a:t>2024/3/17</a:t>
             </a:fld>
             <a:endParaRPr lang="zh-TW" altLang="en-US"/>
           </a:p>
@@ -6669,7 +7289,7 @@
           <a:p>
             <a:fld id="{442FF8DE-E195-4375-A2AB-442EB6D0A150}" type="datetimeFigureOut">
               <a:rPr lang="zh-TW" altLang="en-US" smtClean="0"/>
-              <a:t>2024/3/16</a:t>
+              <a:t>2024/3/17</a:t>
             </a:fld>
             <a:endParaRPr lang="zh-TW" altLang="en-US"/>
           </a:p>
@@ -6944,7 +7564,7 @@
           <a:p>
             <a:fld id="{442FF8DE-E195-4375-A2AB-442EB6D0A150}" type="datetimeFigureOut">
               <a:rPr lang="zh-TW" altLang="en-US" smtClean="0"/>
-              <a:t>2024/3/16</a:t>
+              <a:t>2024/3/17</a:t>
             </a:fld>
             <a:endParaRPr lang="zh-TW" altLang="en-US"/>
           </a:p>
@@ -7209,7 +7829,7 @@
           <a:p>
             <a:fld id="{442FF8DE-E195-4375-A2AB-442EB6D0A150}" type="datetimeFigureOut">
               <a:rPr lang="zh-TW" altLang="en-US" smtClean="0"/>
-              <a:t>2024/3/16</a:t>
+              <a:t>2024/3/17</a:t>
             </a:fld>
             <a:endParaRPr lang="zh-TW" altLang="en-US"/>
           </a:p>
@@ -7621,7 +8241,7 @@
           <a:p>
             <a:fld id="{442FF8DE-E195-4375-A2AB-442EB6D0A150}" type="datetimeFigureOut">
               <a:rPr lang="zh-TW" altLang="en-US" smtClean="0"/>
-              <a:t>2024/3/16</a:t>
+              <a:t>2024/3/17</a:t>
             </a:fld>
             <a:endParaRPr lang="zh-TW" altLang="en-US"/>
           </a:p>
@@ -7762,7 +8382,7 @@
           <a:p>
             <a:fld id="{442FF8DE-E195-4375-A2AB-442EB6D0A150}" type="datetimeFigureOut">
               <a:rPr lang="zh-TW" altLang="en-US" smtClean="0"/>
-              <a:t>2024/3/16</a:t>
+              <a:t>2024/3/17</a:t>
             </a:fld>
             <a:endParaRPr lang="zh-TW" altLang="en-US"/>
           </a:p>
@@ -7875,7 +8495,7 @@
           <a:p>
             <a:fld id="{442FF8DE-E195-4375-A2AB-442EB6D0A150}" type="datetimeFigureOut">
               <a:rPr lang="zh-TW" altLang="en-US" smtClean="0"/>
-              <a:t>2024/3/16</a:t>
+              <a:t>2024/3/17</a:t>
             </a:fld>
             <a:endParaRPr lang="zh-TW" altLang="en-US"/>
           </a:p>
@@ -8186,7 +8806,7 @@
           <a:p>
             <a:fld id="{442FF8DE-E195-4375-A2AB-442EB6D0A150}" type="datetimeFigureOut">
               <a:rPr lang="zh-TW" altLang="en-US" smtClean="0"/>
-              <a:t>2024/3/16</a:t>
+              <a:t>2024/3/17</a:t>
             </a:fld>
             <a:endParaRPr lang="zh-TW" altLang="en-US"/>
           </a:p>
@@ -8474,7 +9094,7 @@
           <a:p>
             <a:fld id="{442FF8DE-E195-4375-A2AB-442EB6D0A150}" type="datetimeFigureOut">
               <a:rPr lang="zh-TW" altLang="en-US" smtClean="0"/>
-              <a:t>2024/3/16</a:t>
+              <a:t>2024/3/17</a:t>
             </a:fld>
             <a:endParaRPr lang="zh-TW" altLang="en-US"/>
           </a:p>
@@ -8715,7 +9335,7 @@
           <a:p>
             <a:fld id="{442FF8DE-E195-4375-A2AB-442EB6D0A150}" type="datetimeFigureOut">
               <a:rPr lang="zh-TW" altLang="en-US" smtClean="0"/>
-              <a:t>2024/3/16</a:t>
+              <a:t>2024/3/17</a:t>
             </a:fld>
             <a:endParaRPr lang="zh-TW" altLang="en-US"/>
           </a:p>
@@ -10618,6 +11238,757 @@
   <p:cSld>
     <p:spTree>
       <p:nvGrpSpPr>
+        <p:cNvPr id="1" name="">
+          <a:extLst>
+            <a:ext uri="{FF2B5EF4-FFF2-40B4-BE49-F238E27FC236}">
+              <a16:creationId xmlns:a16="http://schemas.microsoft.com/office/drawing/2014/main" id="{72F321F2-9208-DF60-209B-E4D05CD0D193}"/>
+            </a:ext>
+          </a:extLst>
+        </p:cNvPr>
+        <p:cNvGrpSpPr/>
+        <p:nvPr/>
+      </p:nvGrpSpPr>
+      <p:grpSpPr>
+        <a:xfrm>
+          <a:off x="0" y="0"/>
+          <a:ext cx="0" cy="0"/>
+          <a:chOff x="0" y="0"/>
+          <a:chExt cx="0" cy="0"/>
+        </a:xfrm>
+      </p:grpSpPr>
+      <p:sp>
+        <p:nvSpPr>
+          <p:cNvPr id="29699" name="TextBox 20">
+            <a:extLst>
+              <a:ext uri="{FF2B5EF4-FFF2-40B4-BE49-F238E27FC236}">
+                <a16:creationId xmlns:a16="http://schemas.microsoft.com/office/drawing/2014/main" id="{9B84E9E3-C06D-7584-A853-36C70265034D}"/>
+              </a:ext>
+            </a:extLst>
+          </p:cNvPr>
+          <p:cNvSpPr txBox="1">
+            <a:spLocks noChangeArrowheads="1"/>
+          </p:cNvSpPr>
+          <p:nvPr/>
+        </p:nvSpPr>
+        <p:spPr bwMode="auto">
+          <a:xfrm>
+            <a:off x="1248834" y="357717"/>
+            <a:ext cx="10477500" cy="617720"/>
+          </a:xfrm>
+          <a:prstGeom prst="rect">
+            <a:avLst/>
+          </a:prstGeom>
+          <a:noFill/>
+          <a:ln>
+            <a:noFill/>
+          </a:ln>
+          <a:extLst>
+            <a:ext uri="{909E8E84-426E-40DD-AFC4-6F175D3DCCD1}">
+              <a14:hiddenFill xmlns:a14="http://schemas.microsoft.com/office/drawing/2010/main">
+                <a:solidFill>
+                  <a:srgbClr val="FFFFFF"/>
+                </a:solidFill>
+              </a14:hiddenFill>
+            </a:ext>
+            <a:ext uri="{91240B29-F687-4F45-9708-019B960494DF}">
+              <a14:hiddenLine xmlns:a14="http://schemas.microsoft.com/office/drawing/2010/main" w="9525">
+                <a:solidFill>
+                  <a:srgbClr val="000000"/>
+                </a:solidFill>
+                <a:miter lim="800000"/>
+                <a:headEnd/>
+                <a:tailEnd/>
+              </a14:hiddenLine>
+            </a:ext>
+          </a:extLst>
+        </p:spPr>
+        <p:txBody>
+          <a:bodyPr lIns="124065" tIns="62033" rIns="124065" bIns="62033">
+            <a:spAutoFit/>
+          </a:bodyPr>
+          <a:lstStyle>
+            <a:lvl1pPr>
+              <a:spcBef>
+                <a:spcPct val="20000"/>
+              </a:spcBef>
+              <a:buFont typeface="Arial" panose="020B0604020202020204" pitchFamily="34" charset="0"/>
+              <a:buChar char="•"/>
+              <a:defRPr sz="3200">
+                <a:solidFill>
+                  <a:schemeClr val="tx1"/>
+                </a:solidFill>
+                <a:latin typeface="Calibri" panose="020F0502020204030204" pitchFamily="34" charset="0"/>
+                <a:ea typeface="宋体" panose="02010600030101010101" pitchFamily="2" charset="-122"/>
+              </a:defRPr>
+            </a:lvl1pPr>
+            <a:lvl2pPr marL="742950" indent="-285750">
+              <a:spcBef>
+                <a:spcPct val="20000"/>
+              </a:spcBef>
+              <a:buFont typeface="Arial" panose="020B0604020202020204" pitchFamily="34" charset="0"/>
+              <a:buChar char="–"/>
+              <a:defRPr sz="2800">
+                <a:solidFill>
+                  <a:schemeClr val="tx1"/>
+                </a:solidFill>
+                <a:latin typeface="Calibri" panose="020F0502020204030204" pitchFamily="34" charset="0"/>
+                <a:ea typeface="宋体" panose="02010600030101010101" pitchFamily="2" charset="-122"/>
+              </a:defRPr>
+            </a:lvl2pPr>
+            <a:lvl3pPr marL="1143000" indent="-228600">
+              <a:spcBef>
+                <a:spcPct val="20000"/>
+              </a:spcBef>
+              <a:buFont typeface="Arial" panose="020B0604020202020204" pitchFamily="34" charset="0"/>
+              <a:buChar char="•"/>
+              <a:defRPr sz="2400">
+                <a:solidFill>
+                  <a:schemeClr val="tx1"/>
+                </a:solidFill>
+                <a:latin typeface="Calibri" panose="020F0502020204030204" pitchFamily="34" charset="0"/>
+                <a:ea typeface="宋体" panose="02010600030101010101" pitchFamily="2" charset="-122"/>
+              </a:defRPr>
+            </a:lvl3pPr>
+            <a:lvl4pPr marL="1600200" indent="-228600">
+              <a:spcBef>
+                <a:spcPct val="20000"/>
+              </a:spcBef>
+              <a:buFont typeface="Arial" panose="020B0604020202020204" pitchFamily="34" charset="0"/>
+              <a:buChar char="–"/>
+              <a:defRPr sz="2000">
+                <a:solidFill>
+                  <a:schemeClr val="tx1"/>
+                </a:solidFill>
+                <a:latin typeface="Calibri" panose="020F0502020204030204" pitchFamily="34" charset="0"/>
+                <a:ea typeface="宋体" panose="02010600030101010101" pitchFamily="2" charset="-122"/>
+              </a:defRPr>
+            </a:lvl4pPr>
+            <a:lvl5pPr marL="2057400" indent="-228600">
+              <a:spcBef>
+                <a:spcPct val="20000"/>
+              </a:spcBef>
+              <a:buFont typeface="Arial" panose="020B0604020202020204" pitchFamily="34" charset="0"/>
+              <a:buChar char="»"/>
+              <a:defRPr sz="2000">
+                <a:solidFill>
+                  <a:schemeClr val="tx1"/>
+                </a:solidFill>
+                <a:latin typeface="Calibri" panose="020F0502020204030204" pitchFamily="34" charset="0"/>
+                <a:ea typeface="宋体" panose="02010600030101010101" pitchFamily="2" charset="-122"/>
+              </a:defRPr>
+            </a:lvl5pPr>
+            <a:lvl6pPr marL="2514600" indent="-228600" defTabSz="912813" eaLnBrk="0" fontAlgn="base" hangingPunct="0">
+              <a:spcBef>
+                <a:spcPct val="20000"/>
+              </a:spcBef>
+              <a:spcAft>
+                <a:spcPct val="0"/>
+              </a:spcAft>
+              <a:buFont typeface="Arial" panose="020B0604020202020204" pitchFamily="34" charset="0"/>
+              <a:buChar char="»"/>
+              <a:defRPr sz="2000">
+                <a:solidFill>
+                  <a:schemeClr val="tx1"/>
+                </a:solidFill>
+                <a:latin typeface="Calibri" panose="020F0502020204030204" pitchFamily="34" charset="0"/>
+                <a:ea typeface="宋体" panose="02010600030101010101" pitchFamily="2" charset="-122"/>
+              </a:defRPr>
+            </a:lvl6pPr>
+            <a:lvl7pPr marL="2971800" indent="-228600" defTabSz="912813" eaLnBrk="0" fontAlgn="base" hangingPunct="0">
+              <a:spcBef>
+                <a:spcPct val="20000"/>
+              </a:spcBef>
+              <a:spcAft>
+                <a:spcPct val="0"/>
+              </a:spcAft>
+              <a:buFont typeface="Arial" panose="020B0604020202020204" pitchFamily="34" charset="0"/>
+              <a:buChar char="»"/>
+              <a:defRPr sz="2000">
+                <a:solidFill>
+                  <a:schemeClr val="tx1"/>
+                </a:solidFill>
+                <a:latin typeface="Calibri" panose="020F0502020204030204" pitchFamily="34" charset="0"/>
+                <a:ea typeface="宋体" panose="02010600030101010101" pitchFamily="2" charset="-122"/>
+              </a:defRPr>
+            </a:lvl7pPr>
+            <a:lvl8pPr marL="3429000" indent="-228600" defTabSz="912813" eaLnBrk="0" fontAlgn="base" hangingPunct="0">
+              <a:spcBef>
+                <a:spcPct val="20000"/>
+              </a:spcBef>
+              <a:spcAft>
+                <a:spcPct val="0"/>
+              </a:spcAft>
+              <a:buFont typeface="Arial" panose="020B0604020202020204" pitchFamily="34" charset="0"/>
+              <a:buChar char="»"/>
+              <a:defRPr sz="2000">
+                <a:solidFill>
+                  <a:schemeClr val="tx1"/>
+                </a:solidFill>
+                <a:latin typeface="Calibri" panose="020F0502020204030204" pitchFamily="34" charset="0"/>
+                <a:ea typeface="宋体" panose="02010600030101010101" pitchFamily="2" charset="-122"/>
+              </a:defRPr>
+            </a:lvl8pPr>
+            <a:lvl9pPr marL="3886200" indent="-228600" defTabSz="912813" eaLnBrk="0" fontAlgn="base" hangingPunct="0">
+              <a:spcBef>
+                <a:spcPct val="20000"/>
+              </a:spcBef>
+              <a:spcAft>
+                <a:spcPct val="0"/>
+              </a:spcAft>
+              <a:buFont typeface="Arial" panose="020B0604020202020204" pitchFamily="34" charset="0"/>
+              <a:buChar char="»"/>
+              <a:defRPr sz="2000">
+                <a:solidFill>
+                  <a:schemeClr val="tx1"/>
+                </a:solidFill>
+                <a:latin typeface="Calibri" panose="020F0502020204030204" pitchFamily="34" charset="0"/>
+                <a:ea typeface="宋体" panose="02010600030101010101" pitchFamily="2" charset="-122"/>
+              </a:defRPr>
+            </a:lvl9pPr>
+          </a:lstStyle>
+          <a:p>
+            <a:pPr eaLnBrk="1" hangingPunct="1">
+              <a:spcBef>
+                <a:spcPct val="0"/>
+              </a:spcBef>
+              <a:buFontTx/>
+              <a:buNone/>
+            </a:pPr>
+            <a:r>
+              <a:rPr lang="zh-TW" altLang="en-US" b="1" dirty="0">
+                <a:latin typeface="Microsoft JhengHei" panose="020B0604030504040204" pitchFamily="34" charset="-120"/>
+                <a:ea typeface="Microsoft JhengHei" panose="020B0604030504040204" pitchFamily="34" charset="-120"/>
+                <a:sym typeface="Wingdings" panose="05000000000000000000" pitchFamily="2" charset="2"/>
+              </a:rPr>
+              <a:t>隨機森林的樹結構</a:t>
+            </a:r>
+            <a:endParaRPr lang="en-US" altLang="zh-TW" b="1" dirty="0">
+              <a:latin typeface="Microsoft JhengHei" panose="020B0604030504040204" pitchFamily="34" charset="-120"/>
+              <a:ea typeface="Microsoft JhengHei" panose="020B0604030504040204" pitchFamily="34" charset="-120"/>
+            </a:endParaRPr>
+          </a:p>
+        </p:txBody>
+      </p:sp>
+      <p:sp>
+        <p:nvSpPr>
+          <p:cNvPr id="25" name="矩形 24">
+            <a:extLst>
+              <a:ext uri="{FF2B5EF4-FFF2-40B4-BE49-F238E27FC236}">
+                <a16:creationId xmlns:a16="http://schemas.microsoft.com/office/drawing/2014/main" id="{70D826D9-C8F0-04A5-130D-0F51DB4E3A0D}"/>
+              </a:ext>
+            </a:extLst>
+          </p:cNvPr>
+          <p:cNvSpPr/>
+          <p:nvPr/>
+        </p:nvSpPr>
+        <p:spPr>
+          <a:xfrm>
+            <a:off x="539751" y="431800"/>
+            <a:ext cx="558800" cy="560917"/>
+          </a:xfrm>
+          <a:prstGeom prst="rect">
+            <a:avLst/>
+          </a:prstGeom>
+          <a:solidFill>
+            <a:srgbClr val="19B49B"/>
+          </a:solidFill>
+          <a:ln>
+            <a:noFill/>
+          </a:ln>
+        </p:spPr>
+        <p:style>
+          <a:lnRef idx="2">
+            <a:schemeClr val="accent1">
+              <a:shade val="50000"/>
+            </a:schemeClr>
+          </a:lnRef>
+          <a:fillRef idx="1">
+            <a:schemeClr val="accent1"/>
+          </a:fillRef>
+          <a:effectRef idx="0">
+            <a:schemeClr val="accent1"/>
+          </a:effectRef>
+          <a:fontRef idx="minor">
+            <a:schemeClr val="lt1"/>
+          </a:fontRef>
+        </p:style>
+        <p:txBody>
+          <a:bodyPr lIns="124065" tIns="62033" rIns="124065" bIns="62033" anchor="ctr"/>
+          <a:lstStyle/>
+          <a:p>
+            <a:pPr algn="ctr" defTabSz="1219012">
+              <a:defRPr/>
+            </a:pPr>
+            <a:r>
+              <a:rPr lang="en-US" altLang="zh-TW" sz="3200" dirty="0">
+                <a:latin typeface="Agency FB" panose="020B0503020202020204" pitchFamily="34" charset="0"/>
+              </a:rPr>
+              <a:t>10</a:t>
+            </a:r>
+          </a:p>
+        </p:txBody>
+      </p:sp>
+      <p:cxnSp>
+        <p:nvCxnSpPr>
+          <p:cNvPr id="26" name="直接连接符 25">
+            <a:extLst>
+              <a:ext uri="{FF2B5EF4-FFF2-40B4-BE49-F238E27FC236}">
+                <a16:creationId xmlns:a16="http://schemas.microsoft.com/office/drawing/2014/main" id="{19AF2799-CD64-5123-B49D-79939E156E61}"/>
+              </a:ext>
+            </a:extLst>
+          </p:cNvPr>
+          <p:cNvCxnSpPr>
+            <a:cxnSpLocks/>
+          </p:cNvCxnSpPr>
+          <p:nvPr/>
+        </p:nvCxnSpPr>
+        <p:spPr>
+          <a:xfrm>
+            <a:off x="2017184" y="1013884"/>
+            <a:ext cx="9829800" cy="0"/>
+          </a:xfrm>
+          <a:prstGeom prst="line">
+            <a:avLst/>
+          </a:prstGeom>
+          <a:ln w="12700">
+            <a:solidFill>
+              <a:srgbClr val="19B49B"/>
+            </a:solidFill>
+          </a:ln>
+        </p:spPr>
+        <p:style>
+          <a:lnRef idx="1">
+            <a:schemeClr val="accent1"/>
+          </a:lnRef>
+          <a:fillRef idx="0">
+            <a:schemeClr val="accent1"/>
+          </a:fillRef>
+          <a:effectRef idx="0">
+            <a:schemeClr val="accent1"/>
+          </a:effectRef>
+          <a:fontRef idx="minor">
+            <a:schemeClr val="tx1"/>
+          </a:fontRef>
+        </p:style>
+      </p:cxnSp>
+      <p:sp>
+        <p:nvSpPr>
+          <p:cNvPr id="31" name="任意多边形: 形状 30">
+            <a:extLst>
+              <a:ext uri="{FF2B5EF4-FFF2-40B4-BE49-F238E27FC236}">
+                <a16:creationId xmlns:a16="http://schemas.microsoft.com/office/drawing/2014/main" id="{54DC2FF6-A7AB-2C87-480F-B737963C547A}"/>
+              </a:ext>
+            </a:extLst>
+          </p:cNvPr>
+          <p:cNvSpPr/>
+          <p:nvPr/>
+        </p:nvSpPr>
+        <p:spPr>
+          <a:xfrm>
+            <a:off x="1164168" y="939800"/>
+            <a:ext cx="867833" cy="78317"/>
+          </a:xfrm>
+          <a:custGeom>
+            <a:avLst/>
+            <a:gdLst>
+              <a:gd name="connsiteX0" fmla="*/ 0 w 640080"/>
+              <a:gd name="connsiteY0" fmla="*/ 34335 h 57208"/>
+              <a:gd name="connsiteX1" fmla="*/ 121920 w 640080"/>
+              <a:gd name="connsiteY1" fmla="*/ 5760 h 57208"/>
+              <a:gd name="connsiteX2" fmla="*/ 169545 w 640080"/>
+              <a:gd name="connsiteY2" fmla="*/ 57195 h 57208"/>
+              <a:gd name="connsiteX3" fmla="*/ 287655 w 640080"/>
+              <a:gd name="connsiteY3" fmla="*/ 45 h 57208"/>
+              <a:gd name="connsiteX4" fmla="*/ 392430 w 640080"/>
+              <a:gd name="connsiteY4" fmla="*/ 47670 h 57208"/>
+              <a:gd name="connsiteX5" fmla="*/ 640080 w 640080"/>
+              <a:gd name="connsiteY5" fmla="*/ 51480 h 57208"/>
+            </a:gdLst>
+            <a:ahLst/>
+            <a:cxnLst>
+              <a:cxn ang="0">
+                <a:pos x="connsiteX0" y="connsiteY0"/>
+              </a:cxn>
+              <a:cxn ang="0">
+                <a:pos x="connsiteX1" y="connsiteY1"/>
+              </a:cxn>
+              <a:cxn ang="0">
+                <a:pos x="connsiteX2" y="connsiteY2"/>
+              </a:cxn>
+              <a:cxn ang="0">
+                <a:pos x="connsiteX3" y="connsiteY3"/>
+              </a:cxn>
+              <a:cxn ang="0">
+                <a:pos x="connsiteX4" y="connsiteY4"/>
+              </a:cxn>
+              <a:cxn ang="0">
+                <a:pos x="connsiteX5" y="connsiteY5"/>
+              </a:cxn>
+            </a:cxnLst>
+            <a:rect l="l" t="t" r="r" b="b"/>
+            <a:pathLst>
+              <a:path w="640080" h="57208">
+                <a:moveTo>
+                  <a:pt x="0" y="34335"/>
+                </a:moveTo>
+                <a:cubicBezTo>
+                  <a:pt x="46831" y="18142"/>
+                  <a:pt x="93663" y="1950"/>
+                  <a:pt x="121920" y="5760"/>
+                </a:cubicBezTo>
+                <a:cubicBezTo>
+                  <a:pt x="150177" y="9570"/>
+                  <a:pt x="141923" y="58147"/>
+                  <a:pt x="169545" y="57195"/>
+                </a:cubicBezTo>
+                <a:cubicBezTo>
+                  <a:pt x="197167" y="56243"/>
+                  <a:pt x="250508" y="1632"/>
+                  <a:pt x="287655" y="45"/>
+                </a:cubicBezTo>
+                <a:cubicBezTo>
+                  <a:pt x="324802" y="-1542"/>
+                  <a:pt x="333693" y="39098"/>
+                  <a:pt x="392430" y="47670"/>
+                </a:cubicBezTo>
+                <a:cubicBezTo>
+                  <a:pt x="451168" y="56243"/>
+                  <a:pt x="545624" y="53861"/>
+                  <a:pt x="640080" y="51480"/>
+                </a:cubicBezTo>
+              </a:path>
+            </a:pathLst>
+          </a:custGeom>
+          <a:noFill/>
+          <a:ln>
+            <a:solidFill>
+              <a:srgbClr val="19B49B"/>
+            </a:solidFill>
+          </a:ln>
+        </p:spPr>
+        <p:style>
+          <a:lnRef idx="2">
+            <a:schemeClr val="accent1">
+              <a:shade val="50000"/>
+            </a:schemeClr>
+          </a:lnRef>
+          <a:fillRef idx="1">
+            <a:schemeClr val="accent1"/>
+          </a:fillRef>
+          <a:effectRef idx="0">
+            <a:schemeClr val="accent1"/>
+          </a:effectRef>
+          <a:fontRef idx="minor">
+            <a:schemeClr val="lt1"/>
+          </a:fontRef>
+        </p:style>
+        <p:txBody>
+          <a:bodyPr lIns="124065" tIns="62033" rIns="124065" bIns="62033" anchor="ctr"/>
+          <a:lstStyle/>
+          <a:p>
+            <a:pPr algn="ctr" defTabSz="1219012">
+              <a:defRPr/>
+            </a:pPr>
+            <a:endParaRPr lang="zh-CN" altLang="en-US" sz="2400"/>
+          </a:p>
+        </p:txBody>
+      </p:sp>
+      <p:sp>
+        <p:nvSpPr>
+          <p:cNvPr id="29703" name="投影片編號版面配置區 1">
+            <a:extLst>
+              <a:ext uri="{FF2B5EF4-FFF2-40B4-BE49-F238E27FC236}">
+                <a16:creationId xmlns:a16="http://schemas.microsoft.com/office/drawing/2014/main" id="{38ED91D7-97CC-F2AA-F021-AF2A088458F2}"/>
+              </a:ext>
+            </a:extLst>
+          </p:cNvPr>
+          <p:cNvSpPr>
+            <a:spLocks noGrp="1"/>
+          </p:cNvSpPr>
+          <p:nvPr>
+            <p:ph type="sldNum" sz="quarter" idx="12"/>
+          </p:nvPr>
+        </p:nvSpPr>
+        <p:spPr bwMode="auto">
+          <a:xfrm>
+            <a:off x="668867" y="6356352"/>
+            <a:ext cx="10957984" cy="501649"/>
+          </a:xfrm>
+          <a:noFill/>
+          <a:extLst>
+            <a:ext uri="{909E8E84-426E-40DD-AFC4-6F175D3DCCD1}">
+              <a14:hiddenFill xmlns:a14="http://schemas.microsoft.com/office/drawing/2010/main">
+                <a:solidFill>
+                  <a:srgbClr val="FFFFFF"/>
+                </a:solidFill>
+              </a14:hiddenFill>
+            </a:ext>
+            <a:ext uri="{91240B29-F687-4F45-9708-019B960494DF}">
+              <a14:hiddenLine xmlns:a14="http://schemas.microsoft.com/office/drawing/2010/main" w="9525">
+                <a:solidFill>
+                  <a:srgbClr val="000000"/>
+                </a:solidFill>
+                <a:miter lim="800000"/>
+                <a:headEnd/>
+                <a:tailEnd/>
+              </a14:hiddenLine>
+            </a:ext>
+          </a:extLst>
+        </p:spPr>
+        <p:txBody>
+          <a:bodyPr/>
+          <a:lstStyle>
+            <a:lvl1pPr>
+              <a:spcBef>
+                <a:spcPct val="20000"/>
+              </a:spcBef>
+              <a:buFont typeface="Arial" panose="020B0604020202020204" pitchFamily="34" charset="0"/>
+              <a:buChar char="•"/>
+              <a:defRPr sz="4267">
+                <a:solidFill>
+                  <a:schemeClr val="tx1"/>
+                </a:solidFill>
+                <a:latin typeface="Calibri" panose="020F0502020204030204" pitchFamily="34" charset="0"/>
+                <a:ea typeface="宋体" panose="02010600030101010101" pitchFamily="2" charset="-122"/>
+              </a:defRPr>
+            </a:lvl1pPr>
+            <a:lvl2pPr marL="990575" indent="-380990">
+              <a:spcBef>
+                <a:spcPct val="20000"/>
+              </a:spcBef>
+              <a:buFont typeface="Arial" panose="020B0604020202020204" pitchFamily="34" charset="0"/>
+              <a:buChar char="–"/>
+              <a:defRPr sz="3733">
+                <a:solidFill>
+                  <a:schemeClr val="tx1"/>
+                </a:solidFill>
+                <a:latin typeface="Calibri" panose="020F0502020204030204" pitchFamily="34" charset="0"/>
+                <a:ea typeface="宋体" panose="02010600030101010101" pitchFamily="2" charset="-122"/>
+              </a:defRPr>
+            </a:lvl2pPr>
+            <a:lvl3pPr marL="1523962" indent="-304792">
+              <a:spcBef>
+                <a:spcPct val="20000"/>
+              </a:spcBef>
+              <a:buFont typeface="Arial" panose="020B0604020202020204" pitchFamily="34" charset="0"/>
+              <a:buChar char="•"/>
+              <a:defRPr sz="3200">
+                <a:solidFill>
+                  <a:schemeClr val="tx1"/>
+                </a:solidFill>
+                <a:latin typeface="Calibri" panose="020F0502020204030204" pitchFamily="34" charset="0"/>
+                <a:ea typeface="宋体" panose="02010600030101010101" pitchFamily="2" charset="-122"/>
+              </a:defRPr>
+            </a:lvl3pPr>
+            <a:lvl4pPr marL="2133547" indent="-304792">
+              <a:spcBef>
+                <a:spcPct val="20000"/>
+              </a:spcBef>
+              <a:buFont typeface="Arial" panose="020B0604020202020204" pitchFamily="34" charset="0"/>
+              <a:buChar char="–"/>
+              <a:defRPr sz="2667">
+                <a:solidFill>
+                  <a:schemeClr val="tx1"/>
+                </a:solidFill>
+                <a:latin typeface="Calibri" panose="020F0502020204030204" pitchFamily="34" charset="0"/>
+                <a:ea typeface="宋体" panose="02010600030101010101" pitchFamily="2" charset="-122"/>
+              </a:defRPr>
+            </a:lvl4pPr>
+            <a:lvl5pPr marL="2743131" indent="-304792">
+              <a:spcBef>
+                <a:spcPct val="20000"/>
+              </a:spcBef>
+              <a:buFont typeface="Arial" panose="020B0604020202020204" pitchFamily="34" charset="0"/>
+              <a:buChar char="»"/>
+              <a:defRPr sz="2667">
+                <a:solidFill>
+                  <a:schemeClr val="tx1"/>
+                </a:solidFill>
+                <a:latin typeface="Calibri" panose="020F0502020204030204" pitchFamily="34" charset="0"/>
+                <a:ea typeface="宋体" panose="02010600030101010101" pitchFamily="2" charset="-122"/>
+              </a:defRPr>
+            </a:lvl5pPr>
+            <a:lvl6pPr marL="3352716" indent="-304792" defTabSz="1217054" eaLnBrk="0" fontAlgn="base" hangingPunct="0">
+              <a:spcBef>
+                <a:spcPct val="20000"/>
+              </a:spcBef>
+              <a:spcAft>
+                <a:spcPct val="0"/>
+              </a:spcAft>
+              <a:buFont typeface="Arial" panose="020B0604020202020204" pitchFamily="34" charset="0"/>
+              <a:buChar char="»"/>
+              <a:defRPr sz="2667">
+                <a:solidFill>
+                  <a:schemeClr val="tx1"/>
+                </a:solidFill>
+                <a:latin typeface="Calibri" panose="020F0502020204030204" pitchFamily="34" charset="0"/>
+                <a:ea typeface="宋体" panose="02010600030101010101" pitchFamily="2" charset="-122"/>
+              </a:defRPr>
+            </a:lvl6pPr>
+            <a:lvl7pPr marL="3962301" indent="-304792" defTabSz="1217054" eaLnBrk="0" fontAlgn="base" hangingPunct="0">
+              <a:spcBef>
+                <a:spcPct val="20000"/>
+              </a:spcBef>
+              <a:spcAft>
+                <a:spcPct val="0"/>
+              </a:spcAft>
+              <a:buFont typeface="Arial" panose="020B0604020202020204" pitchFamily="34" charset="0"/>
+              <a:buChar char="»"/>
+              <a:defRPr sz="2667">
+                <a:solidFill>
+                  <a:schemeClr val="tx1"/>
+                </a:solidFill>
+                <a:latin typeface="Calibri" panose="020F0502020204030204" pitchFamily="34" charset="0"/>
+                <a:ea typeface="宋体" panose="02010600030101010101" pitchFamily="2" charset="-122"/>
+              </a:defRPr>
+            </a:lvl7pPr>
+            <a:lvl8pPr marL="4571886" indent="-304792" defTabSz="1217054" eaLnBrk="0" fontAlgn="base" hangingPunct="0">
+              <a:spcBef>
+                <a:spcPct val="20000"/>
+              </a:spcBef>
+              <a:spcAft>
+                <a:spcPct val="0"/>
+              </a:spcAft>
+              <a:buFont typeface="Arial" panose="020B0604020202020204" pitchFamily="34" charset="0"/>
+              <a:buChar char="»"/>
+              <a:defRPr sz="2667">
+                <a:solidFill>
+                  <a:schemeClr val="tx1"/>
+                </a:solidFill>
+                <a:latin typeface="Calibri" panose="020F0502020204030204" pitchFamily="34" charset="0"/>
+                <a:ea typeface="宋体" panose="02010600030101010101" pitchFamily="2" charset="-122"/>
+              </a:defRPr>
+            </a:lvl8pPr>
+            <a:lvl9pPr marL="5181470" indent="-304792" defTabSz="1217054" eaLnBrk="0" fontAlgn="base" hangingPunct="0">
+              <a:spcBef>
+                <a:spcPct val="20000"/>
+              </a:spcBef>
+              <a:spcAft>
+                <a:spcPct val="0"/>
+              </a:spcAft>
+              <a:buFont typeface="Arial" panose="020B0604020202020204" pitchFamily="34" charset="0"/>
+              <a:buChar char="»"/>
+              <a:defRPr sz="2667">
+                <a:solidFill>
+                  <a:schemeClr val="tx1"/>
+                </a:solidFill>
+                <a:latin typeface="Calibri" panose="020F0502020204030204" pitchFamily="34" charset="0"/>
+                <a:ea typeface="宋体" panose="02010600030101010101" pitchFamily="2" charset="-122"/>
+              </a:defRPr>
+            </a:lvl9pPr>
+          </a:lstStyle>
+          <a:p>
+            <a:pPr>
+              <a:spcBef>
+                <a:spcPct val="0"/>
+              </a:spcBef>
+              <a:buFontTx/>
+              <a:buNone/>
+            </a:pPr>
+            <a:fld id="{272D57D8-7612-401D-B3B7-7DC6EFB66980}" type="slidenum">
+              <a:rPr lang="zh-CN" altLang="en-US" sz="2400">
+                <a:latin typeface="Times New Roman" panose="02020603050405020304" pitchFamily="18" charset="0"/>
+              </a:rPr>
+              <a:pPr>
+                <a:spcBef>
+                  <a:spcPct val="0"/>
+                </a:spcBef>
+                <a:buFontTx/>
+                <a:buNone/>
+              </a:pPr>
+              <a:t>11</a:t>
+            </a:fld>
+            <a:endParaRPr lang="zh-CN" altLang="en-US" sz="2400">
+              <a:latin typeface="Times New Roman" panose="02020603050405020304" pitchFamily="18" charset="0"/>
+            </a:endParaRPr>
+          </a:p>
+        </p:txBody>
+      </p:sp>
+      <p:pic>
+        <p:nvPicPr>
+          <p:cNvPr id="3" name="圖片 2">
+            <a:extLst>
+              <a:ext uri="{FF2B5EF4-FFF2-40B4-BE49-F238E27FC236}">
+                <a16:creationId xmlns:a16="http://schemas.microsoft.com/office/drawing/2014/main" id="{AEC5BAAE-44D9-A072-2DE6-0ED6E65CF2B6}"/>
+              </a:ext>
+            </a:extLst>
+          </p:cNvPr>
+          <p:cNvPicPr>
+            <a:picLocks noChangeAspect="1"/>
+          </p:cNvPicPr>
+          <p:nvPr/>
+        </p:nvPicPr>
+        <p:blipFill>
+          <a:blip r:embed="rId3"/>
+          <a:stretch>
+            <a:fillRect/>
+          </a:stretch>
+        </p:blipFill>
+        <p:spPr>
+          <a:xfrm>
+            <a:off x="668867" y="7176432"/>
+            <a:ext cx="7095238" cy="3038095"/>
+          </a:xfrm>
+          <a:prstGeom prst="rect">
+            <a:avLst/>
+          </a:prstGeom>
+        </p:spPr>
+      </p:pic>
+      <p:pic>
+        <p:nvPicPr>
+          <p:cNvPr id="6" name="圖片 5">
+            <a:extLst>
+              <a:ext uri="{FF2B5EF4-FFF2-40B4-BE49-F238E27FC236}">
+                <a16:creationId xmlns:a16="http://schemas.microsoft.com/office/drawing/2014/main" id="{1BA9DBC9-BF84-7B74-C086-121770B9568A}"/>
+              </a:ext>
+            </a:extLst>
+          </p:cNvPr>
+          <p:cNvPicPr>
+            <a:picLocks noChangeAspect="1"/>
+          </p:cNvPicPr>
+          <p:nvPr/>
+        </p:nvPicPr>
+        <p:blipFill>
+          <a:blip r:embed="rId4">
+            <a:extLst>
+              <a:ext uri="{28A0092B-C50C-407E-A947-70E740481C1C}">
+                <a14:useLocalDpi xmlns:a14="http://schemas.microsoft.com/office/drawing/2010/main" val="0"/>
+              </a:ext>
+            </a:extLst>
+          </a:blip>
+          <a:stretch>
+            <a:fillRect/>
+          </a:stretch>
+        </p:blipFill>
+        <p:spPr>
+          <a:xfrm>
+            <a:off x="216344" y="1600200"/>
+            <a:ext cx="11759311" cy="4117694"/>
+          </a:xfrm>
+          <a:prstGeom prst="rect">
+            <a:avLst/>
+          </a:prstGeom>
+        </p:spPr>
+      </p:pic>
+    </p:spTree>
+    <p:extLst>
+      <p:ext uri="{BB962C8B-B14F-4D97-AF65-F5344CB8AC3E}">
+        <p14:creationId xmlns:p14="http://schemas.microsoft.com/office/powerpoint/2010/main" val="1467890040"/>
+      </p:ext>
+    </p:extLst>
+  </p:cSld>
+  <p:clrMapOvr>
+    <a:masterClrMapping/>
+  </p:clrMapOvr>
+  <p:transition/>
+</p:sld>
+</file>
+
+<file path=ppt/slides/slide12.xml><?xml version="1.0" encoding="utf-8"?>
+<p:sld xmlns:a="http://schemas.openxmlformats.org/drawingml/2006/main" xmlns:r="http://schemas.openxmlformats.org/officeDocument/2006/relationships" xmlns:p="http://schemas.openxmlformats.org/presentationml/2006/main">
+  <p:cSld>
+    <p:spTree>
+      <p:nvGrpSpPr>
         <p:cNvPr id="1" name=""/>
         <p:cNvGrpSpPr/>
         <p:nvPr/>
@@ -10988,13 +12359,7 @@
               <a:rPr lang="en-US" altLang="zh-CN" sz="3200" dirty="0">
                 <a:latin typeface="Agency FB" panose="020B0503020202020204" pitchFamily="34" charset="0"/>
               </a:rPr>
-              <a:t>1</a:t>
-            </a:r>
-            <a:r>
-              <a:rPr lang="en-US" altLang="zh-TW" sz="3200" dirty="0">
-                <a:latin typeface="Agency FB" panose="020B0503020202020204" pitchFamily="34" charset="0"/>
-              </a:rPr>
-              <a:t>0</a:t>
+              <a:t>11</a:t>
             </a:r>
             <a:endParaRPr lang="zh-CN" altLang="en-US" sz="3200" dirty="0">
               <a:latin typeface="Agency FB" panose="020B0503020202020204" pitchFamily="34" charset="0"/>
@@ -11370,7 +12735,7 @@
                 <a:buFontTx/>
                 <a:buNone/>
               </a:pPr>
-              <a:t>11</a:t>
+              <a:t>12</a:t>
             </a:fld>
             <a:endParaRPr lang="zh-CN" altLang="en-US" sz="2400">
               <a:latin typeface="Times New Roman" panose="02020603050405020304" pitchFamily="18" charset="0"/>
@@ -11668,7 +13033,7 @@
 </p:sld>
 </file>
 
-<file path=ppt/slides/slide12.xml><?xml version="1.0" encoding="utf-8"?>
+<file path=ppt/slides/slide13.xml><?xml version="1.0" encoding="utf-8"?>
 <p:sld xmlns:a="http://schemas.openxmlformats.org/drawingml/2006/main" xmlns:r="http://schemas.openxmlformats.org/officeDocument/2006/relationships" xmlns:p="http://schemas.openxmlformats.org/presentationml/2006/main">
   <p:cSld>
     <p:spTree>
@@ -12065,7 +13430,7 @@
               <a:rPr lang="en-US" altLang="zh-CN" sz="3200" dirty="0">
                 <a:latin typeface="Agency FB" panose="020B0503020202020204" pitchFamily="34" charset="0"/>
               </a:rPr>
-              <a:t>11</a:t>
+              <a:t>12</a:t>
             </a:r>
             <a:endParaRPr lang="zh-CN" altLang="en-US" sz="3200" dirty="0">
               <a:latin typeface="Agency FB" panose="020B0503020202020204" pitchFamily="34" charset="0"/>
@@ -12441,7 +13806,7 @@
                 <a:buFontTx/>
                 <a:buNone/>
               </a:pPr>
-              <a:t>12</a:t>
+              <a:t>13</a:t>
             </a:fld>
             <a:endParaRPr lang="zh-CN" altLang="en-US" sz="2400">
               <a:latin typeface="Times New Roman" panose="02020603050405020304" pitchFamily="18" charset="0"/>
@@ -12627,7 +13992,7 @@
 </p:sld>
 </file>
 
-<file path=ppt/slides/slide13.xml><?xml version="1.0" encoding="utf-8"?>
+<file path=ppt/slides/slide14.xml><?xml version="1.0" encoding="utf-8"?>
 <p:sld xmlns:a="http://schemas.openxmlformats.org/drawingml/2006/main" xmlns:r="http://schemas.openxmlformats.org/officeDocument/2006/relationships" xmlns:p="http://schemas.openxmlformats.org/presentationml/2006/main">
   <p:cSld>
     <p:spTree>
@@ -12946,7 +14311,7 @@
               <a:rPr lang="en-US" altLang="zh-CN" sz="3200" dirty="0">
                 <a:latin typeface="Agency FB" panose="020B0503020202020204" pitchFamily="34" charset="0"/>
               </a:rPr>
-              <a:t>12</a:t>
+              <a:t>13</a:t>
             </a:r>
             <a:endParaRPr lang="en-US" altLang="zh-TW" sz="3200" dirty="0">
               <a:latin typeface="Agency FB" panose="020B0503020202020204" pitchFamily="34" charset="0"/>
@@ -13322,7 +14687,7 @@
                 <a:buFontTx/>
                 <a:buNone/>
               </a:pPr>
-              <a:t>13</a:t>
+              <a:t>14</a:t>
             </a:fld>
             <a:endParaRPr lang="zh-CN" altLang="en-US" sz="2400">
               <a:latin typeface="Times New Roman" panose="02020603050405020304" pitchFamily="18" charset="0"/>
@@ -13432,7 +14797,7 @@
 </p:sld>
 </file>
 
-<file path=ppt/slides/slide14.xml><?xml version="1.0" encoding="utf-8"?>
+<file path=ppt/slides/slide15.xml><?xml version="1.0" encoding="utf-8"?>
 <p:sld xmlns:a="http://schemas.openxmlformats.org/drawingml/2006/main" xmlns:r="http://schemas.openxmlformats.org/officeDocument/2006/relationships" xmlns:p="http://schemas.openxmlformats.org/presentationml/2006/main">
   <p:cSld>
     <p:spTree>
@@ -13455,6 +14820,42 @@
           <a:chExt cx="0" cy="0"/>
         </a:xfrm>
       </p:grpSpPr>
+      <p:pic>
+        <p:nvPicPr>
+          <p:cNvPr id="5" name="圖片 4">
+            <a:extLst>
+              <a:ext uri="{FF2B5EF4-FFF2-40B4-BE49-F238E27FC236}">
+                <a16:creationId xmlns:a16="http://schemas.microsoft.com/office/drawing/2014/main" id="{51B9A2C9-23AF-B906-B47F-4D0AB90842E3}"/>
+              </a:ext>
+            </a:extLst>
+          </p:cNvPr>
+          <p:cNvPicPr>
+            <a:picLocks noChangeAspect="1"/>
+          </p:cNvPicPr>
+          <p:nvPr/>
+        </p:nvPicPr>
+        <p:blipFill>
+          <a:blip r:embed="rId3">
+            <a:extLst>
+              <a:ext uri="{28A0092B-C50C-407E-A947-70E740481C1C}">
+                <a14:useLocalDpi xmlns:a14="http://schemas.microsoft.com/office/drawing/2010/main" val="0"/>
+              </a:ext>
+            </a:extLst>
+          </a:blip>
+          <a:stretch>
+            <a:fillRect/>
+          </a:stretch>
+        </p:blipFill>
+        <p:spPr>
+          <a:xfrm>
+            <a:off x="803868" y="4692994"/>
+            <a:ext cx="8912097" cy="1710804"/>
+          </a:xfrm>
+          <a:prstGeom prst="rect">
+            <a:avLst/>
+          </a:prstGeom>
+        </p:spPr>
+      </p:pic>
       <p:sp>
         <p:nvSpPr>
           <p:cNvPr id="39938" name="TextBox 20">
@@ -13721,7 +15122,7 @@
               <a:rPr lang="en-US" altLang="zh-CN" sz="3200" dirty="0">
                 <a:latin typeface="Agency FB" panose="020B0503020202020204" pitchFamily="34" charset="0"/>
               </a:rPr>
-              <a:t>13</a:t>
+              <a:t>14</a:t>
             </a:r>
             <a:endParaRPr lang="zh-CN" altLang="en-US" sz="3200" dirty="0">
               <a:latin typeface="Agency FB" panose="020B0503020202020204" pitchFamily="34" charset="0"/>
@@ -14097,7 +15498,7 @@
                 <a:buFontTx/>
                 <a:buNone/>
               </a:pPr>
-              <a:t>14</a:t>
+              <a:t>15</a:t>
             </a:fld>
             <a:endParaRPr lang="zh-CN" altLang="en-US" sz="2400">
               <a:latin typeface="Times New Roman" panose="02020603050405020304" pitchFamily="18" charset="0"/>
@@ -14105,42 +15506,6 @@
           </a:p>
         </p:txBody>
       </p:sp>
-      <p:pic>
-        <p:nvPicPr>
-          <p:cNvPr id="3" name="圖片 2">
-            <a:extLst>
-              <a:ext uri="{FF2B5EF4-FFF2-40B4-BE49-F238E27FC236}">
-                <a16:creationId xmlns:a16="http://schemas.microsoft.com/office/drawing/2014/main" id="{C4C2221E-7C1C-CE1E-5764-3F762D1204C1}"/>
-              </a:ext>
-            </a:extLst>
-          </p:cNvPr>
-          <p:cNvPicPr>
-            <a:picLocks noChangeAspect="1"/>
-          </p:cNvPicPr>
-          <p:nvPr/>
-        </p:nvPicPr>
-        <p:blipFill>
-          <a:blip r:embed="rId3">
-            <a:extLst>
-              <a:ext uri="{28A0092B-C50C-407E-A947-70E740481C1C}">
-                <a14:useLocalDpi xmlns:a14="http://schemas.microsoft.com/office/drawing/2010/main" val="0"/>
-              </a:ext>
-            </a:extLst>
-          </a:blip>
-          <a:stretch>
-            <a:fillRect/>
-          </a:stretch>
-        </p:blipFill>
-        <p:spPr>
-          <a:xfrm>
-            <a:off x="819151" y="4574140"/>
-            <a:ext cx="9417256" cy="1429404"/>
-          </a:xfrm>
-          <a:prstGeom prst="rect">
-            <a:avLst/>
-          </a:prstGeom>
-        </p:spPr>
-      </p:pic>
       <p:sp>
         <p:nvSpPr>
           <p:cNvPr id="4" name="框架 3">
@@ -14155,7 +15520,7 @@
         </p:nvSpPr>
         <p:spPr>
           <a:xfrm>
-            <a:off x="6932084" y="4574140"/>
+            <a:off x="6487584" y="4692994"/>
             <a:ext cx="3222149" cy="714702"/>
           </a:xfrm>
           <a:prstGeom prst="frame">
@@ -14215,7 +15580,7 @@
         </p:nvSpPr>
         <p:spPr>
           <a:xfrm>
-            <a:off x="819151" y="5471101"/>
+            <a:off x="871010" y="5838067"/>
             <a:ext cx="5276849" cy="439838"/>
           </a:xfrm>
           <a:prstGeom prst="frame">
@@ -14374,6 +15739,66 @@
           </a:p>
         </p:txBody>
       </p:sp>
+      <p:sp>
+        <p:nvSpPr>
+          <p:cNvPr id="7" name="框架 6">
+            <a:extLst>
+              <a:ext uri="{FF2B5EF4-FFF2-40B4-BE49-F238E27FC236}">
+                <a16:creationId xmlns:a16="http://schemas.microsoft.com/office/drawing/2014/main" id="{8648B38F-CDD1-3DEA-9E2F-610B106F6E8F}"/>
+              </a:ext>
+            </a:extLst>
+          </p:cNvPr>
+          <p:cNvSpPr/>
+          <p:nvPr/>
+        </p:nvSpPr>
+        <p:spPr>
+          <a:xfrm>
+            <a:off x="871010" y="5407696"/>
+            <a:ext cx="5276849" cy="439838"/>
+          </a:xfrm>
+          <a:prstGeom prst="frame">
+            <a:avLst>
+              <a:gd name="adj1" fmla="val 6387"/>
+            </a:avLst>
+          </a:prstGeom>
+          <a:solidFill>
+            <a:srgbClr val="FF0000"/>
+          </a:solidFill>
+          <a:ln>
+            <a:solidFill>
+              <a:srgbClr val="FF0000"/>
+            </a:solidFill>
+          </a:ln>
+        </p:spPr>
+        <p:style>
+          <a:lnRef idx="2">
+            <a:schemeClr val="accent1">
+              <a:shade val="15000"/>
+            </a:schemeClr>
+          </a:lnRef>
+          <a:fillRef idx="1">
+            <a:schemeClr val="accent1"/>
+          </a:fillRef>
+          <a:effectRef idx="0">
+            <a:schemeClr val="accent1"/>
+          </a:effectRef>
+          <a:fontRef idx="minor">
+            <a:schemeClr val="lt1"/>
+          </a:fontRef>
+        </p:style>
+        <p:txBody>
+          <a:bodyPr rtlCol="0" anchor="ctr"/>
+          <a:lstStyle/>
+          <a:p>
+            <a:pPr algn="ctr"/>
+            <a:endParaRPr lang="zh-TW" altLang="en-US">
+              <a:solidFill>
+                <a:schemeClr val="tx1"/>
+              </a:solidFill>
+            </a:endParaRPr>
+          </a:p>
+        </p:txBody>
+      </p:sp>
     </p:spTree>
     <p:extLst>
       <p:ext uri="{BB962C8B-B14F-4D97-AF65-F5344CB8AC3E}">
@@ -14388,7 +15813,7 @@
 </p:sld>
 </file>
 
-<file path=ppt/slides/slide15.xml><?xml version="1.0" encoding="utf-8"?>
+<file path=ppt/slides/slide16.xml><?xml version="1.0" encoding="utf-8"?>
 <p:sld xmlns:a="http://schemas.openxmlformats.org/drawingml/2006/main" xmlns:r="http://schemas.openxmlformats.org/officeDocument/2006/relationships" xmlns:p="http://schemas.openxmlformats.org/presentationml/2006/main">
   <p:cSld>
     <p:spTree>
@@ -15612,7 +17037,7 @@
 </p:sld>
 </file>
 
-<file path=ppt/slides/slide16.xml><?xml version="1.0" encoding="utf-8"?>
+<file path=ppt/slides/slide17.xml><?xml version="1.0" encoding="utf-8"?>
 <p:sld xmlns:a="http://schemas.openxmlformats.org/drawingml/2006/main" xmlns:r="http://schemas.openxmlformats.org/officeDocument/2006/relationships" xmlns:p="http://schemas.openxmlformats.org/presentationml/2006/main">
   <p:cSld>
     <p:spTree>
@@ -15937,7 +17362,7 @@
               <a:rPr lang="en-US" altLang="zh-CN" sz="3200" dirty="0">
                 <a:latin typeface="Agency FB" panose="020B0503020202020204" pitchFamily="34" charset="0"/>
               </a:rPr>
-              <a:t>14</a:t>
+              <a:t>15</a:t>
             </a:r>
             <a:endParaRPr lang="en-US" altLang="zh-TW" sz="3200" dirty="0">
               <a:latin typeface="Agency FB" panose="020B0503020202020204" pitchFamily="34" charset="0"/>
@@ -16313,7 +17738,7 @@
                 <a:buFontTx/>
                 <a:buNone/>
               </a:pPr>
-              <a:t>16</a:t>
+              <a:t>17</a:t>
             </a:fld>
             <a:endParaRPr lang="zh-CN" altLang="en-US" sz="2400">
               <a:latin typeface="Times New Roman" panose="02020603050405020304" pitchFamily="18" charset="0"/>
@@ -16407,7 +17832,7 @@
 </p:sld>
 </file>
 
-<file path=ppt/slides/slide17.xml><?xml version="1.0" encoding="utf-8"?>
+<file path=ppt/slides/slide18.xml><?xml version="1.0" encoding="utf-8"?>
 <p:sld xmlns:a="http://schemas.openxmlformats.org/drawingml/2006/main" xmlns:r="http://schemas.openxmlformats.org/officeDocument/2006/relationships" xmlns:p="http://schemas.openxmlformats.org/presentationml/2006/main">
   <p:cSld>
     <p:spTree>
@@ -16732,7 +18157,7 @@
               <a:rPr lang="en-US" altLang="zh-CN" sz="3200" dirty="0">
                 <a:latin typeface="Agency FB" panose="020B0503020202020204" pitchFamily="34" charset="0"/>
               </a:rPr>
-              <a:t>15</a:t>
+              <a:t>16</a:t>
             </a:r>
             <a:endParaRPr lang="en-US" altLang="zh-TW" sz="3200" dirty="0">
               <a:latin typeface="Agency FB" panose="020B0503020202020204" pitchFamily="34" charset="0"/>
@@ -17108,7 +18533,7 @@
                 <a:buFontTx/>
                 <a:buNone/>
               </a:pPr>
-              <a:t>17</a:t>
+              <a:t>18</a:t>
             </a:fld>
             <a:endParaRPr lang="zh-CN" altLang="en-US" sz="2400">
               <a:latin typeface="Times New Roman" panose="02020603050405020304" pitchFamily="18" charset="0"/>
@@ -17224,7 +18649,7 @@
 </p:sld>
 </file>
 
-<file path=ppt/slides/slide18.xml><?xml version="1.0" encoding="utf-8"?>
+<file path=ppt/slides/slide19.xml><?xml version="1.0" encoding="utf-8"?>
 <p:sld xmlns:a="http://schemas.openxmlformats.org/drawingml/2006/main" xmlns:r="http://schemas.openxmlformats.org/officeDocument/2006/relationships" xmlns:p="http://schemas.openxmlformats.org/presentationml/2006/main">
   <p:cSld>
     <p:spTree>
@@ -17549,7 +18974,7 @@
               <a:rPr lang="en-US" altLang="zh-CN" sz="3200" dirty="0">
                 <a:latin typeface="Agency FB" panose="020B0503020202020204" pitchFamily="34" charset="0"/>
               </a:rPr>
-              <a:t>16</a:t>
+              <a:t>17</a:t>
             </a:r>
             <a:endParaRPr lang="en-US" altLang="zh-TW" sz="3200" dirty="0">
               <a:latin typeface="Agency FB" panose="020B0503020202020204" pitchFamily="34" charset="0"/>
@@ -17925,7 +19350,7 @@
                 <a:buFontTx/>
                 <a:buNone/>
               </a:pPr>
-              <a:t>18</a:t>
+              <a:t>19</a:t>
             </a:fld>
             <a:endParaRPr lang="zh-CN" altLang="en-US" sz="2400">
               <a:latin typeface="Times New Roman" panose="02020603050405020304" pitchFamily="18" charset="0"/>
@@ -18030,933 +19455,6 @@
     <p:extLst>
       <p:ext uri="{BB962C8B-B14F-4D97-AF65-F5344CB8AC3E}">
         <p14:creationId xmlns:p14="http://schemas.microsoft.com/office/powerpoint/2010/main" val="1256656312"/>
-      </p:ext>
-    </p:extLst>
-  </p:cSld>
-  <p:clrMapOvr>
-    <a:masterClrMapping/>
-  </p:clrMapOvr>
-  <p:transition/>
-</p:sld>
-</file>
-
-<file path=ppt/slides/slide19.xml><?xml version="1.0" encoding="utf-8"?>
-<p:sld xmlns:a="http://schemas.openxmlformats.org/drawingml/2006/main" xmlns:r="http://schemas.openxmlformats.org/officeDocument/2006/relationships" xmlns:p="http://schemas.openxmlformats.org/presentationml/2006/main">
-  <p:cSld>
-    <p:spTree>
-      <p:nvGrpSpPr>
-        <p:cNvPr id="1" name="">
-          <a:extLst>
-            <a:ext uri="{FF2B5EF4-FFF2-40B4-BE49-F238E27FC236}">
-              <a16:creationId xmlns:a16="http://schemas.microsoft.com/office/drawing/2014/main" id="{10F6F231-8D7E-771F-ABF1-388940E838AA}"/>
-            </a:ext>
-          </a:extLst>
-        </p:cNvPr>
-        <p:cNvGrpSpPr/>
-        <p:nvPr/>
-      </p:nvGrpSpPr>
-      <p:grpSpPr>
-        <a:xfrm>
-          <a:off x="0" y="0"/>
-          <a:ext cx="0" cy="0"/>
-          <a:chOff x="0" y="0"/>
-          <a:chExt cx="0" cy="0"/>
-        </a:xfrm>
-      </p:grpSpPr>
-      <p:sp>
-        <p:nvSpPr>
-          <p:cNvPr id="39938" name="TextBox 20">
-            <a:extLst>
-              <a:ext uri="{FF2B5EF4-FFF2-40B4-BE49-F238E27FC236}">
-                <a16:creationId xmlns:a16="http://schemas.microsoft.com/office/drawing/2014/main" id="{ED7A538D-BED8-7A63-8922-18C6EFE6A694}"/>
-              </a:ext>
-            </a:extLst>
-          </p:cNvPr>
-          <p:cNvSpPr txBox="1">
-            <a:spLocks noChangeArrowheads="1"/>
-          </p:cNvSpPr>
-          <p:nvPr/>
-        </p:nvSpPr>
-        <p:spPr bwMode="auto">
-          <a:xfrm>
-            <a:off x="1248834" y="357718"/>
-            <a:ext cx="10477500" cy="617720"/>
-          </a:xfrm>
-          <a:prstGeom prst="rect">
-            <a:avLst/>
-          </a:prstGeom>
-          <a:noFill/>
-          <a:ln>
-            <a:noFill/>
-          </a:ln>
-          <a:extLst>
-            <a:ext uri="{909E8E84-426E-40DD-AFC4-6F175D3DCCD1}">
-              <a14:hiddenFill xmlns:a14="http://schemas.microsoft.com/office/drawing/2010/main">
-                <a:solidFill>
-                  <a:srgbClr val="FFFFFF"/>
-                </a:solidFill>
-              </a14:hiddenFill>
-            </a:ext>
-            <a:ext uri="{91240B29-F687-4F45-9708-019B960494DF}">
-              <a14:hiddenLine xmlns:a14="http://schemas.microsoft.com/office/drawing/2010/main" w="9525">
-                <a:solidFill>
-                  <a:srgbClr val="000000"/>
-                </a:solidFill>
-                <a:miter lim="800000"/>
-                <a:headEnd/>
-                <a:tailEnd/>
-              </a14:hiddenLine>
-            </a:ext>
-          </a:extLst>
-        </p:spPr>
-        <p:txBody>
-          <a:bodyPr lIns="124065" tIns="62033" rIns="124065" bIns="62033">
-            <a:spAutoFit/>
-          </a:bodyPr>
-          <a:lstStyle>
-            <a:lvl1pPr>
-              <a:spcBef>
-                <a:spcPct val="20000"/>
-              </a:spcBef>
-              <a:buFont typeface="Arial" panose="020B0604020202020204" pitchFamily="34" charset="0"/>
-              <a:buChar char="•"/>
-              <a:defRPr sz="3200">
-                <a:solidFill>
-                  <a:schemeClr val="tx1"/>
-                </a:solidFill>
-                <a:latin typeface="Calibri" panose="020F0502020204030204" pitchFamily="34" charset="0"/>
-                <a:ea typeface="宋体" panose="02010600030101010101" pitchFamily="2" charset="-122"/>
-              </a:defRPr>
-            </a:lvl1pPr>
-            <a:lvl2pPr marL="742950" indent="-285750">
-              <a:spcBef>
-                <a:spcPct val="20000"/>
-              </a:spcBef>
-              <a:buFont typeface="Arial" panose="020B0604020202020204" pitchFamily="34" charset="0"/>
-              <a:buChar char="–"/>
-              <a:defRPr sz="2800">
-                <a:solidFill>
-                  <a:schemeClr val="tx1"/>
-                </a:solidFill>
-                <a:latin typeface="Calibri" panose="020F0502020204030204" pitchFamily="34" charset="0"/>
-                <a:ea typeface="宋体" panose="02010600030101010101" pitchFamily="2" charset="-122"/>
-              </a:defRPr>
-            </a:lvl2pPr>
-            <a:lvl3pPr marL="1143000" indent="-228600">
-              <a:spcBef>
-                <a:spcPct val="20000"/>
-              </a:spcBef>
-              <a:buFont typeface="Arial" panose="020B0604020202020204" pitchFamily="34" charset="0"/>
-              <a:buChar char="•"/>
-              <a:defRPr sz="2400">
-                <a:solidFill>
-                  <a:schemeClr val="tx1"/>
-                </a:solidFill>
-                <a:latin typeface="Calibri" panose="020F0502020204030204" pitchFamily="34" charset="0"/>
-                <a:ea typeface="宋体" panose="02010600030101010101" pitchFamily="2" charset="-122"/>
-              </a:defRPr>
-            </a:lvl3pPr>
-            <a:lvl4pPr marL="1600200" indent="-228600">
-              <a:spcBef>
-                <a:spcPct val="20000"/>
-              </a:spcBef>
-              <a:buFont typeface="Arial" panose="020B0604020202020204" pitchFamily="34" charset="0"/>
-              <a:buChar char="–"/>
-              <a:defRPr sz="2000">
-                <a:solidFill>
-                  <a:schemeClr val="tx1"/>
-                </a:solidFill>
-                <a:latin typeface="Calibri" panose="020F0502020204030204" pitchFamily="34" charset="0"/>
-                <a:ea typeface="宋体" panose="02010600030101010101" pitchFamily="2" charset="-122"/>
-              </a:defRPr>
-            </a:lvl4pPr>
-            <a:lvl5pPr marL="2057400" indent="-228600">
-              <a:spcBef>
-                <a:spcPct val="20000"/>
-              </a:spcBef>
-              <a:buFont typeface="Arial" panose="020B0604020202020204" pitchFamily="34" charset="0"/>
-              <a:buChar char="»"/>
-              <a:defRPr sz="2000">
-                <a:solidFill>
-                  <a:schemeClr val="tx1"/>
-                </a:solidFill>
-                <a:latin typeface="Calibri" panose="020F0502020204030204" pitchFamily="34" charset="0"/>
-                <a:ea typeface="宋体" panose="02010600030101010101" pitchFamily="2" charset="-122"/>
-              </a:defRPr>
-            </a:lvl5pPr>
-            <a:lvl6pPr marL="2514600" indent="-228600" defTabSz="912813" eaLnBrk="0" fontAlgn="base" hangingPunct="0">
-              <a:spcBef>
-                <a:spcPct val="20000"/>
-              </a:spcBef>
-              <a:spcAft>
-                <a:spcPct val="0"/>
-              </a:spcAft>
-              <a:buFont typeface="Arial" panose="020B0604020202020204" pitchFamily="34" charset="0"/>
-              <a:buChar char="»"/>
-              <a:defRPr sz="2000">
-                <a:solidFill>
-                  <a:schemeClr val="tx1"/>
-                </a:solidFill>
-                <a:latin typeface="Calibri" panose="020F0502020204030204" pitchFamily="34" charset="0"/>
-                <a:ea typeface="宋体" panose="02010600030101010101" pitchFamily="2" charset="-122"/>
-              </a:defRPr>
-            </a:lvl6pPr>
-            <a:lvl7pPr marL="2971800" indent="-228600" defTabSz="912813" eaLnBrk="0" fontAlgn="base" hangingPunct="0">
-              <a:spcBef>
-                <a:spcPct val="20000"/>
-              </a:spcBef>
-              <a:spcAft>
-                <a:spcPct val="0"/>
-              </a:spcAft>
-              <a:buFont typeface="Arial" panose="020B0604020202020204" pitchFamily="34" charset="0"/>
-              <a:buChar char="»"/>
-              <a:defRPr sz="2000">
-                <a:solidFill>
-                  <a:schemeClr val="tx1"/>
-                </a:solidFill>
-                <a:latin typeface="Calibri" panose="020F0502020204030204" pitchFamily="34" charset="0"/>
-                <a:ea typeface="宋体" panose="02010600030101010101" pitchFamily="2" charset="-122"/>
-              </a:defRPr>
-            </a:lvl7pPr>
-            <a:lvl8pPr marL="3429000" indent="-228600" defTabSz="912813" eaLnBrk="0" fontAlgn="base" hangingPunct="0">
-              <a:spcBef>
-                <a:spcPct val="20000"/>
-              </a:spcBef>
-              <a:spcAft>
-                <a:spcPct val="0"/>
-              </a:spcAft>
-              <a:buFont typeface="Arial" panose="020B0604020202020204" pitchFamily="34" charset="0"/>
-              <a:buChar char="»"/>
-              <a:defRPr sz="2000">
-                <a:solidFill>
-                  <a:schemeClr val="tx1"/>
-                </a:solidFill>
-                <a:latin typeface="Calibri" panose="020F0502020204030204" pitchFamily="34" charset="0"/>
-                <a:ea typeface="宋体" panose="02010600030101010101" pitchFamily="2" charset="-122"/>
-              </a:defRPr>
-            </a:lvl8pPr>
-            <a:lvl9pPr marL="3886200" indent="-228600" defTabSz="912813" eaLnBrk="0" fontAlgn="base" hangingPunct="0">
-              <a:spcBef>
-                <a:spcPct val="20000"/>
-              </a:spcBef>
-              <a:spcAft>
-                <a:spcPct val="0"/>
-              </a:spcAft>
-              <a:buFont typeface="Arial" panose="020B0604020202020204" pitchFamily="34" charset="0"/>
-              <a:buChar char="»"/>
-              <a:defRPr sz="2000">
-                <a:solidFill>
-                  <a:schemeClr val="tx1"/>
-                </a:solidFill>
-                <a:latin typeface="Calibri" panose="020F0502020204030204" pitchFamily="34" charset="0"/>
-                <a:ea typeface="宋体" panose="02010600030101010101" pitchFamily="2" charset="-122"/>
-              </a:defRPr>
-            </a:lvl9pPr>
-          </a:lstStyle>
-          <a:p>
-            <a:pPr eaLnBrk="1" hangingPunct="1">
-              <a:spcBef>
-                <a:spcPct val="0"/>
-              </a:spcBef>
-              <a:buFontTx/>
-              <a:buNone/>
-            </a:pPr>
-            <a:r>
-              <a:rPr lang="zh-TW" altLang="en-US" b="1">
-                <a:latin typeface="Microsoft JhengHei" panose="020B0604030504040204" pitchFamily="34" charset="-120"/>
-                <a:ea typeface="Microsoft JhengHei" panose="020B0604030504040204" pitchFamily="34" charset="-120"/>
-              </a:rPr>
-              <a:t>各模型手術預測</a:t>
-            </a:r>
-            <a:endParaRPr lang="en-US" altLang="zh-TW" b="1">
-              <a:latin typeface="Microsoft JhengHei" panose="020B0604030504040204" pitchFamily="34" charset="-120"/>
-              <a:ea typeface="Microsoft JhengHei" panose="020B0604030504040204" pitchFamily="34" charset="-120"/>
-            </a:endParaRPr>
-          </a:p>
-        </p:txBody>
-      </p:sp>
-      <p:sp>
-        <p:nvSpPr>
-          <p:cNvPr id="25" name="矩形 24">
-            <a:extLst>
-              <a:ext uri="{FF2B5EF4-FFF2-40B4-BE49-F238E27FC236}">
-                <a16:creationId xmlns:a16="http://schemas.microsoft.com/office/drawing/2014/main" id="{783BFDFF-9A5A-EB54-A06B-7D339B4C5640}"/>
-              </a:ext>
-            </a:extLst>
-          </p:cNvPr>
-          <p:cNvSpPr/>
-          <p:nvPr/>
-        </p:nvSpPr>
-        <p:spPr>
-          <a:xfrm>
-            <a:off x="539751" y="431800"/>
-            <a:ext cx="558800" cy="560917"/>
-          </a:xfrm>
-          <a:prstGeom prst="rect">
-            <a:avLst/>
-          </a:prstGeom>
-          <a:solidFill>
-            <a:srgbClr val="19B49B"/>
-          </a:solidFill>
-          <a:ln>
-            <a:noFill/>
-          </a:ln>
-        </p:spPr>
-        <p:style>
-          <a:lnRef idx="2">
-            <a:schemeClr val="accent1">
-              <a:shade val="50000"/>
-            </a:schemeClr>
-          </a:lnRef>
-          <a:fillRef idx="1">
-            <a:schemeClr val="accent1"/>
-          </a:fillRef>
-          <a:effectRef idx="0">
-            <a:schemeClr val="accent1"/>
-          </a:effectRef>
-          <a:fontRef idx="minor">
-            <a:schemeClr val="lt1"/>
-          </a:fontRef>
-        </p:style>
-        <p:txBody>
-          <a:bodyPr lIns="124065" tIns="62033" rIns="124065" bIns="62033" anchor="ctr"/>
-          <a:lstStyle/>
-          <a:p>
-            <a:pPr algn="ctr" defTabSz="1219012">
-              <a:defRPr/>
-            </a:pPr>
-            <a:r>
-              <a:rPr lang="en-US" altLang="zh-CN" sz="3200" dirty="0">
-                <a:latin typeface="Agency FB" panose="020B0503020202020204" pitchFamily="34" charset="0"/>
-              </a:rPr>
-              <a:t>17</a:t>
-            </a:r>
-            <a:endParaRPr lang="zh-CN" altLang="en-US" sz="3200" dirty="0">
-              <a:latin typeface="Agency FB" panose="020B0503020202020204" pitchFamily="34" charset="0"/>
-            </a:endParaRPr>
-          </a:p>
-        </p:txBody>
-      </p:sp>
-      <p:cxnSp>
-        <p:nvCxnSpPr>
-          <p:cNvPr id="26" name="直接连接符 25">
-            <a:extLst>
-              <a:ext uri="{FF2B5EF4-FFF2-40B4-BE49-F238E27FC236}">
-                <a16:creationId xmlns:a16="http://schemas.microsoft.com/office/drawing/2014/main" id="{1B9D96D7-8F4E-8695-163A-27137E30AB70}"/>
-              </a:ext>
-            </a:extLst>
-          </p:cNvPr>
-          <p:cNvCxnSpPr>
-            <a:cxnSpLocks/>
-          </p:cNvCxnSpPr>
-          <p:nvPr/>
-        </p:nvCxnSpPr>
-        <p:spPr>
-          <a:xfrm>
-            <a:off x="2017184" y="1013884"/>
-            <a:ext cx="9829800" cy="0"/>
-          </a:xfrm>
-          <a:prstGeom prst="line">
-            <a:avLst/>
-          </a:prstGeom>
-          <a:ln w="12700">
-            <a:solidFill>
-              <a:srgbClr val="19B49B"/>
-            </a:solidFill>
-          </a:ln>
-        </p:spPr>
-        <p:style>
-          <a:lnRef idx="1">
-            <a:schemeClr val="accent1"/>
-          </a:lnRef>
-          <a:fillRef idx="0">
-            <a:schemeClr val="accent1"/>
-          </a:fillRef>
-          <a:effectRef idx="0">
-            <a:schemeClr val="accent1"/>
-          </a:effectRef>
-          <a:fontRef idx="minor">
-            <a:schemeClr val="tx1"/>
-          </a:fontRef>
-        </p:style>
-      </p:cxnSp>
-      <p:sp>
-        <p:nvSpPr>
-          <p:cNvPr id="31" name="任意多边形: 形状 30">
-            <a:extLst>
-              <a:ext uri="{FF2B5EF4-FFF2-40B4-BE49-F238E27FC236}">
-                <a16:creationId xmlns:a16="http://schemas.microsoft.com/office/drawing/2014/main" id="{049D1BA1-02D3-D483-10CE-3FAE68725CFA}"/>
-              </a:ext>
-            </a:extLst>
-          </p:cNvPr>
-          <p:cNvSpPr/>
-          <p:nvPr/>
-        </p:nvSpPr>
-        <p:spPr>
-          <a:xfrm>
-            <a:off x="1164168" y="939800"/>
-            <a:ext cx="867833" cy="78317"/>
-          </a:xfrm>
-          <a:custGeom>
-            <a:avLst/>
-            <a:gdLst>
-              <a:gd name="connsiteX0" fmla="*/ 0 w 640080"/>
-              <a:gd name="connsiteY0" fmla="*/ 34335 h 57208"/>
-              <a:gd name="connsiteX1" fmla="*/ 121920 w 640080"/>
-              <a:gd name="connsiteY1" fmla="*/ 5760 h 57208"/>
-              <a:gd name="connsiteX2" fmla="*/ 169545 w 640080"/>
-              <a:gd name="connsiteY2" fmla="*/ 57195 h 57208"/>
-              <a:gd name="connsiteX3" fmla="*/ 287655 w 640080"/>
-              <a:gd name="connsiteY3" fmla="*/ 45 h 57208"/>
-              <a:gd name="connsiteX4" fmla="*/ 392430 w 640080"/>
-              <a:gd name="connsiteY4" fmla="*/ 47670 h 57208"/>
-              <a:gd name="connsiteX5" fmla="*/ 640080 w 640080"/>
-              <a:gd name="connsiteY5" fmla="*/ 51480 h 57208"/>
-            </a:gdLst>
-            <a:ahLst/>
-            <a:cxnLst>
-              <a:cxn ang="0">
-                <a:pos x="connsiteX0" y="connsiteY0"/>
-              </a:cxn>
-              <a:cxn ang="0">
-                <a:pos x="connsiteX1" y="connsiteY1"/>
-              </a:cxn>
-              <a:cxn ang="0">
-                <a:pos x="connsiteX2" y="connsiteY2"/>
-              </a:cxn>
-              <a:cxn ang="0">
-                <a:pos x="connsiteX3" y="connsiteY3"/>
-              </a:cxn>
-              <a:cxn ang="0">
-                <a:pos x="connsiteX4" y="connsiteY4"/>
-              </a:cxn>
-              <a:cxn ang="0">
-                <a:pos x="connsiteX5" y="connsiteY5"/>
-              </a:cxn>
-            </a:cxnLst>
-            <a:rect l="l" t="t" r="r" b="b"/>
-            <a:pathLst>
-              <a:path w="640080" h="57208">
-                <a:moveTo>
-                  <a:pt x="0" y="34335"/>
-                </a:moveTo>
-                <a:cubicBezTo>
-                  <a:pt x="46831" y="18142"/>
-                  <a:pt x="93663" y="1950"/>
-                  <a:pt x="121920" y="5760"/>
-                </a:cubicBezTo>
-                <a:cubicBezTo>
-                  <a:pt x="150177" y="9570"/>
-                  <a:pt x="141923" y="58147"/>
-                  <a:pt x="169545" y="57195"/>
-                </a:cubicBezTo>
-                <a:cubicBezTo>
-                  <a:pt x="197167" y="56243"/>
-                  <a:pt x="250508" y="1632"/>
-                  <a:pt x="287655" y="45"/>
-                </a:cubicBezTo>
-                <a:cubicBezTo>
-                  <a:pt x="324802" y="-1542"/>
-                  <a:pt x="333693" y="39098"/>
-                  <a:pt x="392430" y="47670"/>
-                </a:cubicBezTo>
-                <a:cubicBezTo>
-                  <a:pt x="451168" y="56243"/>
-                  <a:pt x="545624" y="53861"/>
-                  <a:pt x="640080" y="51480"/>
-                </a:cubicBezTo>
-              </a:path>
-            </a:pathLst>
-          </a:custGeom>
-          <a:noFill/>
-          <a:ln>
-            <a:solidFill>
-              <a:srgbClr val="19B49B"/>
-            </a:solidFill>
-          </a:ln>
-        </p:spPr>
-        <p:style>
-          <a:lnRef idx="2">
-            <a:schemeClr val="accent1">
-              <a:shade val="50000"/>
-            </a:schemeClr>
-          </a:lnRef>
-          <a:fillRef idx="1">
-            <a:schemeClr val="accent1"/>
-          </a:fillRef>
-          <a:effectRef idx="0">
-            <a:schemeClr val="accent1"/>
-          </a:effectRef>
-          <a:fontRef idx="minor">
-            <a:schemeClr val="lt1"/>
-          </a:fontRef>
-        </p:style>
-        <p:txBody>
-          <a:bodyPr lIns="124065" tIns="62033" rIns="124065" bIns="62033" anchor="ctr"/>
-          <a:lstStyle/>
-          <a:p>
-            <a:pPr algn="ctr" defTabSz="1219012">
-              <a:defRPr/>
-            </a:pPr>
-            <a:endParaRPr lang="zh-CN" altLang="en-US" sz="2400"/>
-          </a:p>
-        </p:txBody>
-      </p:sp>
-      <p:sp>
-        <p:nvSpPr>
-          <p:cNvPr id="39942" name="投影片編號版面配置區 1">
-            <a:extLst>
-              <a:ext uri="{FF2B5EF4-FFF2-40B4-BE49-F238E27FC236}">
-                <a16:creationId xmlns:a16="http://schemas.microsoft.com/office/drawing/2014/main" id="{739963BC-279E-6E9B-54DB-13F12C4AD249}"/>
-              </a:ext>
-            </a:extLst>
-          </p:cNvPr>
-          <p:cNvSpPr>
-            <a:spLocks noGrp="1"/>
-          </p:cNvSpPr>
-          <p:nvPr>
-            <p:ph type="sldNum" sz="quarter" idx="12"/>
-          </p:nvPr>
-        </p:nvSpPr>
-        <p:spPr bwMode="auto">
-          <a:xfrm>
-            <a:off x="668867" y="6356352"/>
-            <a:ext cx="10957984" cy="501649"/>
-          </a:xfrm>
-          <a:noFill/>
-          <a:extLst>
-            <a:ext uri="{909E8E84-426E-40DD-AFC4-6F175D3DCCD1}">
-              <a14:hiddenFill xmlns:a14="http://schemas.microsoft.com/office/drawing/2010/main">
-                <a:solidFill>
-                  <a:srgbClr val="FFFFFF"/>
-                </a:solidFill>
-              </a14:hiddenFill>
-            </a:ext>
-            <a:ext uri="{91240B29-F687-4F45-9708-019B960494DF}">
-              <a14:hiddenLine xmlns:a14="http://schemas.microsoft.com/office/drawing/2010/main" w="9525">
-                <a:solidFill>
-                  <a:srgbClr val="000000"/>
-                </a:solidFill>
-                <a:miter lim="800000"/>
-                <a:headEnd/>
-                <a:tailEnd/>
-              </a14:hiddenLine>
-            </a:ext>
-          </a:extLst>
-        </p:spPr>
-        <p:txBody>
-          <a:bodyPr/>
-          <a:lstStyle>
-            <a:lvl1pPr>
-              <a:spcBef>
-                <a:spcPct val="20000"/>
-              </a:spcBef>
-              <a:buFont typeface="Arial" panose="020B0604020202020204" pitchFamily="34" charset="0"/>
-              <a:buChar char="•"/>
-              <a:defRPr sz="4267">
-                <a:solidFill>
-                  <a:schemeClr val="tx1"/>
-                </a:solidFill>
-                <a:latin typeface="Calibri" panose="020F0502020204030204" pitchFamily="34" charset="0"/>
-                <a:ea typeface="宋体" panose="02010600030101010101" pitchFamily="2" charset="-122"/>
-              </a:defRPr>
-            </a:lvl1pPr>
-            <a:lvl2pPr marL="990575" indent="-380990">
-              <a:spcBef>
-                <a:spcPct val="20000"/>
-              </a:spcBef>
-              <a:buFont typeface="Arial" panose="020B0604020202020204" pitchFamily="34" charset="0"/>
-              <a:buChar char="–"/>
-              <a:defRPr sz="3733">
-                <a:solidFill>
-                  <a:schemeClr val="tx1"/>
-                </a:solidFill>
-                <a:latin typeface="Calibri" panose="020F0502020204030204" pitchFamily="34" charset="0"/>
-                <a:ea typeface="宋体" panose="02010600030101010101" pitchFamily="2" charset="-122"/>
-              </a:defRPr>
-            </a:lvl2pPr>
-            <a:lvl3pPr marL="1523962" indent="-304792">
-              <a:spcBef>
-                <a:spcPct val="20000"/>
-              </a:spcBef>
-              <a:buFont typeface="Arial" panose="020B0604020202020204" pitchFamily="34" charset="0"/>
-              <a:buChar char="•"/>
-              <a:defRPr sz="3200">
-                <a:solidFill>
-                  <a:schemeClr val="tx1"/>
-                </a:solidFill>
-                <a:latin typeface="Calibri" panose="020F0502020204030204" pitchFamily="34" charset="0"/>
-                <a:ea typeface="宋体" panose="02010600030101010101" pitchFamily="2" charset="-122"/>
-              </a:defRPr>
-            </a:lvl3pPr>
-            <a:lvl4pPr marL="2133547" indent="-304792">
-              <a:spcBef>
-                <a:spcPct val="20000"/>
-              </a:spcBef>
-              <a:buFont typeface="Arial" panose="020B0604020202020204" pitchFamily="34" charset="0"/>
-              <a:buChar char="–"/>
-              <a:defRPr sz="2667">
-                <a:solidFill>
-                  <a:schemeClr val="tx1"/>
-                </a:solidFill>
-                <a:latin typeface="Calibri" panose="020F0502020204030204" pitchFamily="34" charset="0"/>
-                <a:ea typeface="宋体" panose="02010600030101010101" pitchFamily="2" charset="-122"/>
-              </a:defRPr>
-            </a:lvl4pPr>
-            <a:lvl5pPr marL="2743131" indent="-304792">
-              <a:spcBef>
-                <a:spcPct val="20000"/>
-              </a:spcBef>
-              <a:buFont typeface="Arial" panose="020B0604020202020204" pitchFamily="34" charset="0"/>
-              <a:buChar char="»"/>
-              <a:defRPr sz="2667">
-                <a:solidFill>
-                  <a:schemeClr val="tx1"/>
-                </a:solidFill>
-                <a:latin typeface="Calibri" panose="020F0502020204030204" pitchFamily="34" charset="0"/>
-                <a:ea typeface="宋体" panose="02010600030101010101" pitchFamily="2" charset="-122"/>
-              </a:defRPr>
-            </a:lvl5pPr>
-            <a:lvl6pPr marL="3352716" indent="-304792" defTabSz="1217054" eaLnBrk="0" fontAlgn="base" hangingPunct="0">
-              <a:spcBef>
-                <a:spcPct val="20000"/>
-              </a:spcBef>
-              <a:spcAft>
-                <a:spcPct val="0"/>
-              </a:spcAft>
-              <a:buFont typeface="Arial" panose="020B0604020202020204" pitchFamily="34" charset="0"/>
-              <a:buChar char="»"/>
-              <a:defRPr sz="2667">
-                <a:solidFill>
-                  <a:schemeClr val="tx1"/>
-                </a:solidFill>
-                <a:latin typeface="Calibri" panose="020F0502020204030204" pitchFamily="34" charset="0"/>
-                <a:ea typeface="宋体" panose="02010600030101010101" pitchFamily="2" charset="-122"/>
-              </a:defRPr>
-            </a:lvl6pPr>
-            <a:lvl7pPr marL="3962301" indent="-304792" defTabSz="1217054" eaLnBrk="0" fontAlgn="base" hangingPunct="0">
-              <a:spcBef>
-                <a:spcPct val="20000"/>
-              </a:spcBef>
-              <a:spcAft>
-                <a:spcPct val="0"/>
-              </a:spcAft>
-              <a:buFont typeface="Arial" panose="020B0604020202020204" pitchFamily="34" charset="0"/>
-              <a:buChar char="»"/>
-              <a:defRPr sz="2667">
-                <a:solidFill>
-                  <a:schemeClr val="tx1"/>
-                </a:solidFill>
-                <a:latin typeface="Calibri" panose="020F0502020204030204" pitchFamily="34" charset="0"/>
-                <a:ea typeface="宋体" panose="02010600030101010101" pitchFamily="2" charset="-122"/>
-              </a:defRPr>
-            </a:lvl7pPr>
-            <a:lvl8pPr marL="4571886" indent="-304792" defTabSz="1217054" eaLnBrk="0" fontAlgn="base" hangingPunct="0">
-              <a:spcBef>
-                <a:spcPct val="20000"/>
-              </a:spcBef>
-              <a:spcAft>
-                <a:spcPct val="0"/>
-              </a:spcAft>
-              <a:buFont typeface="Arial" panose="020B0604020202020204" pitchFamily="34" charset="0"/>
-              <a:buChar char="»"/>
-              <a:defRPr sz="2667">
-                <a:solidFill>
-                  <a:schemeClr val="tx1"/>
-                </a:solidFill>
-                <a:latin typeface="Calibri" panose="020F0502020204030204" pitchFamily="34" charset="0"/>
-                <a:ea typeface="宋体" panose="02010600030101010101" pitchFamily="2" charset="-122"/>
-              </a:defRPr>
-            </a:lvl8pPr>
-            <a:lvl9pPr marL="5181470" indent="-304792" defTabSz="1217054" eaLnBrk="0" fontAlgn="base" hangingPunct="0">
-              <a:spcBef>
-                <a:spcPct val="20000"/>
-              </a:spcBef>
-              <a:spcAft>
-                <a:spcPct val="0"/>
-              </a:spcAft>
-              <a:buFont typeface="Arial" panose="020B0604020202020204" pitchFamily="34" charset="0"/>
-              <a:buChar char="»"/>
-              <a:defRPr sz="2667">
-                <a:solidFill>
-                  <a:schemeClr val="tx1"/>
-                </a:solidFill>
-                <a:latin typeface="Calibri" panose="020F0502020204030204" pitchFamily="34" charset="0"/>
-                <a:ea typeface="宋体" panose="02010600030101010101" pitchFamily="2" charset="-122"/>
-              </a:defRPr>
-            </a:lvl9pPr>
-          </a:lstStyle>
-          <a:p>
-            <a:pPr>
-              <a:spcBef>
-                <a:spcPct val="0"/>
-              </a:spcBef>
-              <a:buFontTx/>
-              <a:buNone/>
-            </a:pPr>
-            <a:fld id="{41645124-AB42-4FE6-BD2B-6B638C295A33}" type="slidenum">
-              <a:rPr lang="zh-CN" altLang="en-US" sz="2400">
-                <a:latin typeface="Times New Roman" panose="02020603050405020304" pitchFamily="18" charset="0"/>
-              </a:rPr>
-              <a:pPr>
-                <a:spcBef>
-                  <a:spcPct val="0"/>
-                </a:spcBef>
-                <a:buFontTx/>
-                <a:buNone/>
-              </a:pPr>
-              <a:t>19</a:t>
-            </a:fld>
-            <a:endParaRPr lang="zh-CN" altLang="en-US" sz="2400">
-              <a:latin typeface="Times New Roman" panose="02020603050405020304" pitchFamily="18" charset="0"/>
-            </a:endParaRPr>
-          </a:p>
-        </p:txBody>
-      </p:sp>
-      <p:pic>
-        <p:nvPicPr>
-          <p:cNvPr id="39943" name="圖片 3">
-            <a:extLst>
-              <a:ext uri="{FF2B5EF4-FFF2-40B4-BE49-F238E27FC236}">
-                <a16:creationId xmlns:a16="http://schemas.microsoft.com/office/drawing/2014/main" id="{7ADBF3BC-B62E-3C3B-544D-5E6E6B3A99E3}"/>
-              </a:ext>
-            </a:extLst>
-          </p:cNvPr>
-          <p:cNvPicPr>
-            <a:picLocks noChangeAspect="1" noChangeArrowheads="1"/>
-          </p:cNvPicPr>
-          <p:nvPr/>
-        </p:nvPicPr>
-        <p:blipFill>
-          <a:blip r:embed="rId3">
-            <a:extLst>
-              <a:ext uri="{28A0092B-C50C-407E-A947-70E740481C1C}">
-                <a14:useLocalDpi xmlns:a14="http://schemas.microsoft.com/office/drawing/2010/main" val="0"/>
-              </a:ext>
-            </a:extLst>
-          </a:blip>
-          <a:srcRect/>
-          <a:stretch>
-            <a:fillRect/>
-          </a:stretch>
-        </p:blipFill>
-        <p:spPr bwMode="auto">
-          <a:xfrm>
-            <a:off x="668867" y="3953934"/>
-            <a:ext cx="5111751" cy="2760133"/>
-          </a:xfrm>
-          <a:prstGeom prst="rect">
-            <a:avLst/>
-          </a:prstGeom>
-          <a:noFill/>
-          <a:ln>
-            <a:noFill/>
-          </a:ln>
-          <a:extLst>
-            <a:ext uri="{909E8E84-426E-40DD-AFC4-6F175D3DCCD1}">
-              <a14:hiddenFill xmlns:a14="http://schemas.microsoft.com/office/drawing/2010/main">
-                <a:solidFill>
-                  <a:srgbClr val="FFFFFF"/>
-                </a:solidFill>
-              </a14:hiddenFill>
-            </a:ext>
-            <a:ext uri="{91240B29-F687-4F45-9708-019B960494DF}">
-              <a14:hiddenLine xmlns:a14="http://schemas.microsoft.com/office/drawing/2010/main" w="9525">
-                <a:solidFill>
-                  <a:srgbClr val="000000"/>
-                </a:solidFill>
-                <a:miter lim="800000"/>
-                <a:headEnd/>
-                <a:tailEnd/>
-              </a14:hiddenLine>
-            </a:ext>
-          </a:extLst>
-        </p:spPr>
-      </p:pic>
-      <p:pic>
-        <p:nvPicPr>
-          <p:cNvPr id="39944" name="圖片 6">
-            <a:extLst>
-              <a:ext uri="{FF2B5EF4-FFF2-40B4-BE49-F238E27FC236}">
-                <a16:creationId xmlns:a16="http://schemas.microsoft.com/office/drawing/2014/main" id="{B367403E-3BD2-21B4-EE45-E0364BC9BE9F}"/>
-              </a:ext>
-            </a:extLst>
-          </p:cNvPr>
-          <p:cNvPicPr>
-            <a:picLocks noChangeAspect="1" noChangeArrowheads="1"/>
-          </p:cNvPicPr>
-          <p:nvPr/>
-        </p:nvPicPr>
-        <p:blipFill>
-          <a:blip r:embed="rId4">
-            <a:extLst>
-              <a:ext uri="{28A0092B-C50C-407E-A947-70E740481C1C}">
-                <a14:useLocalDpi xmlns:a14="http://schemas.microsoft.com/office/drawing/2010/main" val="0"/>
-              </a:ext>
-            </a:extLst>
-          </a:blip>
-          <a:srcRect/>
-          <a:stretch>
-            <a:fillRect/>
-          </a:stretch>
-        </p:blipFill>
-        <p:spPr bwMode="auto">
-          <a:xfrm>
-            <a:off x="677334" y="1075267"/>
-            <a:ext cx="5111751" cy="2760133"/>
-          </a:xfrm>
-          <a:prstGeom prst="rect">
-            <a:avLst/>
-          </a:prstGeom>
-          <a:noFill/>
-          <a:ln>
-            <a:noFill/>
-          </a:ln>
-          <a:extLst>
-            <a:ext uri="{909E8E84-426E-40DD-AFC4-6F175D3DCCD1}">
-              <a14:hiddenFill xmlns:a14="http://schemas.microsoft.com/office/drawing/2010/main">
-                <a:solidFill>
-                  <a:srgbClr val="FFFFFF"/>
-                </a:solidFill>
-              </a14:hiddenFill>
-            </a:ext>
-            <a:ext uri="{91240B29-F687-4F45-9708-019B960494DF}">
-              <a14:hiddenLine xmlns:a14="http://schemas.microsoft.com/office/drawing/2010/main" w="9525">
-                <a:solidFill>
-                  <a:srgbClr val="000000"/>
-                </a:solidFill>
-                <a:miter lim="800000"/>
-                <a:headEnd/>
-                <a:tailEnd/>
-              </a14:hiddenLine>
-            </a:ext>
-          </a:extLst>
-        </p:spPr>
-      </p:pic>
-      <p:pic>
-        <p:nvPicPr>
-          <p:cNvPr id="39945" name="圖片 8">
-            <a:extLst>
-              <a:ext uri="{FF2B5EF4-FFF2-40B4-BE49-F238E27FC236}">
-                <a16:creationId xmlns:a16="http://schemas.microsoft.com/office/drawing/2014/main" id="{D00D6475-5DAA-0D6C-C851-4D5220C78F7D}"/>
-              </a:ext>
-            </a:extLst>
-          </p:cNvPr>
-          <p:cNvPicPr>
-            <a:picLocks noChangeAspect="1" noChangeArrowheads="1"/>
-          </p:cNvPicPr>
-          <p:nvPr/>
-        </p:nvPicPr>
-        <p:blipFill>
-          <a:blip r:embed="rId5">
-            <a:extLst>
-              <a:ext uri="{28A0092B-C50C-407E-A947-70E740481C1C}">
-                <a14:useLocalDpi xmlns:a14="http://schemas.microsoft.com/office/drawing/2010/main" val="0"/>
-              </a:ext>
-            </a:extLst>
-          </a:blip>
-          <a:srcRect/>
-          <a:stretch>
-            <a:fillRect/>
-          </a:stretch>
-        </p:blipFill>
-        <p:spPr bwMode="auto">
-          <a:xfrm>
-            <a:off x="6148918" y="1075267"/>
-            <a:ext cx="5111749" cy="2760133"/>
-          </a:xfrm>
-          <a:prstGeom prst="rect">
-            <a:avLst/>
-          </a:prstGeom>
-          <a:noFill/>
-          <a:ln>
-            <a:noFill/>
-          </a:ln>
-          <a:extLst>
-            <a:ext uri="{909E8E84-426E-40DD-AFC4-6F175D3DCCD1}">
-              <a14:hiddenFill xmlns:a14="http://schemas.microsoft.com/office/drawing/2010/main">
-                <a:solidFill>
-                  <a:srgbClr val="FFFFFF"/>
-                </a:solidFill>
-              </a14:hiddenFill>
-            </a:ext>
-            <a:ext uri="{91240B29-F687-4F45-9708-019B960494DF}">
-              <a14:hiddenLine xmlns:a14="http://schemas.microsoft.com/office/drawing/2010/main" w="9525">
-                <a:solidFill>
-                  <a:srgbClr val="000000"/>
-                </a:solidFill>
-                <a:miter lim="800000"/>
-                <a:headEnd/>
-                <a:tailEnd/>
-              </a14:hiddenLine>
-            </a:ext>
-          </a:extLst>
-        </p:spPr>
-      </p:pic>
-      <p:pic>
-        <p:nvPicPr>
-          <p:cNvPr id="39946" name="圖片 10">
-            <a:extLst>
-              <a:ext uri="{FF2B5EF4-FFF2-40B4-BE49-F238E27FC236}">
-                <a16:creationId xmlns:a16="http://schemas.microsoft.com/office/drawing/2014/main" id="{42205374-55AE-29B3-9034-D080F8B78360}"/>
-              </a:ext>
-            </a:extLst>
-          </p:cNvPr>
-          <p:cNvPicPr>
-            <a:picLocks noChangeAspect="1" noChangeArrowheads="1"/>
-          </p:cNvPicPr>
-          <p:nvPr/>
-        </p:nvPicPr>
-        <p:blipFill>
-          <a:blip r:embed="rId6">
-            <a:extLst>
-              <a:ext uri="{28A0092B-C50C-407E-A947-70E740481C1C}">
-                <a14:useLocalDpi xmlns:a14="http://schemas.microsoft.com/office/drawing/2010/main" val="0"/>
-              </a:ext>
-            </a:extLst>
-          </a:blip>
-          <a:srcRect/>
-          <a:stretch>
-            <a:fillRect/>
-          </a:stretch>
-        </p:blipFill>
-        <p:spPr bwMode="auto">
-          <a:xfrm>
-            <a:off x="6093885" y="3953934"/>
-            <a:ext cx="5166783" cy="2760133"/>
-          </a:xfrm>
-          <a:prstGeom prst="rect">
-            <a:avLst/>
-          </a:prstGeom>
-          <a:noFill/>
-          <a:ln>
-            <a:noFill/>
-          </a:ln>
-          <a:extLst>
-            <a:ext uri="{909E8E84-426E-40DD-AFC4-6F175D3DCCD1}">
-              <a14:hiddenFill xmlns:a14="http://schemas.microsoft.com/office/drawing/2010/main">
-                <a:solidFill>
-                  <a:srgbClr val="FFFFFF"/>
-                </a:solidFill>
-              </a14:hiddenFill>
-            </a:ext>
-            <a:ext uri="{91240B29-F687-4F45-9708-019B960494DF}">
-              <a14:hiddenLine xmlns:a14="http://schemas.microsoft.com/office/drawing/2010/main" w="9525">
-                <a:solidFill>
-                  <a:srgbClr val="000000"/>
-                </a:solidFill>
-                <a:miter lim="800000"/>
-                <a:headEnd/>
-                <a:tailEnd/>
-              </a14:hiddenLine>
-            </a:ext>
-          </a:extLst>
-        </p:spPr>
-      </p:pic>
-    </p:spTree>
-    <p:extLst>
-      <p:ext uri="{BB962C8B-B14F-4D97-AF65-F5344CB8AC3E}">
-        <p14:creationId xmlns:p14="http://schemas.microsoft.com/office/powerpoint/2010/main" val="1188205117"/>
       </p:ext>
     </p:extLst>
   </p:cSld>
@@ -19739,6 +20237,1684 @@
   <p:cSld>
     <p:spTree>
       <p:nvGrpSpPr>
+        <p:cNvPr id="1" name="">
+          <a:extLst>
+            <a:ext uri="{FF2B5EF4-FFF2-40B4-BE49-F238E27FC236}">
+              <a16:creationId xmlns:a16="http://schemas.microsoft.com/office/drawing/2014/main" id="{10F6F231-8D7E-771F-ABF1-388940E838AA}"/>
+            </a:ext>
+          </a:extLst>
+        </p:cNvPr>
+        <p:cNvGrpSpPr/>
+        <p:nvPr/>
+      </p:nvGrpSpPr>
+      <p:grpSpPr>
+        <a:xfrm>
+          <a:off x="0" y="0"/>
+          <a:ext cx="0" cy="0"/>
+          <a:chOff x="0" y="0"/>
+          <a:chExt cx="0" cy="0"/>
+        </a:xfrm>
+      </p:grpSpPr>
+      <p:sp>
+        <p:nvSpPr>
+          <p:cNvPr id="39938" name="TextBox 20">
+            <a:extLst>
+              <a:ext uri="{FF2B5EF4-FFF2-40B4-BE49-F238E27FC236}">
+                <a16:creationId xmlns:a16="http://schemas.microsoft.com/office/drawing/2014/main" id="{ED7A538D-BED8-7A63-8922-18C6EFE6A694}"/>
+              </a:ext>
+            </a:extLst>
+          </p:cNvPr>
+          <p:cNvSpPr txBox="1">
+            <a:spLocks noChangeArrowheads="1"/>
+          </p:cNvSpPr>
+          <p:nvPr/>
+        </p:nvSpPr>
+        <p:spPr bwMode="auto">
+          <a:xfrm>
+            <a:off x="1248834" y="357718"/>
+            <a:ext cx="10477500" cy="617720"/>
+          </a:xfrm>
+          <a:prstGeom prst="rect">
+            <a:avLst/>
+          </a:prstGeom>
+          <a:noFill/>
+          <a:ln>
+            <a:noFill/>
+          </a:ln>
+          <a:extLst>
+            <a:ext uri="{909E8E84-426E-40DD-AFC4-6F175D3DCCD1}">
+              <a14:hiddenFill xmlns:a14="http://schemas.microsoft.com/office/drawing/2010/main">
+                <a:solidFill>
+                  <a:srgbClr val="FFFFFF"/>
+                </a:solidFill>
+              </a14:hiddenFill>
+            </a:ext>
+            <a:ext uri="{91240B29-F687-4F45-9708-019B960494DF}">
+              <a14:hiddenLine xmlns:a14="http://schemas.microsoft.com/office/drawing/2010/main" w="9525">
+                <a:solidFill>
+                  <a:srgbClr val="000000"/>
+                </a:solidFill>
+                <a:miter lim="800000"/>
+                <a:headEnd/>
+                <a:tailEnd/>
+              </a14:hiddenLine>
+            </a:ext>
+          </a:extLst>
+        </p:spPr>
+        <p:txBody>
+          <a:bodyPr lIns="124065" tIns="62033" rIns="124065" bIns="62033">
+            <a:spAutoFit/>
+          </a:bodyPr>
+          <a:lstStyle>
+            <a:lvl1pPr>
+              <a:spcBef>
+                <a:spcPct val="20000"/>
+              </a:spcBef>
+              <a:buFont typeface="Arial" panose="020B0604020202020204" pitchFamily="34" charset="0"/>
+              <a:buChar char="•"/>
+              <a:defRPr sz="3200">
+                <a:solidFill>
+                  <a:schemeClr val="tx1"/>
+                </a:solidFill>
+                <a:latin typeface="Calibri" panose="020F0502020204030204" pitchFamily="34" charset="0"/>
+                <a:ea typeface="宋体" panose="02010600030101010101" pitchFamily="2" charset="-122"/>
+              </a:defRPr>
+            </a:lvl1pPr>
+            <a:lvl2pPr marL="742950" indent="-285750">
+              <a:spcBef>
+                <a:spcPct val="20000"/>
+              </a:spcBef>
+              <a:buFont typeface="Arial" panose="020B0604020202020204" pitchFamily="34" charset="0"/>
+              <a:buChar char="–"/>
+              <a:defRPr sz="2800">
+                <a:solidFill>
+                  <a:schemeClr val="tx1"/>
+                </a:solidFill>
+                <a:latin typeface="Calibri" panose="020F0502020204030204" pitchFamily="34" charset="0"/>
+                <a:ea typeface="宋体" panose="02010600030101010101" pitchFamily="2" charset="-122"/>
+              </a:defRPr>
+            </a:lvl2pPr>
+            <a:lvl3pPr marL="1143000" indent="-228600">
+              <a:spcBef>
+                <a:spcPct val="20000"/>
+              </a:spcBef>
+              <a:buFont typeface="Arial" panose="020B0604020202020204" pitchFamily="34" charset="0"/>
+              <a:buChar char="•"/>
+              <a:defRPr sz="2400">
+                <a:solidFill>
+                  <a:schemeClr val="tx1"/>
+                </a:solidFill>
+                <a:latin typeface="Calibri" panose="020F0502020204030204" pitchFamily="34" charset="0"/>
+                <a:ea typeface="宋体" panose="02010600030101010101" pitchFamily="2" charset="-122"/>
+              </a:defRPr>
+            </a:lvl3pPr>
+            <a:lvl4pPr marL="1600200" indent="-228600">
+              <a:spcBef>
+                <a:spcPct val="20000"/>
+              </a:spcBef>
+              <a:buFont typeface="Arial" panose="020B0604020202020204" pitchFamily="34" charset="0"/>
+              <a:buChar char="–"/>
+              <a:defRPr sz="2000">
+                <a:solidFill>
+                  <a:schemeClr val="tx1"/>
+                </a:solidFill>
+                <a:latin typeface="Calibri" panose="020F0502020204030204" pitchFamily="34" charset="0"/>
+                <a:ea typeface="宋体" panose="02010600030101010101" pitchFamily="2" charset="-122"/>
+              </a:defRPr>
+            </a:lvl4pPr>
+            <a:lvl5pPr marL="2057400" indent="-228600">
+              <a:spcBef>
+                <a:spcPct val="20000"/>
+              </a:spcBef>
+              <a:buFont typeface="Arial" panose="020B0604020202020204" pitchFamily="34" charset="0"/>
+              <a:buChar char="»"/>
+              <a:defRPr sz="2000">
+                <a:solidFill>
+                  <a:schemeClr val="tx1"/>
+                </a:solidFill>
+                <a:latin typeface="Calibri" panose="020F0502020204030204" pitchFamily="34" charset="0"/>
+                <a:ea typeface="宋体" panose="02010600030101010101" pitchFamily="2" charset="-122"/>
+              </a:defRPr>
+            </a:lvl5pPr>
+            <a:lvl6pPr marL="2514600" indent="-228600" defTabSz="912813" eaLnBrk="0" fontAlgn="base" hangingPunct="0">
+              <a:spcBef>
+                <a:spcPct val="20000"/>
+              </a:spcBef>
+              <a:spcAft>
+                <a:spcPct val="0"/>
+              </a:spcAft>
+              <a:buFont typeface="Arial" panose="020B0604020202020204" pitchFamily="34" charset="0"/>
+              <a:buChar char="»"/>
+              <a:defRPr sz="2000">
+                <a:solidFill>
+                  <a:schemeClr val="tx1"/>
+                </a:solidFill>
+                <a:latin typeface="Calibri" panose="020F0502020204030204" pitchFamily="34" charset="0"/>
+                <a:ea typeface="宋体" panose="02010600030101010101" pitchFamily="2" charset="-122"/>
+              </a:defRPr>
+            </a:lvl6pPr>
+            <a:lvl7pPr marL="2971800" indent="-228600" defTabSz="912813" eaLnBrk="0" fontAlgn="base" hangingPunct="0">
+              <a:spcBef>
+                <a:spcPct val="20000"/>
+              </a:spcBef>
+              <a:spcAft>
+                <a:spcPct val="0"/>
+              </a:spcAft>
+              <a:buFont typeface="Arial" panose="020B0604020202020204" pitchFamily="34" charset="0"/>
+              <a:buChar char="»"/>
+              <a:defRPr sz="2000">
+                <a:solidFill>
+                  <a:schemeClr val="tx1"/>
+                </a:solidFill>
+                <a:latin typeface="Calibri" panose="020F0502020204030204" pitchFamily="34" charset="0"/>
+                <a:ea typeface="宋体" panose="02010600030101010101" pitchFamily="2" charset="-122"/>
+              </a:defRPr>
+            </a:lvl7pPr>
+            <a:lvl8pPr marL="3429000" indent="-228600" defTabSz="912813" eaLnBrk="0" fontAlgn="base" hangingPunct="0">
+              <a:spcBef>
+                <a:spcPct val="20000"/>
+              </a:spcBef>
+              <a:spcAft>
+                <a:spcPct val="0"/>
+              </a:spcAft>
+              <a:buFont typeface="Arial" panose="020B0604020202020204" pitchFamily="34" charset="0"/>
+              <a:buChar char="»"/>
+              <a:defRPr sz="2000">
+                <a:solidFill>
+                  <a:schemeClr val="tx1"/>
+                </a:solidFill>
+                <a:latin typeface="Calibri" panose="020F0502020204030204" pitchFamily="34" charset="0"/>
+                <a:ea typeface="宋体" panose="02010600030101010101" pitchFamily="2" charset="-122"/>
+              </a:defRPr>
+            </a:lvl8pPr>
+            <a:lvl9pPr marL="3886200" indent="-228600" defTabSz="912813" eaLnBrk="0" fontAlgn="base" hangingPunct="0">
+              <a:spcBef>
+                <a:spcPct val="20000"/>
+              </a:spcBef>
+              <a:spcAft>
+                <a:spcPct val="0"/>
+              </a:spcAft>
+              <a:buFont typeface="Arial" panose="020B0604020202020204" pitchFamily="34" charset="0"/>
+              <a:buChar char="»"/>
+              <a:defRPr sz="2000">
+                <a:solidFill>
+                  <a:schemeClr val="tx1"/>
+                </a:solidFill>
+                <a:latin typeface="Calibri" panose="020F0502020204030204" pitchFamily="34" charset="0"/>
+                <a:ea typeface="宋体" panose="02010600030101010101" pitchFamily="2" charset="-122"/>
+              </a:defRPr>
+            </a:lvl9pPr>
+          </a:lstStyle>
+          <a:p>
+            <a:pPr eaLnBrk="1" hangingPunct="1">
+              <a:spcBef>
+                <a:spcPct val="0"/>
+              </a:spcBef>
+              <a:buFontTx/>
+              <a:buNone/>
+            </a:pPr>
+            <a:r>
+              <a:rPr lang="zh-TW" altLang="en-US" b="1">
+                <a:latin typeface="Microsoft JhengHei" panose="020B0604030504040204" pitchFamily="34" charset="-120"/>
+                <a:ea typeface="Microsoft JhengHei" panose="020B0604030504040204" pitchFamily="34" charset="-120"/>
+              </a:rPr>
+              <a:t>各模型手術預測</a:t>
+            </a:r>
+            <a:endParaRPr lang="en-US" altLang="zh-TW" b="1">
+              <a:latin typeface="Microsoft JhengHei" panose="020B0604030504040204" pitchFamily="34" charset="-120"/>
+              <a:ea typeface="Microsoft JhengHei" panose="020B0604030504040204" pitchFamily="34" charset="-120"/>
+            </a:endParaRPr>
+          </a:p>
+        </p:txBody>
+      </p:sp>
+      <p:sp>
+        <p:nvSpPr>
+          <p:cNvPr id="25" name="矩形 24">
+            <a:extLst>
+              <a:ext uri="{FF2B5EF4-FFF2-40B4-BE49-F238E27FC236}">
+                <a16:creationId xmlns:a16="http://schemas.microsoft.com/office/drawing/2014/main" id="{783BFDFF-9A5A-EB54-A06B-7D339B4C5640}"/>
+              </a:ext>
+            </a:extLst>
+          </p:cNvPr>
+          <p:cNvSpPr/>
+          <p:nvPr/>
+        </p:nvSpPr>
+        <p:spPr>
+          <a:xfrm>
+            <a:off x="539751" y="431800"/>
+            <a:ext cx="558800" cy="560917"/>
+          </a:xfrm>
+          <a:prstGeom prst="rect">
+            <a:avLst/>
+          </a:prstGeom>
+          <a:solidFill>
+            <a:srgbClr val="19B49B"/>
+          </a:solidFill>
+          <a:ln>
+            <a:noFill/>
+          </a:ln>
+        </p:spPr>
+        <p:style>
+          <a:lnRef idx="2">
+            <a:schemeClr val="accent1">
+              <a:shade val="50000"/>
+            </a:schemeClr>
+          </a:lnRef>
+          <a:fillRef idx="1">
+            <a:schemeClr val="accent1"/>
+          </a:fillRef>
+          <a:effectRef idx="0">
+            <a:schemeClr val="accent1"/>
+          </a:effectRef>
+          <a:fontRef idx="minor">
+            <a:schemeClr val="lt1"/>
+          </a:fontRef>
+        </p:style>
+        <p:txBody>
+          <a:bodyPr lIns="124065" tIns="62033" rIns="124065" bIns="62033" anchor="ctr"/>
+          <a:lstStyle/>
+          <a:p>
+            <a:pPr algn="ctr" defTabSz="1219012">
+              <a:defRPr/>
+            </a:pPr>
+            <a:r>
+              <a:rPr lang="en-US" altLang="zh-CN" sz="3200" dirty="0">
+                <a:latin typeface="Agency FB" panose="020B0503020202020204" pitchFamily="34" charset="0"/>
+              </a:rPr>
+              <a:t>18</a:t>
+            </a:r>
+            <a:endParaRPr lang="zh-CN" altLang="en-US" sz="3200" dirty="0">
+              <a:latin typeface="Agency FB" panose="020B0503020202020204" pitchFamily="34" charset="0"/>
+            </a:endParaRPr>
+          </a:p>
+        </p:txBody>
+      </p:sp>
+      <p:cxnSp>
+        <p:nvCxnSpPr>
+          <p:cNvPr id="26" name="直接连接符 25">
+            <a:extLst>
+              <a:ext uri="{FF2B5EF4-FFF2-40B4-BE49-F238E27FC236}">
+                <a16:creationId xmlns:a16="http://schemas.microsoft.com/office/drawing/2014/main" id="{1B9D96D7-8F4E-8695-163A-27137E30AB70}"/>
+              </a:ext>
+            </a:extLst>
+          </p:cNvPr>
+          <p:cNvCxnSpPr>
+            <a:cxnSpLocks/>
+          </p:cNvCxnSpPr>
+          <p:nvPr/>
+        </p:nvCxnSpPr>
+        <p:spPr>
+          <a:xfrm>
+            <a:off x="2017184" y="1013884"/>
+            <a:ext cx="9829800" cy="0"/>
+          </a:xfrm>
+          <a:prstGeom prst="line">
+            <a:avLst/>
+          </a:prstGeom>
+          <a:ln w="12700">
+            <a:solidFill>
+              <a:srgbClr val="19B49B"/>
+            </a:solidFill>
+          </a:ln>
+        </p:spPr>
+        <p:style>
+          <a:lnRef idx="1">
+            <a:schemeClr val="accent1"/>
+          </a:lnRef>
+          <a:fillRef idx="0">
+            <a:schemeClr val="accent1"/>
+          </a:fillRef>
+          <a:effectRef idx="0">
+            <a:schemeClr val="accent1"/>
+          </a:effectRef>
+          <a:fontRef idx="minor">
+            <a:schemeClr val="tx1"/>
+          </a:fontRef>
+        </p:style>
+      </p:cxnSp>
+      <p:sp>
+        <p:nvSpPr>
+          <p:cNvPr id="31" name="任意多边形: 形状 30">
+            <a:extLst>
+              <a:ext uri="{FF2B5EF4-FFF2-40B4-BE49-F238E27FC236}">
+                <a16:creationId xmlns:a16="http://schemas.microsoft.com/office/drawing/2014/main" id="{049D1BA1-02D3-D483-10CE-3FAE68725CFA}"/>
+              </a:ext>
+            </a:extLst>
+          </p:cNvPr>
+          <p:cNvSpPr/>
+          <p:nvPr/>
+        </p:nvSpPr>
+        <p:spPr>
+          <a:xfrm>
+            <a:off x="1164168" y="939800"/>
+            <a:ext cx="867833" cy="78317"/>
+          </a:xfrm>
+          <a:custGeom>
+            <a:avLst/>
+            <a:gdLst>
+              <a:gd name="connsiteX0" fmla="*/ 0 w 640080"/>
+              <a:gd name="connsiteY0" fmla="*/ 34335 h 57208"/>
+              <a:gd name="connsiteX1" fmla="*/ 121920 w 640080"/>
+              <a:gd name="connsiteY1" fmla="*/ 5760 h 57208"/>
+              <a:gd name="connsiteX2" fmla="*/ 169545 w 640080"/>
+              <a:gd name="connsiteY2" fmla="*/ 57195 h 57208"/>
+              <a:gd name="connsiteX3" fmla="*/ 287655 w 640080"/>
+              <a:gd name="connsiteY3" fmla="*/ 45 h 57208"/>
+              <a:gd name="connsiteX4" fmla="*/ 392430 w 640080"/>
+              <a:gd name="connsiteY4" fmla="*/ 47670 h 57208"/>
+              <a:gd name="connsiteX5" fmla="*/ 640080 w 640080"/>
+              <a:gd name="connsiteY5" fmla="*/ 51480 h 57208"/>
+            </a:gdLst>
+            <a:ahLst/>
+            <a:cxnLst>
+              <a:cxn ang="0">
+                <a:pos x="connsiteX0" y="connsiteY0"/>
+              </a:cxn>
+              <a:cxn ang="0">
+                <a:pos x="connsiteX1" y="connsiteY1"/>
+              </a:cxn>
+              <a:cxn ang="0">
+                <a:pos x="connsiteX2" y="connsiteY2"/>
+              </a:cxn>
+              <a:cxn ang="0">
+                <a:pos x="connsiteX3" y="connsiteY3"/>
+              </a:cxn>
+              <a:cxn ang="0">
+                <a:pos x="connsiteX4" y="connsiteY4"/>
+              </a:cxn>
+              <a:cxn ang="0">
+                <a:pos x="connsiteX5" y="connsiteY5"/>
+              </a:cxn>
+            </a:cxnLst>
+            <a:rect l="l" t="t" r="r" b="b"/>
+            <a:pathLst>
+              <a:path w="640080" h="57208">
+                <a:moveTo>
+                  <a:pt x="0" y="34335"/>
+                </a:moveTo>
+                <a:cubicBezTo>
+                  <a:pt x="46831" y="18142"/>
+                  <a:pt x="93663" y="1950"/>
+                  <a:pt x="121920" y="5760"/>
+                </a:cubicBezTo>
+                <a:cubicBezTo>
+                  <a:pt x="150177" y="9570"/>
+                  <a:pt x="141923" y="58147"/>
+                  <a:pt x="169545" y="57195"/>
+                </a:cubicBezTo>
+                <a:cubicBezTo>
+                  <a:pt x="197167" y="56243"/>
+                  <a:pt x="250508" y="1632"/>
+                  <a:pt x="287655" y="45"/>
+                </a:cubicBezTo>
+                <a:cubicBezTo>
+                  <a:pt x="324802" y="-1542"/>
+                  <a:pt x="333693" y="39098"/>
+                  <a:pt x="392430" y="47670"/>
+                </a:cubicBezTo>
+                <a:cubicBezTo>
+                  <a:pt x="451168" y="56243"/>
+                  <a:pt x="545624" y="53861"/>
+                  <a:pt x="640080" y="51480"/>
+                </a:cubicBezTo>
+              </a:path>
+            </a:pathLst>
+          </a:custGeom>
+          <a:noFill/>
+          <a:ln>
+            <a:solidFill>
+              <a:srgbClr val="19B49B"/>
+            </a:solidFill>
+          </a:ln>
+        </p:spPr>
+        <p:style>
+          <a:lnRef idx="2">
+            <a:schemeClr val="accent1">
+              <a:shade val="50000"/>
+            </a:schemeClr>
+          </a:lnRef>
+          <a:fillRef idx="1">
+            <a:schemeClr val="accent1"/>
+          </a:fillRef>
+          <a:effectRef idx="0">
+            <a:schemeClr val="accent1"/>
+          </a:effectRef>
+          <a:fontRef idx="minor">
+            <a:schemeClr val="lt1"/>
+          </a:fontRef>
+        </p:style>
+        <p:txBody>
+          <a:bodyPr lIns="124065" tIns="62033" rIns="124065" bIns="62033" anchor="ctr"/>
+          <a:lstStyle/>
+          <a:p>
+            <a:pPr algn="ctr" defTabSz="1219012">
+              <a:defRPr/>
+            </a:pPr>
+            <a:endParaRPr lang="zh-CN" altLang="en-US" sz="2400"/>
+          </a:p>
+        </p:txBody>
+      </p:sp>
+      <p:sp>
+        <p:nvSpPr>
+          <p:cNvPr id="39942" name="投影片編號版面配置區 1">
+            <a:extLst>
+              <a:ext uri="{FF2B5EF4-FFF2-40B4-BE49-F238E27FC236}">
+                <a16:creationId xmlns:a16="http://schemas.microsoft.com/office/drawing/2014/main" id="{739963BC-279E-6E9B-54DB-13F12C4AD249}"/>
+              </a:ext>
+            </a:extLst>
+          </p:cNvPr>
+          <p:cNvSpPr>
+            <a:spLocks noGrp="1"/>
+          </p:cNvSpPr>
+          <p:nvPr>
+            <p:ph type="sldNum" sz="quarter" idx="12"/>
+          </p:nvPr>
+        </p:nvSpPr>
+        <p:spPr bwMode="auto">
+          <a:xfrm>
+            <a:off x="668867" y="6356352"/>
+            <a:ext cx="10957984" cy="501649"/>
+          </a:xfrm>
+          <a:noFill/>
+          <a:extLst>
+            <a:ext uri="{909E8E84-426E-40DD-AFC4-6F175D3DCCD1}">
+              <a14:hiddenFill xmlns:a14="http://schemas.microsoft.com/office/drawing/2010/main">
+                <a:solidFill>
+                  <a:srgbClr val="FFFFFF"/>
+                </a:solidFill>
+              </a14:hiddenFill>
+            </a:ext>
+            <a:ext uri="{91240B29-F687-4F45-9708-019B960494DF}">
+              <a14:hiddenLine xmlns:a14="http://schemas.microsoft.com/office/drawing/2010/main" w="9525">
+                <a:solidFill>
+                  <a:srgbClr val="000000"/>
+                </a:solidFill>
+                <a:miter lim="800000"/>
+                <a:headEnd/>
+                <a:tailEnd/>
+              </a14:hiddenLine>
+            </a:ext>
+          </a:extLst>
+        </p:spPr>
+        <p:txBody>
+          <a:bodyPr/>
+          <a:lstStyle>
+            <a:lvl1pPr>
+              <a:spcBef>
+                <a:spcPct val="20000"/>
+              </a:spcBef>
+              <a:buFont typeface="Arial" panose="020B0604020202020204" pitchFamily="34" charset="0"/>
+              <a:buChar char="•"/>
+              <a:defRPr sz="4267">
+                <a:solidFill>
+                  <a:schemeClr val="tx1"/>
+                </a:solidFill>
+                <a:latin typeface="Calibri" panose="020F0502020204030204" pitchFamily="34" charset="0"/>
+                <a:ea typeface="宋体" panose="02010600030101010101" pitchFamily="2" charset="-122"/>
+              </a:defRPr>
+            </a:lvl1pPr>
+            <a:lvl2pPr marL="990575" indent="-380990">
+              <a:spcBef>
+                <a:spcPct val="20000"/>
+              </a:spcBef>
+              <a:buFont typeface="Arial" panose="020B0604020202020204" pitchFamily="34" charset="0"/>
+              <a:buChar char="–"/>
+              <a:defRPr sz="3733">
+                <a:solidFill>
+                  <a:schemeClr val="tx1"/>
+                </a:solidFill>
+                <a:latin typeface="Calibri" panose="020F0502020204030204" pitchFamily="34" charset="0"/>
+                <a:ea typeface="宋体" panose="02010600030101010101" pitchFamily="2" charset="-122"/>
+              </a:defRPr>
+            </a:lvl2pPr>
+            <a:lvl3pPr marL="1523962" indent="-304792">
+              <a:spcBef>
+                <a:spcPct val="20000"/>
+              </a:spcBef>
+              <a:buFont typeface="Arial" panose="020B0604020202020204" pitchFamily="34" charset="0"/>
+              <a:buChar char="•"/>
+              <a:defRPr sz="3200">
+                <a:solidFill>
+                  <a:schemeClr val="tx1"/>
+                </a:solidFill>
+                <a:latin typeface="Calibri" panose="020F0502020204030204" pitchFamily="34" charset="0"/>
+                <a:ea typeface="宋体" panose="02010600030101010101" pitchFamily="2" charset="-122"/>
+              </a:defRPr>
+            </a:lvl3pPr>
+            <a:lvl4pPr marL="2133547" indent="-304792">
+              <a:spcBef>
+                <a:spcPct val="20000"/>
+              </a:spcBef>
+              <a:buFont typeface="Arial" panose="020B0604020202020204" pitchFamily="34" charset="0"/>
+              <a:buChar char="–"/>
+              <a:defRPr sz="2667">
+                <a:solidFill>
+                  <a:schemeClr val="tx1"/>
+                </a:solidFill>
+                <a:latin typeface="Calibri" panose="020F0502020204030204" pitchFamily="34" charset="0"/>
+                <a:ea typeface="宋体" panose="02010600030101010101" pitchFamily="2" charset="-122"/>
+              </a:defRPr>
+            </a:lvl4pPr>
+            <a:lvl5pPr marL="2743131" indent="-304792">
+              <a:spcBef>
+                <a:spcPct val="20000"/>
+              </a:spcBef>
+              <a:buFont typeface="Arial" panose="020B0604020202020204" pitchFamily="34" charset="0"/>
+              <a:buChar char="»"/>
+              <a:defRPr sz="2667">
+                <a:solidFill>
+                  <a:schemeClr val="tx1"/>
+                </a:solidFill>
+                <a:latin typeface="Calibri" panose="020F0502020204030204" pitchFamily="34" charset="0"/>
+                <a:ea typeface="宋体" panose="02010600030101010101" pitchFamily="2" charset="-122"/>
+              </a:defRPr>
+            </a:lvl5pPr>
+            <a:lvl6pPr marL="3352716" indent="-304792" defTabSz="1217054" eaLnBrk="0" fontAlgn="base" hangingPunct="0">
+              <a:spcBef>
+                <a:spcPct val="20000"/>
+              </a:spcBef>
+              <a:spcAft>
+                <a:spcPct val="0"/>
+              </a:spcAft>
+              <a:buFont typeface="Arial" panose="020B0604020202020204" pitchFamily="34" charset="0"/>
+              <a:buChar char="»"/>
+              <a:defRPr sz="2667">
+                <a:solidFill>
+                  <a:schemeClr val="tx1"/>
+                </a:solidFill>
+                <a:latin typeface="Calibri" panose="020F0502020204030204" pitchFamily="34" charset="0"/>
+                <a:ea typeface="宋体" panose="02010600030101010101" pitchFamily="2" charset="-122"/>
+              </a:defRPr>
+            </a:lvl6pPr>
+            <a:lvl7pPr marL="3962301" indent="-304792" defTabSz="1217054" eaLnBrk="0" fontAlgn="base" hangingPunct="0">
+              <a:spcBef>
+                <a:spcPct val="20000"/>
+              </a:spcBef>
+              <a:spcAft>
+                <a:spcPct val="0"/>
+              </a:spcAft>
+              <a:buFont typeface="Arial" panose="020B0604020202020204" pitchFamily="34" charset="0"/>
+              <a:buChar char="»"/>
+              <a:defRPr sz="2667">
+                <a:solidFill>
+                  <a:schemeClr val="tx1"/>
+                </a:solidFill>
+                <a:latin typeface="Calibri" panose="020F0502020204030204" pitchFamily="34" charset="0"/>
+                <a:ea typeface="宋体" panose="02010600030101010101" pitchFamily="2" charset="-122"/>
+              </a:defRPr>
+            </a:lvl7pPr>
+            <a:lvl8pPr marL="4571886" indent="-304792" defTabSz="1217054" eaLnBrk="0" fontAlgn="base" hangingPunct="0">
+              <a:spcBef>
+                <a:spcPct val="20000"/>
+              </a:spcBef>
+              <a:spcAft>
+                <a:spcPct val="0"/>
+              </a:spcAft>
+              <a:buFont typeface="Arial" panose="020B0604020202020204" pitchFamily="34" charset="0"/>
+              <a:buChar char="»"/>
+              <a:defRPr sz="2667">
+                <a:solidFill>
+                  <a:schemeClr val="tx1"/>
+                </a:solidFill>
+                <a:latin typeface="Calibri" panose="020F0502020204030204" pitchFamily="34" charset="0"/>
+                <a:ea typeface="宋体" panose="02010600030101010101" pitchFamily="2" charset="-122"/>
+              </a:defRPr>
+            </a:lvl8pPr>
+            <a:lvl9pPr marL="5181470" indent="-304792" defTabSz="1217054" eaLnBrk="0" fontAlgn="base" hangingPunct="0">
+              <a:spcBef>
+                <a:spcPct val="20000"/>
+              </a:spcBef>
+              <a:spcAft>
+                <a:spcPct val="0"/>
+              </a:spcAft>
+              <a:buFont typeface="Arial" panose="020B0604020202020204" pitchFamily="34" charset="0"/>
+              <a:buChar char="»"/>
+              <a:defRPr sz="2667">
+                <a:solidFill>
+                  <a:schemeClr val="tx1"/>
+                </a:solidFill>
+                <a:latin typeface="Calibri" panose="020F0502020204030204" pitchFamily="34" charset="0"/>
+                <a:ea typeface="宋体" panose="02010600030101010101" pitchFamily="2" charset="-122"/>
+              </a:defRPr>
+            </a:lvl9pPr>
+          </a:lstStyle>
+          <a:p>
+            <a:pPr>
+              <a:spcBef>
+                <a:spcPct val="0"/>
+              </a:spcBef>
+              <a:buFontTx/>
+              <a:buNone/>
+            </a:pPr>
+            <a:fld id="{41645124-AB42-4FE6-BD2B-6B638C295A33}" type="slidenum">
+              <a:rPr lang="zh-CN" altLang="en-US" sz="2400">
+                <a:latin typeface="Times New Roman" panose="02020603050405020304" pitchFamily="18" charset="0"/>
+              </a:rPr>
+              <a:pPr>
+                <a:spcBef>
+                  <a:spcPct val="0"/>
+                </a:spcBef>
+                <a:buFontTx/>
+                <a:buNone/>
+              </a:pPr>
+              <a:t>20</a:t>
+            </a:fld>
+            <a:endParaRPr lang="zh-CN" altLang="en-US" sz="2400">
+              <a:latin typeface="Times New Roman" panose="02020603050405020304" pitchFamily="18" charset="0"/>
+            </a:endParaRPr>
+          </a:p>
+        </p:txBody>
+      </p:sp>
+      <p:pic>
+        <p:nvPicPr>
+          <p:cNvPr id="39943" name="圖片 3">
+            <a:extLst>
+              <a:ext uri="{FF2B5EF4-FFF2-40B4-BE49-F238E27FC236}">
+                <a16:creationId xmlns:a16="http://schemas.microsoft.com/office/drawing/2014/main" id="{7ADBF3BC-B62E-3C3B-544D-5E6E6B3A99E3}"/>
+              </a:ext>
+            </a:extLst>
+          </p:cNvPr>
+          <p:cNvPicPr>
+            <a:picLocks noChangeAspect="1" noChangeArrowheads="1"/>
+          </p:cNvPicPr>
+          <p:nvPr/>
+        </p:nvPicPr>
+        <p:blipFill>
+          <a:blip r:embed="rId3">
+            <a:extLst>
+              <a:ext uri="{28A0092B-C50C-407E-A947-70E740481C1C}">
+                <a14:useLocalDpi xmlns:a14="http://schemas.microsoft.com/office/drawing/2010/main" val="0"/>
+              </a:ext>
+            </a:extLst>
+          </a:blip>
+          <a:srcRect/>
+          <a:stretch>
+            <a:fillRect/>
+          </a:stretch>
+        </p:blipFill>
+        <p:spPr bwMode="auto">
+          <a:xfrm>
+            <a:off x="668867" y="3953934"/>
+            <a:ext cx="5111751" cy="2760133"/>
+          </a:xfrm>
+          <a:prstGeom prst="rect">
+            <a:avLst/>
+          </a:prstGeom>
+          <a:noFill/>
+          <a:ln>
+            <a:noFill/>
+          </a:ln>
+          <a:extLst>
+            <a:ext uri="{909E8E84-426E-40DD-AFC4-6F175D3DCCD1}">
+              <a14:hiddenFill xmlns:a14="http://schemas.microsoft.com/office/drawing/2010/main">
+                <a:solidFill>
+                  <a:srgbClr val="FFFFFF"/>
+                </a:solidFill>
+              </a14:hiddenFill>
+            </a:ext>
+            <a:ext uri="{91240B29-F687-4F45-9708-019B960494DF}">
+              <a14:hiddenLine xmlns:a14="http://schemas.microsoft.com/office/drawing/2010/main" w="9525">
+                <a:solidFill>
+                  <a:srgbClr val="000000"/>
+                </a:solidFill>
+                <a:miter lim="800000"/>
+                <a:headEnd/>
+                <a:tailEnd/>
+              </a14:hiddenLine>
+            </a:ext>
+          </a:extLst>
+        </p:spPr>
+      </p:pic>
+      <p:pic>
+        <p:nvPicPr>
+          <p:cNvPr id="39944" name="圖片 6">
+            <a:extLst>
+              <a:ext uri="{FF2B5EF4-FFF2-40B4-BE49-F238E27FC236}">
+                <a16:creationId xmlns:a16="http://schemas.microsoft.com/office/drawing/2014/main" id="{B367403E-3BD2-21B4-EE45-E0364BC9BE9F}"/>
+              </a:ext>
+            </a:extLst>
+          </p:cNvPr>
+          <p:cNvPicPr>
+            <a:picLocks noChangeAspect="1" noChangeArrowheads="1"/>
+          </p:cNvPicPr>
+          <p:nvPr/>
+        </p:nvPicPr>
+        <p:blipFill>
+          <a:blip r:embed="rId4">
+            <a:extLst>
+              <a:ext uri="{28A0092B-C50C-407E-A947-70E740481C1C}">
+                <a14:useLocalDpi xmlns:a14="http://schemas.microsoft.com/office/drawing/2010/main" val="0"/>
+              </a:ext>
+            </a:extLst>
+          </a:blip>
+          <a:srcRect/>
+          <a:stretch>
+            <a:fillRect/>
+          </a:stretch>
+        </p:blipFill>
+        <p:spPr bwMode="auto">
+          <a:xfrm>
+            <a:off x="677334" y="1075267"/>
+            <a:ext cx="5111751" cy="2760133"/>
+          </a:xfrm>
+          <a:prstGeom prst="rect">
+            <a:avLst/>
+          </a:prstGeom>
+          <a:noFill/>
+          <a:ln>
+            <a:noFill/>
+          </a:ln>
+          <a:extLst>
+            <a:ext uri="{909E8E84-426E-40DD-AFC4-6F175D3DCCD1}">
+              <a14:hiddenFill xmlns:a14="http://schemas.microsoft.com/office/drawing/2010/main">
+                <a:solidFill>
+                  <a:srgbClr val="FFFFFF"/>
+                </a:solidFill>
+              </a14:hiddenFill>
+            </a:ext>
+            <a:ext uri="{91240B29-F687-4F45-9708-019B960494DF}">
+              <a14:hiddenLine xmlns:a14="http://schemas.microsoft.com/office/drawing/2010/main" w="9525">
+                <a:solidFill>
+                  <a:srgbClr val="000000"/>
+                </a:solidFill>
+                <a:miter lim="800000"/>
+                <a:headEnd/>
+                <a:tailEnd/>
+              </a14:hiddenLine>
+            </a:ext>
+          </a:extLst>
+        </p:spPr>
+      </p:pic>
+      <p:pic>
+        <p:nvPicPr>
+          <p:cNvPr id="39945" name="圖片 8">
+            <a:extLst>
+              <a:ext uri="{FF2B5EF4-FFF2-40B4-BE49-F238E27FC236}">
+                <a16:creationId xmlns:a16="http://schemas.microsoft.com/office/drawing/2014/main" id="{D00D6475-5DAA-0D6C-C851-4D5220C78F7D}"/>
+              </a:ext>
+            </a:extLst>
+          </p:cNvPr>
+          <p:cNvPicPr>
+            <a:picLocks noChangeAspect="1" noChangeArrowheads="1"/>
+          </p:cNvPicPr>
+          <p:nvPr/>
+        </p:nvPicPr>
+        <p:blipFill>
+          <a:blip r:embed="rId5">
+            <a:extLst>
+              <a:ext uri="{28A0092B-C50C-407E-A947-70E740481C1C}">
+                <a14:useLocalDpi xmlns:a14="http://schemas.microsoft.com/office/drawing/2010/main" val="0"/>
+              </a:ext>
+            </a:extLst>
+          </a:blip>
+          <a:srcRect/>
+          <a:stretch>
+            <a:fillRect/>
+          </a:stretch>
+        </p:blipFill>
+        <p:spPr bwMode="auto">
+          <a:xfrm>
+            <a:off x="6148918" y="1075267"/>
+            <a:ext cx="5111749" cy="2760133"/>
+          </a:xfrm>
+          <a:prstGeom prst="rect">
+            <a:avLst/>
+          </a:prstGeom>
+          <a:noFill/>
+          <a:ln>
+            <a:noFill/>
+          </a:ln>
+          <a:extLst>
+            <a:ext uri="{909E8E84-426E-40DD-AFC4-6F175D3DCCD1}">
+              <a14:hiddenFill xmlns:a14="http://schemas.microsoft.com/office/drawing/2010/main">
+                <a:solidFill>
+                  <a:srgbClr val="FFFFFF"/>
+                </a:solidFill>
+              </a14:hiddenFill>
+            </a:ext>
+            <a:ext uri="{91240B29-F687-4F45-9708-019B960494DF}">
+              <a14:hiddenLine xmlns:a14="http://schemas.microsoft.com/office/drawing/2010/main" w="9525">
+                <a:solidFill>
+                  <a:srgbClr val="000000"/>
+                </a:solidFill>
+                <a:miter lim="800000"/>
+                <a:headEnd/>
+                <a:tailEnd/>
+              </a14:hiddenLine>
+            </a:ext>
+          </a:extLst>
+        </p:spPr>
+      </p:pic>
+      <p:pic>
+        <p:nvPicPr>
+          <p:cNvPr id="39946" name="圖片 10">
+            <a:extLst>
+              <a:ext uri="{FF2B5EF4-FFF2-40B4-BE49-F238E27FC236}">
+                <a16:creationId xmlns:a16="http://schemas.microsoft.com/office/drawing/2014/main" id="{42205374-55AE-29B3-9034-D080F8B78360}"/>
+              </a:ext>
+            </a:extLst>
+          </p:cNvPr>
+          <p:cNvPicPr>
+            <a:picLocks noChangeAspect="1" noChangeArrowheads="1"/>
+          </p:cNvPicPr>
+          <p:nvPr/>
+        </p:nvPicPr>
+        <p:blipFill>
+          <a:blip r:embed="rId6">
+            <a:extLst>
+              <a:ext uri="{28A0092B-C50C-407E-A947-70E740481C1C}">
+                <a14:useLocalDpi xmlns:a14="http://schemas.microsoft.com/office/drawing/2010/main" val="0"/>
+              </a:ext>
+            </a:extLst>
+          </a:blip>
+          <a:srcRect/>
+          <a:stretch>
+            <a:fillRect/>
+          </a:stretch>
+        </p:blipFill>
+        <p:spPr bwMode="auto">
+          <a:xfrm>
+            <a:off x="6093885" y="3953934"/>
+            <a:ext cx="5166783" cy="2760133"/>
+          </a:xfrm>
+          <a:prstGeom prst="rect">
+            <a:avLst/>
+          </a:prstGeom>
+          <a:noFill/>
+          <a:ln>
+            <a:noFill/>
+          </a:ln>
+          <a:extLst>
+            <a:ext uri="{909E8E84-426E-40DD-AFC4-6F175D3DCCD1}">
+              <a14:hiddenFill xmlns:a14="http://schemas.microsoft.com/office/drawing/2010/main">
+                <a:solidFill>
+                  <a:srgbClr val="FFFFFF"/>
+                </a:solidFill>
+              </a14:hiddenFill>
+            </a:ext>
+            <a:ext uri="{91240B29-F687-4F45-9708-019B960494DF}">
+              <a14:hiddenLine xmlns:a14="http://schemas.microsoft.com/office/drawing/2010/main" w="9525">
+                <a:solidFill>
+                  <a:srgbClr val="000000"/>
+                </a:solidFill>
+                <a:miter lim="800000"/>
+                <a:headEnd/>
+                <a:tailEnd/>
+              </a14:hiddenLine>
+            </a:ext>
+          </a:extLst>
+        </p:spPr>
+      </p:pic>
+    </p:spTree>
+    <p:extLst>
+      <p:ext uri="{BB962C8B-B14F-4D97-AF65-F5344CB8AC3E}">
+        <p14:creationId xmlns:p14="http://schemas.microsoft.com/office/powerpoint/2010/main" val="1188205117"/>
+      </p:ext>
+    </p:extLst>
+  </p:cSld>
+  <p:clrMapOvr>
+    <a:masterClrMapping/>
+  </p:clrMapOvr>
+  <p:transition/>
+</p:sld>
+</file>
+
+<file path=ppt/slides/slide21.xml><?xml version="1.0" encoding="utf-8"?>
+<p:sld xmlns:a="http://schemas.openxmlformats.org/drawingml/2006/main" xmlns:r="http://schemas.openxmlformats.org/officeDocument/2006/relationships" xmlns:p="http://schemas.openxmlformats.org/presentationml/2006/main">
+  <p:cSld>
+    <p:spTree>
+      <p:nvGrpSpPr>
+        <p:cNvPr id="1" name="">
+          <a:extLst>
+            <a:ext uri="{FF2B5EF4-FFF2-40B4-BE49-F238E27FC236}">
+              <a16:creationId xmlns:a16="http://schemas.microsoft.com/office/drawing/2014/main" id="{47890B34-F363-051B-BF8D-5EC5E6AB1563}"/>
+            </a:ext>
+          </a:extLst>
+        </p:cNvPr>
+        <p:cNvGrpSpPr/>
+        <p:nvPr/>
+      </p:nvGrpSpPr>
+      <p:grpSpPr>
+        <a:xfrm>
+          <a:off x="0" y="0"/>
+          <a:ext cx="0" cy="0"/>
+          <a:chOff x="0" y="0"/>
+          <a:chExt cx="0" cy="0"/>
+        </a:xfrm>
+      </p:grpSpPr>
+      <p:sp>
+        <p:nvSpPr>
+          <p:cNvPr id="29699" name="TextBox 20">
+            <a:extLst>
+              <a:ext uri="{FF2B5EF4-FFF2-40B4-BE49-F238E27FC236}">
+                <a16:creationId xmlns:a16="http://schemas.microsoft.com/office/drawing/2014/main" id="{1E46ECD6-6297-6CC9-236C-7F355C5FE2A0}"/>
+              </a:ext>
+            </a:extLst>
+          </p:cNvPr>
+          <p:cNvSpPr txBox="1">
+            <a:spLocks noChangeArrowheads="1"/>
+          </p:cNvSpPr>
+          <p:nvPr/>
+        </p:nvSpPr>
+        <p:spPr bwMode="auto">
+          <a:xfrm>
+            <a:off x="1248834" y="357717"/>
+            <a:ext cx="10477500" cy="617720"/>
+          </a:xfrm>
+          <a:prstGeom prst="rect">
+            <a:avLst/>
+          </a:prstGeom>
+          <a:noFill/>
+          <a:ln>
+            <a:noFill/>
+          </a:ln>
+          <a:extLst>
+            <a:ext uri="{909E8E84-426E-40DD-AFC4-6F175D3DCCD1}">
+              <a14:hiddenFill xmlns:a14="http://schemas.microsoft.com/office/drawing/2010/main">
+                <a:solidFill>
+                  <a:srgbClr val="FFFFFF"/>
+                </a:solidFill>
+              </a14:hiddenFill>
+            </a:ext>
+            <a:ext uri="{91240B29-F687-4F45-9708-019B960494DF}">
+              <a14:hiddenLine xmlns:a14="http://schemas.microsoft.com/office/drawing/2010/main" w="9525">
+                <a:solidFill>
+                  <a:srgbClr val="000000"/>
+                </a:solidFill>
+                <a:miter lim="800000"/>
+                <a:headEnd/>
+                <a:tailEnd/>
+              </a14:hiddenLine>
+            </a:ext>
+          </a:extLst>
+        </p:spPr>
+        <p:txBody>
+          <a:bodyPr lIns="124065" tIns="62033" rIns="124065" bIns="62033">
+            <a:spAutoFit/>
+          </a:bodyPr>
+          <a:lstStyle>
+            <a:lvl1pPr>
+              <a:spcBef>
+                <a:spcPct val="20000"/>
+              </a:spcBef>
+              <a:buFont typeface="Arial" panose="020B0604020202020204" pitchFamily="34" charset="0"/>
+              <a:buChar char="•"/>
+              <a:defRPr sz="3200">
+                <a:solidFill>
+                  <a:schemeClr val="tx1"/>
+                </a:solidFill>
+                <a:latin typeface="Calibri" panose="020F0502020204030204" pitchFamily="34" charset="0"/>
+                <a:ea typeface="宋体" panose="02010600030101010101" pitchFamily="2" charset="-122"/>
+              </a:defRPr>
+            </a:lvl1pPr>
+            <a:lvl2pPr marL="742950" indent="-285750">
+              <a:spcBef>
+                <a:spcPct val="20000"/>
+              </a:spcBef>
+              <a:buFont typeface="Arial" panose="020B0604020202020204" pitchFamily="34" charset="0"/>
+              <a:buChar char="–"/>
+              <a:defRPr sz="2800">
+                <a:solidFill>
+                  <a:schemeClr val="tx1"/>
+                </a:solidFill>
+                <a:latin typeface="Calibri" panose="020F0502020204030204" pitchFamily="34" charset="0"/>
+                <a:ea typeface="宋体" panose="02010600030101010101" pitchFamily="2" charset="-122"/>
+              </a:defRPr>
+            </a:lvl2pPr>
+            <a:lvl3pPr marL="1143000" indent="-228600">
+              <a:spcBef>
+                <a:spcPct val="20000"/>
+              </a:spcBef>
+              <a:buFont typeface="Arial" panose="020B0604020202020204" pitchFamily="34" charset="0"/>
+              <a:buChar char="•"/>
+              <a:defRPr sz="2400">
+                <a:solidFill>
+                  <a:schemeClr val="tx1"/>
+                </a:solidFill>
+                <a:latin typeface="Calibri" panose="020F0502020204030204" pitchFamily="34" charset="0"/>
+                <a:ea typeface="宋体" panose="02010600030101010101" pitchFamily="2" charset="-122"/>
+              </a:defRPr>
+            </a:lvl3pPr>
+            <a:lvl4pPr marL="1600200" indent="-228600">
+              <a:spcBef>
+                <a:spcPct val="20000"/>
+              </a:spcBef>
+              <a:buFont typeface="Arial" panose="020B0604020202020204" pitchFamily="34" charset="0"/>
+              <a:buChar char="–"/>
+              <a:defRPr sz="2000">
+                <a:solidFill>
+                  <a:schemeClr val="tx1"/>
+                </a:solidFill>
+                <a:latin typeface="Calibri" panose="020F0502020204030204" pitchFamily="34" charset="0"/>
+                <a:ea typeface="宋体" panose="02010600030101010101" pitchFamily="2" charset="-122"/>
+              </a:defRPr>
+            </a:lvl4pPr>
+            <a:lvl5pPr marL="2057400" indent="-228600">
+              <a:spcBef>
+                <a:spcPct val="20000"/>
+              </a:spcBef>
+              <a:buFont typeface="Arial" panose="020B0604020202020204" pitchFamily="34" charset="0"/>
+              <a:buChar char="»"/>
+              <a:defRPr sz="2000">
+                <a:solidFill>
+                  <a:schemeClr val="tx1"/>
+                </a:solidFill>
+                <a:latin typeface="Calibri" panose="020F0502020204030204" pitchFamily="34" charset="0"/>
+                <a:ea typeface="宋体" panose="02010600030101010101" pitchFamily="2" charset="-122"/>
+              </a:defRPr>
+            </a:lvl5pPr>
+            <a:lvl6pPr marL="2514600" indent="-228600" defTabSz="912813" eaLnBrk="0" fontAlgn="base" hangingPunct="0">
+              <a:spcBef>
+                <a:spcPct val="20000"/>
+              </a:spcBef>
+              <a:spcAft>
+                <a:spcPct val="0"/>
+              </a:spcAft>
+              <a:buFont typeface="Arial" panose="020B0604020202020204" pitchFamily="34" charset="0"/>
+              <a:buChar char="»"/>
+              <a:defRPr sz="2000">
+                <a:solidFill>
+                  <a:schemeClr val="tx1"/>
+                </a:solidFill>
+                <a:latin typeface="Calibri" panose="020F0502020204030204" pitchFamily="34" charset="0"/>
+                <a:ea typeface="宋体" panose="02010600030101010101" pitchFamily="2" charset="-122"/>
+              </a:defRPr>
+            </a:lvl6pPr>
+            <a:lvl7pPr marL="2971800" indent="-228600" defTabSz="912813" eaLnBrk="0" fontAlgn="base" hangingPunct="0">
+              <a:spcBef>
+                <a:spcPct val="20000"/>
+              </a:spcBef>
+              <a:spcAft>
+                <a:spcPct val="0"/>
+              </a:spcAft>
+              <a:buFont typeface="Arial" panose="020B0604020202020204" pitchFamily="34" charset="0"/>
+              <a:buChar char="»"/>
+              <a:defRPr sz="2000">
+                <a:solidFill>
+                  <a:schemeClr val="tx1"/>
+                </a:solidFill>
+                <a:latin typeface="Calibri" panose="020F0502020204030204" pitchFamily="34" charset="0"/>
+                <a:ea typeface="宋体" panose="02010600030101010101" pitchFamily="2" charset="-122"/>
+              </a:defRPr>
+            </a:lvl7pPr>
+            <a:lvl8pPr marL="3429000" indent="-228600" defTabSz="912813" eaLnBrk="0" fontAlgn="base" hangingPunct="0">
+              <a:spcBef>
+                <a:spcPct val="20000"/>
+              </a:spcBef>
+              <a:spcAft>
+                <a:spcPct val="0"/>
+              </a:spcAft>
+              <a:buFont typeface="Arial" panose="020B0604020202020204" pitchFamily="34" charset="0"/>
+              <a:buChar char="»"/>
+              <a:defRPr sz="2000">
+                <a:solidFill>
+                  <a:schemeClr val="tx1"/>
+                </a:solidFill>
+                <a:latin typeface="Calibri" panose="020F0502020204030204" pitchFamily="34" charset="0"/>
+                <a:ea typeface="宋体" panose="02010600030101010101" pitchFamily="2" charset="-122"/>
+              </a:defRPr>
+            </a:lvl8pPr>
+            <a:lvl9pPr marL="3886200" indent="-228600" defTabSz="912813" eaLnBrk="0" fontAlgn="base" hangingPunct="0">
+              <a:spcBef>
+                <a:spcPct val="20000"/>
+              </a:spcBef>
+              <a:spcAft>
+                <a:spcPct val="0"/>
+              </a:spcAft>
+              <a:buFont typeface="Arial" panose="020B0604020202020204" pitchFamily="34" charset="0"/>
+              <a:buChar char="»"/>
+              <a:defRPr sz="2000">
+                <a:solidFill>
+                  <a:schemeClr val="tx1"/>
+                </a:solidFill>
+                <a:latin typeface="Calibri" panose="020F0502020204030204" pitchFamily="34" charset="0"/>
+                <a:ea typeface="宋体" panose="02010600030101010101" pitchFamily="2" charset="-122"/>
+              </a:defRPr>
+            </a:lvl9pPr>
+          </a:lstStyle>
+          <a:p>
+            <a:pPr eaLnBrk="1" hangingPunct="1">
+              <a:spcBef>
+                <a:spcPct val="0"/>
+              </a:spcBef>
+              <a:buFontTx/>
+              <a:buNone/>
+            </a:pPr>
+            <a:r>
+              <a:rPr lang="zh-TW" altLang="en-US" b="1" dirty="0">
+                <a:latin typeface="Microsoft JhengHei" panose="020B0604030504040204" pitchFamily="34" charset="-120"/>
+                <a:ea typeface="Microsoft JhengHei" panose="020B0604030504040204" pitchFamily="34" charset="-120"/>
+                <a:sym typeface="Wingdings" panose="05000000000000000000" pitchFamily="2" charset="2"/>
+              </a:rPr>
+              <a:t>決策樹的樹結構</a:t>
+            </a:r>
+            <a:endParaRPr lang="en-US" altLang="zh-TW" b="1" dirty="0">
+              <a:latin typeface="Microsoft JhengHei" panose="020B0604030504040204" pitchFamily="34" charset="-120"/>
+              <a:ea typeface="Microsoft JhengHei" panose="020B0604030504040204" pitchFamily="34" charset="-120"/>
+            </a:endParaRPr>
+          </a:p>
+        </p:txBody>
+      </p:sp>
+      <p:sp>
+        <p:nvSpPr>
+          <p:cNvPr id="25" name="矩形 24">
+            <a:extLst>
+              <a:ext uri="{FF2B5EF4-FFF2-40B4-BE49-F238E27FC236}">
+                <a16:creationId xmlns:a16="http://schemas.microsoft.com/office/drawing/2014/main" id="{056798F4-F412-6B92-751F-A459A7A66A8F}"/>
+              </a:ext>
+            </a:extLst>
+          </p:cNvPr>
+          <p:cNvSpPr/>
+          <p:nvPr/>
+        </p:nvSpPr>
+        <p:spPr>
+          <a:xfrm>
+            <a:off x="539751" y="431800"/>
+            <a:ext cx="558800" cy="560917"/>
+          </a:xfrm>
+          <a:prstGeom prst="rect">
+            <a:avLst/>
+          </a:prstGeom>
+          <a:solidFill>
+            <a:srgbClr val="19B49B"/>
+          </a:solidFill>
+          <a:ln>
+            <a:noFill/>
+          </a:ln>
+        </p:spPr>
+        <p:style>
+          <a:lnRef idx="2">
+            <a:schemeClr val="accent1">
+              <a:shade val="50000"/>
+            </a:schemeClr>
+          </a:lnRef>
+          <a:fillRef idx="1">
+            <a:schemeClr val="accent1"/>
+          </a:fillRef>
+          <a:effectRef idx="0">
+            <a:schemeClr val="accent1"/>
+          </a:effectRef>
+          <a:fontRef idx="minor">
+            <a:schemeClr val="lt1"/>
+          </a:fontRef>
+        </p:style>
+        <p:txBody>
+          <a:bodyPr lIns="124065" tIns="62033" rIns="124065" bIns="62033" anchor="ctr"/>
+          <a:lstStyle/>
+          <a:p>
+            <a:pPr algn="ctr" defTabSz="1219012">
+              <a:defRPr/>
+            </a:pPr>
+            <a:r>
+              <a:rPr lang="en-US" altLang="zh-TW" sz="3200" dirty="0">
+                <a:latin typeface="Agency FB" panose="020B0503020202020204" pitchFamily="34" charset="0"/>
+              </a:rPr>
+              <a:t>19</a:t>
+            </a:r>
+          </a:p>
+        </p:txBody>
+      </p:sp>
+      <p:cxnSp>
+        <p:nvCxnSpPr>
+          <p:cNvPr id="26" name="直接连接符 25">
+            <a:extLst>
+              <a:ext uri="{FF2B5EF4-FFF2-40B4-BE49-F238E27FC236}">
+                <a16:creationId xmlns:a16="http://schemas.microsoft.com/office/drawing/2014/main" id="{EC08436D-3689-40EB-0B7A-E37DD108E431}"/>
+              </a:ext>
+            </a:extLst>
+          </p:cNvPr>
+          <p:cNvCxnSpPr>
+            <a:cxnSpLocks/>
+          </p:cNvCxnSpPr>
+          <p:nvPr/>
+        </p:nvCxnSpPr>
+        <p:spPr>
+          <a:xfrm>
+            <a:off x="2017184" y="1013884"/>
+            <a:ext cx="9829800" cy="0"/>
+          </a:xfrm>
+          <a:prstGeom prst="line">
+            <a:avLst/>
+          </a:prstGeom>
+          <a:ln w="12700">
+            <a:solidFill>
+              <a:srgbClr val="19B49B"/>
+            </a:solidFill>
+          </a:ln>
+        </p:spPr>
+        <p:style>
+          <a:lnRef idx="1">
+            <a:schemeClr val="accent1"/>
+          </a:lnRef>
+          <a:fillRef idx="0">
+            <a:schemeClr val="accent1"/>
+          </a:fillRef>
+          <a:effectRef idx="0">
+            <a:schemeClr val="accent1"/>
+          </a:effectRef>
+          <a:fontRef idx="minor">
+            <a:schemeClr val="tx1"/>
+          </a:fontRef>
+        </p:style>
+      </p:cxnSp>
+      <p:sp>
+        <p:nvSpPr>
+          <p:cNvPr id="31" name="任意多边形: 形状 30">
+            <a:extLst>
+              <a:ext uri="{FF2B5EF4-FFF2-40B4-BE49-F238E27FC236}">
+                <a16:creationId xmlns:a16="http://schemas.microsoft.com/office/drawing/2014/main" id="{B5318071-4C1E-53E9-B9C6-FDA7A9DD338A}"/>
+              </a:ext>
+            </a:extLst>
+          </p:cNvPr>
+          <p:cNvSpPr/>
+          <p:nvPr/>
+        </p:nvSpPr>
+        <p:spPr>
+          <a:xfrm>
+            <a:off x="1164168" y="939800"/>
+            <a:ext cx="867833" cy="78317"/>
+          </a:xfrm>
+          <a:custGeom>
+            <a:avLst/>
+            <a:gdLst>
+              <a:gd name="connsiteX0" fmla="*/ 0 w 640080"/>
+              <a:gd name="connsiteY0" fmla="*/ 34335 h 57208"/>
+              <a:gd name="connsiteX1" fmla="*/ 121920 w 640080"/>
+              <a:gd name="connsiteY1" fmla="*/ 5760 h 57208"/>
+              <a:gd name="connsiteX2" fmla="*/ 169545 w 640080"/>
+              <a:gd name="connsiteY2" fmla="*/ 57195 h 57208"/>
+              <a:gd name="connsiteX3" fmla="*/ 287655 w 640080"/>
+              <a:gd name="connsiteY3" fmla="*/ 45 h 57208"/>
+              <a:gd name="connsiteX4" fmla="*/ 392430 w 640080"/>
+              <a:gd name="connsiteY4" fmla="*/ 47670 h 57208"/>
+              <a:gd name="connsiteX5" fmla="*/ 640080 w 640080"/>
+              <a:gd name="connsiteY5" fmla="*/ 51480 h 57208"/>
+            </a:gdLst>
+            <a:ahLst/>
+            <a:cxnLst>
+              <a:cxn ang="0">
+                <a:pos x="connsiteX0" y="connsiteY0"/>
+              </a:cxn>
+              <a:cxn ang="0">
+                <a:pos x="connsiteX1" y="connsiteY1"/>
+              </a:cxn>
+              <a:cxn ang="0">
+                <a:pos x="connsiteX2" y="connsiteY2"/>
+              </a:cxn>
+              <a:cxn ang="0">
+                <a:pos x="connsiteX3" y="connsiteY3"/>
+              </a:cxn>
+              <a:cxn ang="0">
+                <a:pos x="connsiteX4" y="connsiteY4"/>
+              </a:cxn>
+              <a:cxn ang="0">
+                <a:pos x="connsiteX5" y="connsiteY5"/>
+              </a:cxn>
+            </a:cxnLst>
+            <a:rect l="l" t="t" r="r" b="b"/>
+            <a:pathLst>
+              <a:path w="640080" h="57208">
+                <a:moveTo>
+                  <a:pt x="0" y="34335"/>
+                </a:moveTo>
+                <a:cubicBezTo>
+                  <a:pt x="46831" y="18142"/>
+                  <a:pt x="93663" y="1950"/>
+                  <a:pt x="121920" y="5760"/>
+                </a:cubicBezTo>
+                <a:cubicBezTo>
+                  <a:pt x="150177" y="9570"/>
+                  <a:pt x="141923" y="58147"/>
+                  <a:pt x="169545" y="57195"/>
+                </a:cubicBezTo>
+                <a:cubicBezTo>
+                  <a:pt x="197167" y="56243"/>
+                  <a:pt x="250508" y="1632"/>
+                  <a:pt x="287655" y="45"/>
+                </a:cubicBezTo>
+                <a:cubicBezTo>
+                  <a:pt x="324802" y="-1542"/>
+                  <a:pt x="333693" y="39098"/>
+                  <a:pt x="392430" y="47670"/>
+                </a:cubicBezTo>
+                <a:cubicBezTo>
+                  <a:pt x="451168" y="56243"/>
+                  <a:pt x="545624" y="53861"/>
+                  <a:pt x="640080" y="51480"/>
+                </a:cubicBezTo>
+              </a:path>
+            </a:pathLst>
+          </a:custGeom>
+          <a:noFill/>
+          <a:ln>
+            <a:solidFill>
+              <a:srgbClr val="19B49B"/>
+            </a:solidFill>
+          </a:ln>
+        </p:spPr>
+        <p:style>
+          <a:lnRef idx="2">
+            <a:schemeClr val="accent1">
+              <a:shade val="50000"/>
+            </a:schemeClr>
+          </a:lnRef>
+          <a:fillRef idx="1">
+            <a:schemeClr val="accent1"/>
+          </a:fillRef>
+          <a:effectRef idx="0">
+            <a:schemeClr val="accent1"/>
+          </a:effectRef>
+          <a:fontRef idx="minor">
+            <a:schemeClr val="lt1"/>
+          </a:fontRef>
+        </p:style>
+        <p:txBody>
+          <a:bodyPr lIns="124065" tIns="62033" rIns="124065" bIns="62033" anchor="ctr"/>
+          <a:lstStyle/>
+          <a:p>
+            <a:pPr algn="ctr" defTabSz="1219012">
+              <a:defRPr/>
+            </a:pPr>
+            <a:endParaRPr lang="zh-CN" altLang="en-US" sz="2400"/>
+          </a:p>
+        </p:txBody>
+      </p:sp>
+      <p:sp>
+        <p:nvSpPr>
+          <p:cNvPr id="29703" name="投影片編號版面配置區 1">
+            <a:extLst>
+              <a:ext uri="{FF2B5EF4-FFF2-40B4-BE49-F238E27FC236}">
+                <a16:creationId xmlns:a16="http://schemas.microsoft.com/office/drawing/2014/main" id="{B55A2137-C2E8-D81D-362B-EAA4EEFF2626}"/>
+              </a:ext>
+            </a:extLst>
+          </p:cNvPr>
+          <p:cNvSpPr>
+            <a:spLocks noGrp="1"/>
+          </p:cNvSpPr>
+          <p:nvPr>
+            <p:ph type="sldNum" sz="quarter" idx="12"/>
+          </p:nvPr>
+        </p:nvSpPr>
+        <p:spPr bwMode="auto">
+          <a:xfrm>
+            <a:off x="668867" y="6356352"/>
+            <a:ext cx="10957984" cy="501649"/>
+          </a:xfrm>
+          <a:noFill/>
+          <a:extLst>
+            <a:ext uri="{909E8E84-426E-40DD-AFC4-6F175D3DCCD1}">
+              <a14:hiddenFill xmlns:a14="http://schemas.microsoft.com/office/drawing/2010/main">
+                <a:solidFill>
+                  <a:srgbClr val="FFFFFF"/>
+                </a:solidFill>
+              </a14:hiddenFill>
+            </a:ext>
+            <a:ext uri="{91240B29-F687-4F45-9708-019B960494DF}">
+              <a14:hiddenLine xmlns:a14="http://schemas.microsoft.com/office/drawing/2010/main" w="9525">
+                <a:solidFill>
+                  <a:srgbClr val="000000"/>
+                </a:solidFill>
+                <a:miter lim="800000"/>
+                <a:headEnd/>
+                <a:tailEnd/>
+              </a14:hiddenLine>
+            </a:ext>
+          </a:extLst>
+        </p:spPr>
+        <p:txBody>
+          <a:bodyPr/>
+          <a:lstStyle>
+            <a:lvl1pPr>
+              <a:spcBef>
+                <a:spcPct val="20000"/>
+              </a:spcBef>
+              <a:buFont typeface="Arial" panose="020B0604020202020204" pitchFamily="34" charset="0"/>
+              <a:buChar char="•"/>
+              <a:defRPr sz="4267">
+                <a:solidFill>
+                  <a:schemeClr val="tx1"/>
+                </a:solidFill>
+                <a:latin typeface="Calibri" panose="020F0502020204030204" pitchFamily="34" charset="0"/>
+                <a:ea typeface="宋体" panose="02010600030101010101" pitchFamily="2" charset="-122"/>
+              </a:defRPr>
+            </a:lvl1pPr>
+            <a:lvl2pPr marL="990575" indent="-380990">
+              <a:spcBef>
+                <a:spcPct val="20000"/>
+              </a:spcBef>
+              <a:buFont typeface="Arial" panose="020B0604020202020204" pitchFamily="34" charset="0"/>
+              <a:buChar char="–"/>
+              <a:defRPr sz="3733">
+                <a:solidFill>
+                  <a:schemeClr val="tx1"/>
+                </a:solidFill>
+                <a:latin typeface="Calibri" panose="020F0502020204030204" pitchFamily="34" charset="0"/>
+                <a:ea typeface="宋体" panose="02010600030101010101" pitchFamily="2" charset="-122"/>
+              </a:defRPr>
+            </a:lvl2pPr>
+            <a:lvl3pPr marL="1523962" indent="-304792">
+              <a:spcBef>
+                <a:spcPct val="20000"/>
+              </a:spcBef>
+              <a:buFont typeface="Arial" panose="020B0604020202020204" pitchFamily="34" charset="0"/>
+              <a:buChar char="•"/>
+              <a:defRPr sz="3200">
+                <a:solidFill>
+                  <a:schemeClr val="tx1"/>
+                </a:solidFill>
+                <a:latin typeface="Calibri" panose="020F0502020204030204" pitchFamily="34" charset="0"/>
+                <a:ea typeface="宋体" panose="02010600030101010101" pitchFamily="2" charset="-122"/>
+              </a:defRPr>
+            </a:lvl3pPr>
+            <a:lvl4pPr marL="2133547" indent="-304792">
+              <a:spcBef>
+                <a:spcPct val="20000"/>
+              </a:spcBef>
+              <a:buFont typeface="Arial" panose="020B0604020202020204" pitchFamily="34" charset="0"/>
+              <a:buChar char="–"/>
+              <a:defRPr sz="2667">
+                <a:solidFill>
+                  <a:schemeClr val="tx1"/>
+                </a:solidFill>
+                <a:latin typeface="Calibri" panose="020F0502020204030204" pitchFamily="34" charset="0"/>
+                <a:ea typeface="宋体" panose="02010600030101010101" pitchFamily="2" charset="-122"/>
+              </a:defRPr>
+            </a:lvl4pPr>
+            <a:lvl5pPr marL="2743131" indent="-304792">
+              <a:spcBef>
+                <a:spcPct val="20000"/>
+              </a:spcBef>
+              <a:buFont typeface="Arial" panose="020B0604020202020204" pitchFamily="34" charset="0"/>
+              <a:buChar char="»"/>
+              <a:defRPr sz="2667">
+                <a:solidFill>
+                  <a:schemeClr val="tx1"/>
+                </a:solidFill>
+                <a:latin typeface="Calibri" panose="020F0502020204030204" pitchFamily="34" charset="0"/>
+                <a:ea typeface="宋体" panose="02010600030101010101" pitchFamily="2" charset="-122"/>
+              </a:defRPr>
+            </a:lvl5pPr>
+            <a:lvl6pPr marL="3352716" indent="-304792" defTabSz="1217054" eaLnBrk="0" fontAlgn="base" hangingPunct="0">
+              <a:spcBef>
+                <a:spcPct val="20000"/>
+              </a:spcBef>
+              <a:spcAft>
+                <a:spcPct val="0"/>
+              </a:spcAft>
+              <a:buFont typeface="Arial" panose="020B0604020202020204" pitchFamily="34" charset="0"/>
+              <a:buChar char="»"/>
+              <a:defRPr sz="2667">
+                <a:solidFill>
+                  <a:schemeClr val="tx1"/>
+                </a:solidFill>
+                <a:latin typeface="Calibri" panose="020F0502020204030204" pitchFamily="34" charset="0"/>
+                <a:ea typeface="宋体" panose="02010600030101010101" pitchFamily="2" charset="-122"/>
+              </a:defRPr>
+            </a:lvl6pPr>
+            <a:lvl7pPr marL="3962301" indent="-304792" defTabSz="1217054" eaLnBrk="0" fontAlgn="base" hangingPunct="0">
+              <a:spcBef>
+                <a:spcPct val="20000"/>
+              </a:spcBef>
+              <a:spcAft>
+                <a:spcPct val="0"/>
+              </a:spcAft>
+              <a:buFont typeface="Arial" panose="020B0604020202020204" pitchFamily="34" charset="0"/>
+              <a:buChar char="»"/>
+              <a:defRPr sz="2667">
+                <a:solidFill>
+                  <a:schemeClr val="tx1"/>
+                </a:solidFill>
+                <a:latin typeface="Calibri" panose="020F0502020204030204" pitchFamily="34" charset="0"/>
+                <a:ea typeface="宋体" panose="02010600030101010101" pitchFamily="2" charset="-122"/>
+              </a:defRPr>
+            </a:lvl7pPr>
+            <a:lvl8pPr marL="4571886" indent="-304792" defTabSz="1217054" eaLnBrk="0" fontAlgn="base" hangingPunct="0">
+              <a:spcBef>
+                <a:spcPct val="20000"/>
+              </a:spcBef>
+              <a:spcAft>
+                <a:spcPct val="0"/>
+              </a:spcAft>
+              <a:buFont typeface="Arial" panose="020B0604020202020204" pitchFamily="34" charset="0"/>
+              <a:buChar char="»"/>
+              <a:defRPr sz="2667">
+                <a:solidFill>
+                  <a:schemeClr val="tx1"/>
+                </a:solidFill>
+                <a:latin typeface="Calibri" panose="020F0502020204030204" pitchFamily="34" charset="0"/>
+                <a:ea typeface="宋体" panose="02010600030101010101" pitchFamily="2" charset="-122"/>
+              </a:defRPr>
+            </a:lvl8pPr>
+            <a:lvl9pPr marL="5181470" indent="-304792" defTabSz="1217054" eaLnBrk="0" fontAlgn="base" hangingPunct="0">
+              <a:spcBef>
+                <a:spcPct val="20000"/>
+              </a:spcBef>
+              <a:spcAft>
+                <a:spcPct val="0"/>
+              </a:spcAft>
+              <a:buFont typeface="Arial" panose="020B0604020202020204" pitchFamily="34" charset="0"/>
+              <a:buChar char="»"/>
+              <a:defRPr sz="2667">
+                <a:solidFill>
+                  <a:schemeClr val="tx1"/>
+                </a:solidFill>
+                <a:latin typeface="Calibri" panose="020F0502020204030204" pitchFamily="34" charset="0"/>
+                <a:ea typeface="宋体" panose="02010600030101010101" pitchFamily="2" charset="-122"/>
+              </a:defRPr>
+            </a:lvl9pPr>
+          </a:lstStyle>
+          <a:p>
+            <a:pPr>
+              <a:spcBef>
+                <a:spcPct val="0"/>
+              </a:spcBef>
+              <a:buFontTx/>
+              <a:buNone/>
+            </a:pPr>
+            <a:fld id="{272D57D8-7612-401D-B3B7-7DC6EFB66980}" type="slidenum">
+              <a:rPr lang="zh-CN" altLang="en-US" sz="2400">
+                <a:latin typeface="Times New Roman" panose="02020603050405020304" pitchFamily="18" charset="0"/>
+              </a:rPr>
+              <a:pPr>
+                <a:spcBef>
+                  <a:spcPct val="0"/>
+                </a:spcBef>
+                <a:buFontTx/>
+                <a:buNone/>
+              </a:pPr>
+              <a:t>21</a:t>
+            </a:fld>
+            <a:endParaRPr lang="zh-CN" altLang="en-US" sz="2400">
+              <a:latin typeface="Times New Roman" panose="02020603050405020304" pitchFamily="18" charset="0"/>
+            </a:endParaRPr>
+          </a:p>
+        </p:txBody>
+      </p:sp>
+      <p:pic>
+        <p:nvPicPr>
+          <p:cNvPr id="3" name="圖片 2">
+            <a:extLst>
+              <a:ext uri="{FF2B5EF4-FFF2-40B4-BE49-F238E27FC236}">
+                <a16:creationId xmlns:a16="http://schemas.microsoft.com/office/drawing/2014/main" id="{B09E842E-BB91-D8A3-78DB-3BB8A315DB63}"/>
+              </a:ext>
+            </a:extLst>
+          </p:cNvPr>
+          <p:cNvPicPr>
+            <a:picLocks noChangeAspect="1"/>
+          </p:cNvPicPr>
+          <p:nvPr/>
+        </p:nvPicPr>
+        <p:blipFill>
+          <a:blip r:embed="rId3"/>
+          <a:stretch>
+            <a:fillRect/>
+          </a:stretch>
+        </p:blipFill>
+        <p:spPr>
+          <a:xfrm>
+            <a:off x="668867" y="7176432"/>
+            <a:ext cx="7095238" cy="3038095"/>
+          </a:xfrm>
+          <a:prstGeom prst="rect">
+            <a:avLst/>
+          </a:prstGeom>
+        </p:spPr>
+      </p:pic>
+      <p:pic>
+        <p:nvPicPr>
+          <p:cNvPr id="4" name="圖片 3">
+            <a:extLst>
+              <a:ext uri="{FF2B5EF4-FFF2-40B4-BE49-F238E27FC236}">
+                <a16:creationId xmlns:a16="http://schemas.microsoft.com/office/drawing/2014/main" id="{C5D18780-5EA2-51BE-1E03-2327EABD9947}"/>
+              </a:ext>
+            </a:extLst>
+          </p:cNvPr>
+          <p:cNvPicPr>
+            <a:picLocks noChangeAspect="1"/>
+          </p:cNvPicPr>
+          <p:nvPr/>
+        </p:nvPicPr>
+        <p:blipFill>
+          <a:blip r:embed="rId4">
+            <a:extLst>
+              <a:ext uri="{28A0092B-C50C-407E-A947-70E740481C1C}">
+                <a14:useLocalDpi xmlns:a14="http://schemas.microsoft.com/office/drawing/2010/main" val="0"/>
+              </a:ext>
+            </a:extLst>
+          </a:blip>
+          <a:stretch>
+            <a:fillRect/>
+          </a:stretch>
+        </p:blipFill>
+        <p:spPr>
+          <a:xfrm>
+            <a:off x="300943" y="1574800"/>
+            <a:ext cx="11638694" cy="4269316"/>
+          </a:xfrm>
+          <a:prstGeom prst="rect">
+            <a:avLst/>
+          </a:prstGeom>
+        </p:spPr>
+      </p:pic>
+    </p:spTree>
+    <p:extLst>
+      <p:ext uri="{BB962C8B-B14F-4D97-AF65-F5344CB8AC3E}">
+        <p14:creationId xmlns:p14="http://schemas.microsoft.com/office/powerpoint/2010/main" val="1841331344"/>
+      </p:ext>
+    </p:extLst>
+  </p:cSld>
+  <p:clrMapOvr>
+    <a:masterClrMapping/>
+  </p:clrMapOvr>
+  <p:transition/>
+</p:sld>
+</file>
+
+<file path=ppt/slides/slide22.xml><?xml version="1.0" encoding="utf-8"?>
+<p:sld xmlns:a="http://schemas.openxmlformats.org/drawingml/2006/main" xmlns:r="http://schemas.openxmlformats.org/officeDocument/2006/relationships" xmlns:p="http://schemas.openxmlformats.org/presentationml/2006/main">
+  <p:cSld>
+    <p:spTree>
+      <p:nvGrpSpPr>
         <p:cNvPr id="1" name=""/>
         <p:cNvGrpSpPr/>
         <p:nvPr/>
@@ -20055,12 +22231,12 @@
               <a:defRPr/>
             </a:pPr>
             <a:r>
-              <a:rPr lang="en-US" altLang="zh-CN" sz="3200">
+              <a:rPr lang="en-US" altLang="zh-TW" sz="2800" dirty="0">
                 <a:latin typeface="Agency FB" panose="020B0503020202020204" pitchFamily="34" charset="0"/>
               </a:rPr>
-              <a:t>18</a:t>
+              <a:t>20</a:t>
             </a:r>
-            <a:endParaRPr lang="en-US" altLang="zh-CN" sz="3200" dirty="0">
+            <a:endParaRPr lang="en-US" altLang="zh-CN" sz="2800" dirty="0">
               <a:latin typeface="Agency FB" panose="020B0503020202020204" pitchFamily="34" charset="0"/>
             </a:endParaRPr>
           </a:p>
@@ -20434,7 +22610,7 @@
                 <a:buFontTx/>
                 <a:buNone/>
               </a:pPr>
-              <a:t>20</a:t>
+              <a:t>22</a:t>
             </a:fld>
             <a:endParaRPr lang="zh-CN" altLang="en-US" sz="2400">
               <a:latin typeface="Times New Roman" panose="02020603050405020304" pitchFamily="18" charset="0"/>
